--- a/WebContent/khj/5차 컴퓨터판매.pptx
+++ b/WebContent/khj/5차 컴퓨터판매.pptx
@@ -4135,7 +4135,11 @@
             <a:pPr algn="ctr"/>
             <a:r>
               <a:rPr lang="ko-KR" altLang="en-US" sz="1600" dirty="0" smtClean="0"/>
-              <a:t>조립컴퓨터               컴퓨터부품               견적문의              개인사양결제</a:t>
+              <a:t>조립컴퓨터               컴퓨터부품               </a:t>
+            </a:r>
+            <a:r>
+              <a:rPr lang="ko-KR" altLang="en-US" sz="1600" dirty="0" smtClean="0"/>
+              <a:t>견적문의</a:t>
             </a:r>
             <a:endParaRPr lang="ko-KR" altLang="en-US" sz="1600" dirty="0"/>
           </a:p>
@@ -4990,6 +4994,324 @@
           </a:fontRef>
         </p:style>
       </p:cxnSp>
+      <p:sp>
+        <p:nvSpPr>
+          <p:cNvPr id="38" name="직사각형 37"/>
+          <p:cNvSpPr/>
+          <p:nvPr/>
+        </p:nvSpPr>
+        <p:spPr>
+          <a:xfrm>
+            <a:off x="8599852" y="2058083"/>
+            <a:ext cx="2814881" cy="2406825"/>
+          </a:xfrm>
+          <a:prstGeom prst="rect">
+            <a:avLst/>
+          </a:prstGeom>
+          <a:solidFill>
+            <a:schemeClr val="bg1"/>
+          </a:solidFill>
+          <a:ln>
+            <a:solidFill>
+              <a:schemeClr val="tx2">
+                <a:lumMod val="50000"/>
+              </a:schemeClr>
+            </a:solidFill>
+          </a:ln>
+        </p:spPr>
+        <p:style>
+          <a:lnRef idx="2">
+            <a:schemeClr val="accent1">
+              <a:shade val="50000"/>
+            </a:schemeClr>
+          </a:lnRef>
+          <a:fillRef idx="1">
+            <a:schemeClr val="accent1"/>
+          </a:fillRef>
+          <a:effectRef idx="0">
+            <a:schemeClr val="accent1"/>
+          </a:effectRef>
+          <a:fontRef idx="minor">
+            <a:schemeClr val="lt1"/>
+          </a:fontRef>
+        </p:style>
+        <p:txBody>
+          <a:bodyPr rtlCol="0" anchor="ctr"/>
+          <a:lstStyle/>
+          <a:p>
+            <a:pPr algn="ctr"/>
+            <a:r>
+              <a:rPr lang="ko-KR" altLang="en-US" dirty="0" smtClean="0">
+                <a:solidFill>
+                  <a:srgbClr val="FF0000"/>
+                </a:solidFill>
+              </a:rPr>
+              <a:t>상품 홍보</a:t>
+            </a:r>
+            <a:endParaRPr lang="ko-KR" altLang="en-US" dirty="0">
+              <a:solidFill>
+                <a:srgbClr val="FF0000"/>
+              </a:solidFill>
+            </a:endParaRPr>
+          </a:p>
+        </p:txBody>
+      </p:sp>
+      <p:sp>
+        <p:nvSpPr>
+          <p:cNvPr id="39" name="직사각형 38"/>
+          <p:cNvSpPr/>
+          <p:nvPr/>
+        </p:nvSpPr>
+        <p:spPr>
+          <a:xfrm>
+            <a:off x="8642704" y="4634519"/>
+            <a:ext cx="1349794" cy="347999"/>
+          </a:xfrm>
+          <a:prstGeom prst="rect">
+            <a:avLst/>
+          </a:prstGeom>
+          <a:solidFill>
+            <a:schemeClr val="bg1"/>
+          </a:solidFill>
+          <a:ln>
+            <a:solidFill>
+              <a:schemeClr val="tx2">
+                <a:lumMod val="50000"/>
+              </a:schemeClr>
+            </a:solidFill>
+          </a:ln>
+        </p:spPr>
+        <p:style>
+          <a:lnRef idx="2">
+            <a:schemeClr val="accent1">
+              <a:shade val="50000"/>
+            </a:schemeClr>
+          </a:lnRef>
+          <a:fillRef idx="1">
+            <a:schemeClr val="accent1"/>
+          </a:fillRef>
+          <a:effectRef idx="0">
+            <a:schemeClr val="accent1"/>
+          </a:effectRef>
+          <a:fontRef idx="minor">
+            <a:schemeClr val="lt1"/>
+          </a:fontRef>
+        </p:style>
+        <p:txBody>
+          <a:bodyPr rtlCol="0" anchor="ctr"/>
+          <a:lstStyle/>
+          <a:p>
+            <a:pPr algn="ctr"/>
+            <a:r>
+              <a:rPr lang="en-US" altLang="ko-KR" dirty="0" smtClean="0">
+                <a:solidFill>
+                  <a:schemeClr val="tx1"/>
+                </a:solidFill>
+              </a:rPr>
+              <a:t>AS </a:t>
+            </a:r>
+            <a:r>
+              <a:rPr lang="ko-KR" altLang="en-US" dirty="0" smtClean="0">
+                <a:solidFill>
+                  <a:schemeClr val="tx1"/>
+                </a:solidFill>
+              </a:rPr>
+              <a:t>정책</a:t>
+            </a:r>
+            <a:endParaRPr lang="ko-KR" altLang="en-US" dirty="0">
+              <a:solidFill>
+                <a:schemeClr val="tx1"/>
+              </a:solidFill>
+            </a:endParaRPr>
+          </a:p>
+        </p:txBody>
+      </p:sp>
+      <p:sp>
+        <p:nvSpPr>
+          <p:cNvPr id="40" name="직사각형 39"/>
+          <p:cNvSpPr/>
+          <p:nvPr/>
+        </p:nvSpPr>
+        <p:spPr>
+          <a:xfrm>
+            <a:off x="10029205" y="4634518"/>
+            <a:ext cx="1349794" cy="347999"/>
+          </a:xfrm>
+          <a:prstGeom prst="rect">
+            <a:avLst/>
+          </a:prstGeom>
+          <a:solidFill>
+            <a:schemeClr val="bg1"/>
+          </a:solidFill>
+          <a:ln>
+            <a:solidFill>
+              <a:schemeClr val="tx2">
+                <a:lumMod val="50000"/>
+              </a:schemeClr>
+            </a:solidFill>
+          </a:ln>
+        </p:spPr>
+        <p:style>
+          <a:lnRef idx="2">
+            <a:schemeClr val="accent1">
+              <a:shade val="50000"/>
+            </a:schemeClr>
+          </a:lnRef>
+          <a:fillRef idx="1">
+            <a:schemeClr val="accent1"/>
+          </a:fillRef>
+          <a:effectRef idx="0">
+            <a:schemeClr val="accent1"/>
+          </a:effectRef>
+          <a:fontRef idx="minor">
+            <a:schemeClr val="lt1"/>
+          </a:fontRef>
+        </p:style>
+        <p:txBody>
+          <a:bodyPr rtlCol="0" anchor="ctr"/>
+          <a:lstStyle/>
+          <a:p>
+            <a:pPr algn="ctr"/>
+            <a:r>
+              <a:rPr lang="ko-KR" altLang="en-US" dirty="0" smtClean="0">
+                <a:solidFill>
+                  <a:schemeClr val="tx1"/>
+                </a:solidFill>
+              </a:rPr>
+              <a:t>제작과정</a:t>
+            </a:r>
+            <a:endParaRPr lang="ko-KR" altLang="en-US" dirty="0">
+              <a:solidFill>
+                <a:schemeClr val="tx1"/>
+              </a:solidFill>
+            </a:endParaRPr>
+          </a:p>
+        </p:txBody>
+      </p:sp>
+      <p:sp>
+        <p:nvSpPr>
+          <p:cNvPr id="41" name="직사각형 40"/>
+          <p:cNvSpPr/>
+          <p:nvPr/>
+        </p:nvSpPr>
+        <p:spPr>
+          <a:xfrm>
+            <a:off x="8631729" y="5166101"/>
+            <a:ext cx="1349794" cy="347999"/>
+          </a:xfrm>
+          <a:prstGeom prst="rect">
+            <a:avLst/>
+          </a:prstGeom>
+          <a:solidFill>
+            <a:schemeClr val="bg1"/>
+          </a:solidFill>
+          <a:ln>
+            <a:solidFill>
+              <a:schemeClr val="tx2">
+                <a:lumMod val="50000"/>
+              </a:schemeClr>
+            </a:solidFill>
+          </a:ln>
+        </p:spPr>
+        <p:style>
+          <a:lnRef idx="2">
+            <a:schemeClr val="accent1">
+              <a:shade val="50000"/>
+            </a:schemeClr>
+          </a:lnRef>
+          <a:fillRef idx="1">
+            <a:schemeClr val="accent1"/>
+          </a:fillRef>
+          <a:effectRef idx="0">
+            <a:schemeClr val="accent1"/>
+          </a:effectRef>
+          <a:fontRef idx="minor">
+            <a:schemeClr val="lt1"/>
+          </a:fontRef>
+        </p:style>
+        <p:txBody>
+          <a:bodyPr rtlCol="0" anchor="ctr"/>
+          <a:lstStyle/>
+          <a:p>
+            <a:pPr algn="ctr"/>
+            <a:r>
+              <a:rPr lang="ko-KR" altLang="en-US" dirty="0" smtClean="0">
+                <a:solidFill>
+                  <a:schemeClr val="tx1"/>
+                </a:solidFill>
+              </a:rPr>
+              <a:t>배송 정책</a:t>
+            </a:r>
+            <a:endParaRPr lang="ko-KR" altLang="en-US" dirty="0">
+              <a:solidFill>
+                <a:schemeClr val="tx1"/>
+              </a:solidFill>
+            </a:endParaRPr>
+          </a:p>
+        </p:txBody>
+      </p:sp>
+      <p:sp>
+        <p:nvSpPr>
+          <p:cNvPr id="42" name="직사각형 41"/>
+          <p:cNvSpPr/>
+          <p:nvPr/>
+        </p:nvSpPr>
+        <p:spPr>
+          <a:xfrm>
+            <a:off x="10029205" y="5158942"/>
+            <a:ext cx="1349794" cy="347999"/>
+          </a:xfrm>
+          <a:prstGeom prst="rect">
+            <a:avLst/>
+          </a:prstGeom>
+          <a:solidFill>
+            <a:schemeClr val="bg1"/>
+          </a:solidFill>
+          <a:ln>
+            <a:solidFill>
+              <a:schemeClr val="tx2">
+                <a:lumMod val="50000"/>
+              </a:schemeClr>
+            </a:solidFill>
+          </a:ln>
+        </p:spPr>
+        <p:style>
+          <a:lnRef idx="2">
+            <a:schemeClr val="accent1">
+              <a:shade val="50000"/>
+            </a:schemeClr>
+          </a:lnRef>
+          <a:fillRef idx="1">
+            <a:schemeClr val="accent1"/>
+          </a:fillRef>
+          <a:effectRef idx="0">
+            <a:schemeClr val="accent1"/>
+          </a:effectRef>
+          <a:fontRef idx="minor">
+            <a:schemeClr val="lt1"/>
+          </a:fontRef>
+        </p:style>
+        <p:txBody>
+          <a:bodyPr rtlCol="0" anchor="ctr"/>
+          <a:lstStyle/>
+          <a:p>
+            <a:pPr algn="ctr"/>
+            <a:r>
+              <a:rPr lang="ko-KR" altLang="en-US" dirty="0" smtClean="0">
+                <a:solidFill>
+                  <a:schemeClr val="tx1"/>
+                </a:solidFill>
+              </a:rPr>
+              <a:t>사양 변경</a:t>
+            </a:r>
+            <a:endParaRPr lang="ko-KR" altLang="en-US" dirty="0">
+              <a:solidFill>
+                <a:schemeClr val="tx1"/>
+              </a:solidFill>
+            </a:endParaRPr>
+          </a:p>
+        </p:txBody>
+      </p:sp>
     </p:spTree>
     <p:extLst>
       <p:ext uri="{BB962C8B-B14F-4D97-AF65-F5344CB8AC3E}">
@@ -5724,37 +6046,6 @@
           </a:p>
         </p:txBody>
       </p:sp>
-      <p:sp>
-        <p:nvSpPr>
-          <p:cNvPr id="17" name="TextBox 16"/>
-          <p:cNvSpPr txBox="1"/>
-          <p:nvPr/>
-        </p:nvSpPr>
-        <p:spPr>
-          <a:xfrm>
-            <a:off x="777269" y="2129221"/>
-            <a:ext cx="7569580" cy="338554"/>
-          </a:xfrm>
-          <a:prstGeom prst="rect">
-            <a:avLst/>
-          </a:prstGeom>
-          <a:noFill/>
-        </p:spPr>
-        <p:txBody>
-          <a:bodyPr wrap="square" rtlCol="0">
-            <a:spAutoFit/>
-          </a:bodyPr>
-          <a:lstStyle/>
-          <a:p>
-            <a:pPr algn="ctr"/>
-            <a:r>
-              <a:rPr lang="ko-KR" altLang="en-US" sz="1600" dirty="0" smtClean="0"/>
-              <a:t>조립컴퓨터               컴퓨터부품               견적문의              개인사양결제</a:t>
-            </a:r>
-            <a:endParaRPr lang="ko-KR" altLang="en-US" sz="1600" dirty="0"/>
-          </a:p>
-        </p:txBody>
-      </p:sp>
       <p:cxnSp>
         <p:nvCxnSpPr>
           <p:cNvPr id="19" name="직선 연결선 18"/>
@@ -6589,6 +6880,265 @@
               <a:t>마이페이지</a:t>
             </a:r>
             <a:endParaRPr lang="ko-KR" altLang="en-US" sz="1000" dirty="0"/>
+          </a:p>
+        </p:txBody>
+      </p:sp>
+      <p:cxnSp>
+        <p:nvCxnSpPr>
+          <p:cNvPr id="65" name="직선 연결선 64"/>
+          <p:cNvCxnSpPr/>
+          <p:nvPr/>
+        </p:nvCxnSpPr>
+        <p:spPr>
+          <a:xfrm>
+            <a:off x="8602764" y="1984861"/>
+            <a:ext cx="2811968" cy="0"/>
+          </a:xfrm>
+          <a:prstGeom prst="line">
+            <a:avLst/>
+          </a:prstGeom>
+          <a:ln>
+            <a:solidFill>
+              <a:schemeClr val="tx1"/>
+            </a:solidFill>
+          </a:ln>
+        </p:spPr>
+        <p:style>
+          <a:lnRef idx="1">
+            <a:schemeClr val="accent1"/>
+          </a:lnRef>
+          <a:fillRef idx="0">
+            <a:schemeClr val="accent1"/>
+          </a:fillRef>
+          <a:effectRef idx="0">
+            <a:schemeClr val="accent1"/>
+          </a:effectRef>
+          <a:fontRef idx="minor">
+            <a:schemeClr val="tx1"/>
+          </a:fontRef>
+        </p:style>
+      </p:cxnSp>
+      <p:sp>
+        <p:nvSpPr>
+          <p:cNvPr id="66" name="TextBox 65"/>
+          <p:cNvSpPr txBox="1"/>
+          <p:nvPr/>
+        </p:nvSpPr>
+        <p:spPr>
+          <a:xfrm>
+            <a:off x="8686433" y="2066609"/>
+            <a:ext cx="815545" cy="276999"/>
+          </a:xfrm>
+          <a:prstGeom prst="rect">
+            <a:avLst/>
+          </a:prstGeom>
+          <a:noFill/>
+        </p:spPr>
+        <p:txBody>
+          <a:bodyPr wrap="square" rtlCol="0">
+            <a:spAutoFit/>
+          </a:bodyPr>
+          <a:lstStyle/>
+          <a:p>
+            <a:r>
+              <a:rPr lang="ko-KR" altLang="en-US" sz="1200" dirty="0" smtClean="0"/>
+              <a:t>제목</a:t>
+            </a:r>
+            <a:endParaRPr lang="ko-KR" altLang="en-US" sz="1200" dirty="0"/>
+          </a:p>
+        </p:txBody>
+      </p:sp>
+      <p:sp>
+        <p:nvSpPr>
+          <p:cNvPr id="67" name="직사각형 66"/>
+          <p:cNvSpPr/>
+          <p:nvPr/>
+        </p:nvSpPr>
+        <p:spPr>
+          <a:xfrm>
+            <a:off x="9144000" y="2062219"/>
+            <a:ext cx="2232086" cy="239576"/>
+          </a:xfrm>
+          <a:prstGeom prst="rect">
+            <a:avLst/>
+          </a:prstGeom>
+          <a:solidFill>
+            <a:schemeClr val="bg1"/>
+          </a:solidFill>
+          <a:ln>
+            <a:solidFill>
+              <a:schemeClr val="tx1"/>
+            </a:solidFill>
+          </a:ln>
+        </p:spPr>
+        <p:style>
+          <a:lnRef idx="2">
+            <a:schemeClr val="accent1">
+              <a:shade val="50000"/>
+            </a:schemeClr>
+          </a:lnRef>
+          <a:fillRef idx="1">
+            <a:schemeClr val="accent1"/>
+          </a:fillRef>
+          <a:effectRef idx="0">
+            <a:schemeClr val="accent1"/>
+          </a:effectRef>
+          <a:fontRef idx="minor">
+            <a:schemeClr val="lt1"/>
+          </a:fontRef>
+        </p:style>
+        <p:txBody>
+          <a:bodyPr rtlCol="0" anchor="ctr"/>
+          <a:lstStyle/>
+          <a:p>
+            <a:pPr algn="ctr"/>
+            <a:endParaRPr lang="ko-KR" altLang="en-US"/>
+          </a:p>
+        </p:txBody>
+      </p:sp>
+      <p:sp>
+        <p:nvSpPr>
+          <p:cNvPr id="71" name="직사각형 70"/>
+          <p:cNvSpPr/>
+          <p:nvPr/>
+        </p:nvSpPr>
+        <p:spPr>
+          <a:xfrm>
+            <a:off x="10791784" y="5407520"/>
+            <a:ext cx="510767" cy="238897"/>
+          </a:xfrm>
+          <a:prstGeom prst="rect">
+            <a:avLst/>
+          </a:prstGeom>
+          <a:solidFill>
+            <a:schemeClr val="tx1"/>
+          </a:solidFill>
+          <a:ln>
+            <a:solidFill>
+              <a:schemeClr val="tx1"/>
+            </a:solidFill>
+          </a:ln>
+        </p:spPr>
+        <p:style>
+          <a:lnRef idx="2">
+            <a:schemeClr val="accent1">
+              <a:shade val="50000"/>
+            </a:schemeClr>
+          </a:lnRef>
+          <a:fillRef idx="1">
+            <a:schemeClr val="accent1"/>
+          </a:fillRef>
+          <a:effectRef idx="0">
+            <a:schemeClr val="accent1"/>
+          </a:effectRef>
+          <a:fontRef idx="minor">
+            <a:schemeClr val="lt1"/>
+          </a:fontRef>
+        </p:style>
+        <p:txBody>
+          <a:bodyPr rtlCol="0" anchor="ctr"/>
+          <a:lstStyle/>
+          <a:p>
+            <a:r>
+              <a:rPr lang="ko-KR" altLang="en-US" sz="1200" dirty="0" smtClean="0">
+                <a:solidFill>
+                  <a:schemeClr val="bg1">
+                    <a:lumMod val="75000"/>
+                  </a:schemeClr>
+                </a:solidFill>
+              </a:rPr>
+              <a:t>등록</a:t>
+            </a:r>
+            <a:endParaRPr lang="ko-KR" altLang="en-US" sz="1200" dirty="0">
+              <a:solidFill>
+                <a:schemeClr val="bg1">
+                  <a:lumMod val="75000"/>
+                </a:schemeClr>
+              </a:solidFill>
+            </a:endParaRPr>
+          </a:p>
+        </p:txBody>
+      </p:sp>
+      <p:sp>
+        <p:nvSpPr>
+          <p:cNvPr id="72" name="직사각형 71"/>
+          <p:cNvSpPr/>
+          <p:nvPr/>
+        </p:nvSpPr>
+        <p:spPr>
+          <a:xfrm>
+            <a:off x="8657518" y="2418186"/>
+            <a:ext cx="2704143" cy="2931890"/>
+          </a:xfrm>
+          <a:prstGeom prst="rect">
+            <a:avLst/>
+          </a:prstGeom>
+          <a:solidFill>
+            <a:schemeClr val="bg1"/>
+          </a:solidFill>
+          <a:ln>
+            <a:solidFill>
+              <a:schemeClr val="tx1"/>
+            </a:solidFill>
+          </a:ln>
+        </p:spPr>
+        <p:style>
+          <a:lnRef idx="2">
+            <a:schemeClr val="accent1">
+              <a:shade val="50000"/>
+            </a:schemeClr>
+          </a:lnRef>
+          <a:fillRef idx="1">
+            <a:schemeClr val="accent1"/>
+          </a:fillRef>
+          <a:effectRef idx="0">
+            <a:schemeClr val="accent1"/>
+          </a:effectRef>
+          <a:fontRef idx="minor">
+            <a:schemeClr val="lt1"/>
+          </a:fontRef>
+        </p:style>
+        <p:txBody>
+          <a:bodyPr rtlCol="0" anchor="ctr"/>
+          <a:lstStyle/>
+          <a:p>
+            <a:pPr algn="ctr"/>
+            <a:endParaRPr lang="ko-KR" altLang="en-US"/>
+          </a:p>
+        </p:txBody>
+      </p:sp>
+      <p:sp>
+        <p:nvSpPr>
+          <p:cNvPr id="73" name="TextBox 72"/>
+          <p:cNvSpPr txBox="1"/>
+          <p:nvPr/>
+        </p:nvSpPr>
+        <p:spPr>
+          <a:xfrm>
+            <a:off x="777269" y="2129221"/>
+            <a:ext cx="7569580" cy="338554"/>
+          </a:xfrm>
+          <a:prstGeom prst="rect">
+            <a:avLst/>
+          </a:prstGeom>
+          <a:noFill/>
+        </p:spPr>
+        <p:txBody>
+          <a:bodyPr wrap="square" rtlCol="0">
+            <a:spAutoFit/>
+          </a:bodyPr>
+          <a:lstStyle/>
+          <a:p>
+            <a:pPr algn="ctr"/>
+            <a:r>
+              <a:rPr lang="ko-KR" altLang="en-US" sz="1600" dirty="0" smtClean="0"/>
+              <a:t>조립컴퓨터               컴퓨터부품               </a:t>
+            </a:r>
+            <a:r>
+              <a:rPr lang="ko-KR" altLang="en-US" sz="1600" dirty="0" smtClean="0"/>
+              <a:t>견적문의</a:t>
+            </a:r>
+            <a:endParaRPr lang="ko-KR" altLang="en-US" sz="1600" dirty="0"/>
           </a:p>
         </p:txBody>
       </p:sp>
@@ -7326,37 +7876,6 @@
           </a:p>
         </p:txBody>
       </p:sp>
-      <p:sp>
-        <p:nvSpPr>
-          <p:cNvPr id="17" name="TextBox 16"/>
-          <p:cNvSpPr txBox="1"/>
-          <p:nvPr/>
-        </p:nvSpPr>
-        <p:spPr>
-          <a:xfrm>
-            <a:off x="777269" y="2129221"/>
-            <a:ext cx="7569580" cy="338554"/>
-          </a:xfrm>
-          <a:prstGeom prst="rect">
-            <a:avLst/>
-          </a:prstGeom>
-          <a:noFill/>
-        </p:spPr>
-        <p:txBody>
-          <a:bodyPr wrap="square" rtlCol="0">
-            <a:spAutoFit/>
-          </a:bodyPr>
-          <a:lstStyle/>
-          <a:p>
-            <a:pPr algn="ctr"/>
-            <a:r>
-              <a:rPr lang="ko-KR" altLang="en-US" sz="1600" dirty="0" smtClean="0"/>
-              <a:t>조립컴퓨터               컴퓨터부품               견적문의              개인사양결제</a:t>
-            </a:r>
-            <a:endParaRPr lang="ko-KR" altLang="en-US" sz="1600" dirty="0"/>
-          </a:p>
-        </p:txBody>
-      </p:sp>
       <p:cxnSp>
         <p:nvCxnSpPr>
           <p:cNvPr id="19" name="직선 연결선 18"/>
@@ -8185,6 +8704,312 @@
               <a:t>마이페이지</a:t>
             </a:r>
             <a:endParaRPr lang="ko-KR" altLang="en-US" sz="1000" dirty="0"/>
+          </a:p>
+        </p:txBody>
+      </p:sp>
+      <p:cxnSp>
+        <p:nvCxnSpPr>
+          <p:cNvPr id="41" name="직선 연결선 40"/>
+          <p:cNvCxnSpPr/>
+          <p:nvPr/>
+        </p:nvCxnSpPr>
+        <p:spPr>
+          <a:xfrm>
+            <a:off x="8602764" y="1984861"/>
+            <a:ext cx="2811968" cy="0"/>
+          </a:xfrm>
+          <a:prstGeom prst="line">
+            <a:avLst/>
+          </a:prstGeom>
+          <a:ln>
+            <a:solidFill>
+              <a:schemeClr val="tx1"/>
+            </a:solidFill>
+          </a:ln>
+        </p:spPr>
+        <p:style>
+          <a:lnRef idx="1">
+            <a:schemeClr val="accent1"/>
+          </a:lnRef>
+          <a:fillRef idx="0">
+            <a:schemeClr val="accent1"/>
+          </a:fillRef>
+          <a:effectRef idx="0">
+            <a:schemeClr val="accent1"/>
+          </a:effectRef>
+          <a:fontRef idx="minor">
+            <a:schemeClr val="tx1"/>
+          </a:fontRef>
+        </p:style>
+      </p:cxnSp>
+      <p:cxnSp>
+        <p:nvCxnSpPr>
+          <p:cNvPr id="65" name="직선 연결선 64"/>
+          <p:cNvCxnSpPr/>
+          <p:nvPr/>
+        </p:nvCxnSpPr>
+        <p:spPr>
+          <a:xfrm>
+            <a:off x="8602764" y="1984861"/>
+            <a:ext cx="2811968" cy="0"/>
+          </a:xfrm>
+          <a:prstGeom prst="line">
+            <a:avLst/>
+          </a:prstGeom>
+          <a:ln>
+            <a:solidFill>
+              <a:schemeClr val="tx1"/>
+            </a:solidFill>
+          </a:ln>
+        </p:spPr>
+        <p:style>
+          <a:lnRef idx="1">
+            <a:schemeClr val="accent1"/>
+          </a:lnRef>
+          <a:fillRef idx="0">
+            <a:schemeClr val="accent1"/>
+          </a:fillRef>
+          <a:effectRef idx="0">
+            <a:schemeClr val="accent1"/>
+          </a:effectRef>
+          <a:fontRef idx="minor">
+            <a:schemeClr val="tx1"/>
+          </a:fontRef>
+        </p:style>
+      </p:cxnSp>
+      <p:sp>
+        <p:nvSpPr>
+          <p:cNvPr id="66" name="TextBox 65"/>
+          <p:cNvSpPr txBox="1"/>
+          <p:nvPr/>
+        </p:nvSpPr>
+        <p:spPr>
+          <a:xfrm>
+            <a:off x="8649280" y="2052277"/>
+            <a:ext cx="659031" cy="246221"/>
+          </a:xfrm>
+          <a:prstGeom prst="rect">
+            <a:avLst/>
+          </a:prstGeom>
+          <a:noFill/>
+        </p:spPr>
+        <p:txBody>
+          <a:bodyPr wrap="square" rtlCol="0">
+            <a:spAutoFit/>
+          </a:bodyPr>
+          <a:lstStyle/>
+          <a:p>
+            <a:r>
+              <a:rPr lang="ko-KR" altLang="en-US" sz="1000" dirty="0" smtClean="0"/>
+              <a:t>제목</a:t>
+            </a:r>
+            <a:endParaRPr lang="ko-KR" altLang="en-US" sz="1000" dirty="0"/>
+          </a:p>
+        </p:txBody>
+      </p:sp>
+      <p:sp>
+        <p:nvSpPr>
+          <p:cNvPr id="67" name="TextBox 66"/>
+          <p:cNvSpPr txBox="1"/>
+          <p:nvPr/>
+        </p:nvSpPr>
+        <p:spPr>
+          <a:xfrm>
+            <a:off x="10362209" y="2059458"/>
+            <a:ext cx="1021039" cy="246221"/>
+          </a:xfrm>
+          <a:prstGeom prst="rect">
+            <a:avLst/>
+          </a:prstGeom>
+          <a:noFill/>
+        </p:spPr>
+        <p:txBody>
+          <a:bodyPr wrap="square" rtlCol="0">
+            <a:spAutoFit/>
+          </a:bodyPr>
+          <a:lstStyle/>
+          <a:p>
+            <a:r>
+              <a:rPr lang="ko-KR" altLang="en-US" sz="1000" dirty="0" smtClean="0"/>
+              <a:t>작성자 등록일</a:t>
+            </a:r>
+            <a:endParaRPr lang="ko-KR" altLang="en-US" sz="1000" dirty="0"/>
+          </a:p>
+        </p:txBody>
+      </p:sp>
+      <p:sp>
+        <p:nvSpPr>
+          <p:cNvPr id="70" name="직사각형 69"/>
+          <p:cNvSpPr/>
+          <p:nvPr/>
+        </p:nvSpPr>
+        <p:spPr>
+          <a:xfrm>
+            <a:off x="10797934" y="5399675"/>
+            <a:ext cx="510767" cy="238897"/>
+          </a:xfrm>
+          <a:prstGeom prst="rect">
+            <a:avLst/>
+          </a:prstGeom>
+          <a:solidFill>
+            <a:schemeClr val="tx1"/>
+          </a:solidFill>
+          <a:ln>
+            <a:solidFill>
+              <a:schemeClr val="tx1"/>
+            </a:solidFill>
+          </a:ln>
+        </p:spPr>
+        <p:style>
+          <a:lnRef idx="2">
+            <a:schemeClr val="accent1">
+              <a:shade val="50000"/>
+            </a:schemeClr>
+          </a:lnRef>
+          <a:fillRef idx="1">
+            <a:schemeClr val="accent1"/>
+          </a:fillRef>
+          <a:effectRef idx="0">
+            <a:schemeClr val="accent1"/>
+          </a:effectRef>
+          <a:fontRef idx="minor">
+            <a:schemeClr val="lt1"/>
+          </a:fontRef>
+        </p:style>
+        <p:txBody>
+          <a:bodyPr rtlCol="0" anchor="ctr"/>
+          <a:lstStyle/>
+          <a:p>
+            <a:r>
+              <a:rPr lang="ko-KR" altLang="en-US" sz="1200" dirty="0" smtClean="0">
+                <a:solidFill>
+                  <a:schemeClr val="bg1">
+                    <a:lumMod val="75000"/>
+                  </a:schemeClr>
+                </a:solidFill>
+              </a:rPr>
+              <a:t>이전</a:t>
+            </a:r>
+            <a:endParaRPr lang="ko-KR" altLang="en-US" sz="1200" dirty="0">
+              <a:solidFill>
+                <a:schemeClr val="bg1">
+                  <a:lumMod val="75000"/>
+                </a:schemeClr>
+              </a:solidFill>
+            </a:endParaRPr>
+          </a:p>
+        </p:txBody>
+      </p:sp>
+      <p:sp>
+        <p:nvSpPr>
+          <p:cNvPr id="71" name="직사각형 70"/>
+          <p:cNvSpPr/>
+          <p:nvPr/>
+        </p:nvSpPr>
+        <p:spPr>
+          <a:xfrm>
+            <a:off x="8657518" y="2418186"/>
+            <a:ext cx="2704143" cy="2931890"/>
+          </a:xfrm>
+          <a:prstGeom prst="rect">
+            <a:avLst/>
+          </a:prstGeom>
+          <a:solidFill>
+            <a:schemeClr val="bg1"/>
+          </a:solidFill>
+          <a:ln>
+            <a:solidFill>
+              <a:schemeClr val="tx1"/>
+            </a:solidFill>
+          </a:ln>
+        </p:spPr>
+        <p:style>
+          <a:lnRef idx="2">
+            <a:schemeClr val="accent1">
+              <a:shade val="50000"/>
+            </a:schemeClr>
+          </a:lnRef>
+          <a:fillRef idx="1">
+            <a:schemeClr val="accent1"/>
+          </a:fillRef>
+          <a:effectRef idx="0">
+            <a:schemeClr val="accent1"/>
+          </a:effectRef>
+          <a:fontRef idx="minor">
+            <a:schemeClr val="lt1"/>
+          </a:fontRef>
+        </p:style>
+        <p:txBody>
+          <a:bodyPr rtlCol="0" anchor="ctr"/>
+          <a:lstStyle/>
+          <a:p>
+            <a:pPr algn="ctr"/>
+            <a:endParaRPr lang="ko-KR" altLang="en-US"/>
+          </a:p>
+        </p:txBody>
+      </p:sp>
+      <p:sp>
+        <p:nvSpPr>
+          <p:cNvPr id="72" name="TextBox 71"/>
+          <p:cNvSpPr txBox="1"/>
+          <p:nvPr/>
+        </p:nvSpPr>
+        <p:spPr>
+          <a:xfrm>
+            <a:off x="9697681" y="3640276"/>
+            <a:ext cx="871465" cy="338554"/>
+          </a:xfrm>
+          <a:prstGeom prst="rect">
+            <a:avLst/>
+          </a:prstGeom>
+          <a:noFill/>
+        </p:spPr>
+        <p:txBody>
+          <a:bodyPr wrap="square" rtlCol="0">
+            <a:spAutoFit/>
+          </a:bodyPr>
+          <a:lstStyle/>
+          <a:p>
+            <a:r>
+              <a:rPr lang="ko-KR" altLang="en-US" sz="1600" dirty="0" smtClean="0"/>
+              <a:t>내용</a:t>
+            </a:r>
+            <a:endParaRPr lang="en-US" altLang="ko-KR" sz="1600" dirty="0" smtClean="0"/>
+          </a:p>
+        </p:txBody>
+      </p:sp>
+      <p:sp>
+        <p:nvSpPr>
+          <p:cNvPr id="73" name="TextBox 72"/>
+          <p:cNvSpPr txBox="1"/>
+          <p:nvPr/>
+        </p:nvSpPr>
+        <p:spPr>
+          <a:xfrm>
+            <a:off x="777269" y="2129221"/>
+            <a:ext cx="7569580" cy="338554"/>
+          </a:xfrm>
+          <a:prstGeom prst="rect">
+            <a:avLst/>
+          </a:prstGeom>
+          <a:noFill/>
+        </p:spPr>
+        <p:txBody>
+          <a:bodyPr wrap="square" rtlCol="0">
+            <a:spAutoFit/>
+          </a:bodyPr>
+          <a:lstStyle/>
+          <a:p>
+            <a:pPr algn="ctr"/>
+            <a:r>
+              <a:rPr lang="ko-KR" altLang="en-US" sz="1600" dirty="0" smtClean="0"/>
+              <a:t>조립컴퓨터               컴퓨터부품               </a:t>
+            </a:r>
+            <a:r>
+              <a:rPr lang="ko-KR" altLang="en-US" sz="1600" dirty="0" smtClean="0"/>
+              <a:t>견적문의</a:t>
+            </a:r>
+            <a:endParaRPr lang="ko-KR" altLang="en-US" sz="1600" dirty="0"/>
           </a:p>
         </p:txBody>
       </p:sp>
@@ -8970,37 +9795,6 @@
           </a:p>
         </p:txBody>
       </p:sp>
-      <p:sp>
-        <p:nvSpPr>
-          <p:cNvPr id="17" name="TextBox 16"/>
-          <p:cNvSpPr txBox="1"/>
-          <p:nvPr/>
-        </p:nvSpPr>
-        <p:spPr>
-          <a:xfrm>
-            <a:off x="777269" y="2129221"/>
-            <a:ext cx="7569580" cy="338554"/>
-          </a:xfrm>
-          <a:prstGeom prst="rect">
-            <a:avLst/>
-          </a:prstGeom>
-          <a:noFill/>
-        </p:spPr>
-        <p:txBody>
-          <a:bodyPr wrap="square" rtlCol="0">
-            <a:spAutoFit/>
-          </a:bodyPr>
-          <a:lstStyle/>
-          <a:p>
-            <a:pPr algn="ctr"/>
-            <a:r>
-              <a:rPr lang="ko-KR" altLang="en-US" sz="1600" dirty="0" smtClean="0"/>
-              <a:t>조립컴퓨터               컴퓨터부품               견적문의              개인사양결제</a:t>
-            </a:r>
-            <a:endParaRPr lang="ko-KR" altLang="en-US" sz="1600" dirty="0"/>
-          </a:p>
-        </p:txBody>
-      </p:sp>
       <p:cxnSp>
         <p:nvCxnSpPr>
           <p:cNvPr id="19" name="직선 연결선 18"/>
@@ -10355,6 +11149,772 @@
               <a:t>마이페이지</a:t>
             </a:r>
             <a:endParaRPr lang="ko-KR" altLang="en-US" sz="1000" dirty="0"/>
+          </a:p>
+        </p:txBody>
+      </p:sp>
+      <p:cxnSp>
+        <p:nvCxnSpPr>
+          <p:cNvPr id="64" name="직선 연결선 63"/>
+          <p:cNvCxnSpPr/>
+          <p:nvPr/>
+        </p:nvCxnSpPr>
+        <p:spPr>
+          <a:xfrm>
+            <a:off x="8602764" y="1984861"/>
+            <a:ext cx="2811968" cy="0"/>
+          </a:xfrm>
+          <a:prstGeom prst="line">
+            <a:avLst/>
+          </a:prstGeom>
+          <a:ln>
+            <a:solidFill>
+              <a:schemeClr val="tx1"/>
+            </a:solidFill>
+          </a:ln>
+        </p:spPr>
+        <p:style>
+          <a:lnRef idx="1">
+            <a:schemeClr val="accent1"/>
+          </a:lnRef>
+          <a:fillRef idx="0">
+            <a:schemeClr val="accent1"/>
+          </a:fillRef>
+          <a:effectRef idx="0">
+            <a:schemeClr val="accent1"/>
+          </a:effectRef>
+          <a:fontRef idx="minor">
+            <a:schemeClr val="tx1"/>
+          </a:fontRef>
+        </p:style>
+      </p:cxnSp>
+      <p:sp>
+        <p:nvSpPr>
+          <p:cNvPr id="88" name="TextBox 87"/>
+          <p:cNvSpPr txBox="1"/>
+          <p:nvPr/>
+        </p:nvSpPr>
+        <p:spPr>
+          <a:xfrm>
+            <a:off x="8670594" y="2028680"/>
+            <a:ext cx="1112108" cy="276999"/>
+          </a:xfrm>
+          <a:prstGeom prst="rect">
+            <a:avLst/>
+          </a:prstGeom>
+          <a:noFill/>
+        </p:spPr>
+        <p:txBody>
+          <a:bodyPr wrap="square" rtlCol="0">
+            <a:spAutoFit/>
+          </a:bodyPr>
+          <a:lstStyle/>
+          <a:p>
+            <a:r>
+              <a:rPr lang="ko-KR" altLang="en-US" sz="1200" dirty="0" smtClean="0"/>
+              <a:t>서비스 센터</a:t>
+            </a:r>
+            <a:endParaRPr lang="ko-KR" altLang="en-US" sz="1200" dirty="0"/>
+          </a:p>
+        </p:txBody>
+      </p:sp>
+      <p:sp>
+        <p:nvSpPr>
+          <p:cNvPr id="89" name="직사각형 88"/>
+          <p:cNvSpPr/>
+          <p:nvPr/>
+        </p:nvSpPr>
+        <p:spPr>
+          <a:xfrm>
+            <a:off x="8670594" y="2403978"/>
+            <a:ext cx="1112108" cy="249674"/>
+          </a:xfrm>
+          <a:prstGeom prst="rect">
+            <a:avLst/>
+          </a:prstGeom>
+          <a:solidFill>
+            <a:schemeClr val="bg1"/>
+          </a:solidFill>
+          <a:ln>
+            <a:solidFill>
+              <a:schemeClr val="tx1"/>
+            </a:solidFill>
+          </a:ln>
+        </p:spPr>
+        <p:style>
+          <a:lnRef idx="2">
+            <a:schemeClr val="accent1">
+              <a:shade val="50000"/>
+            </a:schemeClr>
+          </a:lnRef>
+          <a:fillRef idx="1">
+            <a:schemeClr val="accent1"/>
+          </a:fillRef>
+          <a:effectRef idx="0">
+            <a:schemeClr val="accent1"/>
+          </a:effectRef>
+          <a:fontRef idx="minor">
+            <a:schemeClr val="lt1"/>
+          </a:fontRef>
+        </p:style>
+        <p:txBody>
+          <a:bodyPr rtlCol="0" anchor="ctr"/>
+          <a:lstStyle/>
+          <a:p>
+            <a:r>
+              <a:rPr lang="ko-KR" altLang="en-US" sz="1000" dirty="0" smtClean="0">
+                <a:solidFill>
+                  <a:schemeClr val="tx1"/>
+                </a:solidFill>
+              </a:rPr>
+              <a:t>문의사항</a:t>
+            </a:r>
+            <a:endParaRPr lang="ko-KR" altLang="en-US" sz="1000" dirty="0">
+              <a:solidFill>
+                <a:schemeClr val="tx1"/>
+              </a:solidFill>
+            </a:endParaRPr>
+          </a:p>
+        </p:txBody>
+      </p:sp>
+      <p:sp>
+        <p:nvSpPr>
+          <p:cNvPr id="90" name="아래쪽 화살표 89"/>
+          <p:cNvSpPr/>
+          <p:nvPr/>
+        </p:nvSpPr>
+        <p:spPr>
+          <a:xfrm>
+            <a:off x="9576759" y="2475556"/>
+            <a:ext cx="131805" cy="123568"/>
+          </a:xfrm>
+          <a:prstGeom prst="downArrow">
+            <a:avLst/>
+          </a:prstGeom>
+          <a:solidFill>
+            <a:schemeClr val="bg1"/>
+          </a:solidFill>
+          <a:ln>
+            <a:solidFill>
+              <a:schemeClr val="tx1"/>
+            </a:solidFill>
+          </a:ln>
+        </p:spPr>
+        <p:style>
+          <a:lnRef idx="2">
+            <a:schemeClr val="accent1">
+              <a:shade val="50000"/>
+            </a:schemeClr>
+          </a:lnRef>
+          <a:fillRef idx="1">
+            <a:schemeClr val="accent1"/>
+          </a:fillRef>
+          <a:effectRef idx="0">
+            <a:schemeClr val="accent1"/>
+          </a:effectRef>
+          <a:fontRef idx="minor">
+            <a:schemeClr val="lt1"/>
+          </a:fontRef>
+        </p:style>
+        <p:txBody>
+          <a:bodyPr rtlCol="0" anchor="ctr"/>
+          <a:lstStyle/>
+          <a:p>
+            <a:pPr algn="ctr"/>
+            <a:endParaRPr lang="ko-KR" altLang="en-US"/>
+          </a:p>
+        </p:txBody>
+      </p:sp>
+      <p:cxnSp>
+        <p:nvCxnSpPr>
+          <p:cNvPr id="91" name="직선 연결선 90"/>
+          <p:cNvCxnSpPr/>
+          <p:nvPr/>
+        </p:nvCxnSpPr>
+        <p:spPr>
+          <a:xfrm>
+            <a:off x="8747773" y="3417010"/>
+            <a:ext cx="2512991" cy="0"/>
+          </a:xfrm>
+          <a:prstGeom prst="line">
+            <a:avLst/>
+          </a:prstGeom>
+        </p:spPr>
+        <p:style>
+          <a:lnRef idx="1">
+            <a:schemeClr val="dk1"/>
+          </a:lnRef>
+          <a:fillRef idx="0">
+            <a:schemeClr val="dk1"/>
+          </a:fillRef>
+          <a:effectRef idx="0">
+            <a:schemeClr val="dk1"/>
+          </a:effectRef>
+          <a:fontRef idx="minor">
+            <a:schemeClr val="tx1"/>
+          </a:fontRef>
+        </p:style>
+      </p:cxnSp>
+      <p:cxnSp>
+        <p:nvCxnSpPr>
+          <p:cNvPr id="92" name="직선 연결선 91"/>
+          <p:cNvCxnSpPr/>
+          <p:nvPr/>
+        </p:nvCxnSpPr>
+        <p:spPr>
+          <a:xfrm>
+            <a:off x="8747773" y="3194588"/>
+            <a:ext cx="2512991" cy="0"/>
+          </a:xfrm>
+          <a:prstGeom prst="line">
+            <a:avLst/>
+          </a:prstGeom>
+        </p:spPr>
+        <p:style>
+          <a:lnRef idx="1">
+            <a:schemeClr val="dk1"/>
+          </a:lnRef>
+          <a:fillRef idx="0">
+            <a:schemeClr val="dk1"/>
+          </a:fillRef>
+          <a:effectRef idx="0">
+            <a:schemeClr val="dk1"/>
+          </a:effectRef>
+          <a:fontRef idx="minor">
+            <a:schemeClr val="tx1"/>
+          </a:fontRef>
+        </p:style>
+      </p:cxnSp>
+      <p:cxnSp>
+        <p:nvCxnSpPr>
+          <p:cNvPr id="93" name="직선 연결선 92"/>
+          <p:cNvCxnSpPr/>
+          <p:nvPr/>
+        </p:nvCxnSpPr>
+        <p:spPr>
+          <a:xfrm>
+            <a:off x="8747773" y="2881546"/>
+            <a:ext cx="2512991" cy="0"/>
+          </a:xfrm>
+          <a:prstGeom prst="line">
+            <a:avLst/>
+          </a:prstGeom>
+        </p:spPr>
+        <p:style>
+          <a:lnRef idx="1">
+            <a:schemeClr val="dk1"/>
+          </a:lnRef>
+          <a:fillRef idx="0">
+            <a:schemeClr val="dk1"/>
+          </a:fillRef>
+          <a:effectRef idx="0">
+            <a:schemeClr val="dk1"/>
+          </a:effectRef>
+          <a:fontRef idx="minor">
+            <a:schemeClr val="tx1"/>
+          </a:fontRef>
+        </p:style>
+      </p:cxnSp>
+      <p:cxnSp>
+        <p:nvCxnSpPr>
+          <p:cNvPr id="94" name="직선 연결선 93"/>
+          <p:cNvCxnSpPr/>
+          <p:nvPr/>
+        </p:nvCxnSpPr>
+        <p:spPr>
+          <a:xfrm>
+            <a:off x="8756100" y="4448780"/>
+            <a:ext cx="2512991" cy="0"/>
+          </a:xfrm>
+          <a:prstGeom prst="line">
+            <a:avLst/>
+          </a:prstGeom>
+        </p:spPr>
+        <p:style>
+          <a:lnRef idx="1">
+            <a:schemeClr val="dk1"/>
+          </a:lnRef>
+          <a:fillRef idx="0">
+            <a:schemeClr val="dk1"/>
+          </a:fillRef>
+          <a:effectRef idx="0">
+            <a:schemeClr val="dk1"/>
+          </a:effectRef>
+          <a:fontRef idx="minor">
+            <a:schemeClr val="tx1"/>
+          </a:fontRef>
+        </p:style>
+      </p:cxnSp>
+      <p:cxnSp>
+        <p:nvCxnSpPr>
+          <p:cNvPr id="95" name="직선 연결선 94"/>
+          <p:cNvCxnSpPr/>
+          <p:nvPr/>
+        </p:nvCxnSpPr>
+        <p:spPr>
+          <a:xfrm>
+            <a:off x="8756100" y="3849495"/>
+            <a:ext cx="2512991" cy="0"/>
+          </a:xfrm>
+          <a:prstGeom prst="line">
+            <a:avLst/>
+          </a:prstGeom>
+        </p:spPr>
+        <p:style>
+          <a:lnRef idx="1">
+            <a:schemeClr val="dk1"/>
+          </a:lnRef>
+          <a:fillRef idx="0">
+            <a:schemeClr val="dk1"/>
+          </a:fillRef>
+          <a:effectRef idx="0">
+            <a:schemeClr val="dk1"/>
+          </a:effectRef>
+          <a:fontRef idx="minor">
+            <a:schemeClr val="tx1"/>
+          </a:fontRef>
+        </p:style>
+      </p:cxnSp>
+      <p:cxnSp>
+        <p:nvCxnSpPr>
+          <p:cNvPr id="96" name="직선 연결선 95"/>
+          <p:cNvCxnSpPr/>
+          <p:nvPr/>
+        </p:nvCxnSpPr>
+        <p:spPr>
+          <a:xfrm>
+            <a:off x="8747773" y="3639429"/>
+            <a:ext cx="2512991" cy="0"/>
+          </a:xfrm>
+          <a:prstGeom prst="line">
+            <a:avLst/>
+          </a:prstGeom>
+        </p:spPr>
+        <p:style>
+          <a:lnRef idx="1">
+            <a:schemeClr val="dk1"/>
+          </a:lnRef>
+          <a:fillRef idx="0">
+            <a:schemeClr val="dk1"/>
+          </a:fillRef>
+          <a:effectRef idx="0">
+            <a:schemeClr val="dk1"/>
+          </a:effectRef>
+          <a:fontRef idx="minor">
+            <a:schemeClr val="tx1"/>
+          </a:fontRef>
+        </p:style>
+      </p:cxnSp>
+      <p:cxnSp>
+        <p:nvCxnSpPr>
+          <p:cNvPr id="97" name="직선 연결선 96"/>
+          <p:cNvCxnSpPr/>
+          <p:nvPr/>
+        </p:nvCxnSpPr>
+        <p:spPr>
+          <a:xfrm>
+            <a:off x="8757506" y="4241136"/>
+            <a:ext cx="2512991" cy="0"/>
+          </a:xfrm>
+          <a:prstGeom prst="line">
+            <a:avLst/>
+          </a:prstGeom>
+        </p:spPr>
+        <p:style>
+          <a:lnRef idx="1">
+            <a:schemeClr val="dk1"/>
+          </a:lnRef>
+          <a:fillRef idx="0">
+            <a:schemeClr val="dk1"/>
+          </a:fillRef>
+          <a:effectRef idx="0">
+            <a:schemeClr val="dk1"/>
+          </a:effectRef>
+          <a:fontRef idx="minor">
+            <a:schemeClr val="tx1"/>
+          </a:fontRef>
+        </p:style>
+      </p:cxnSp>
+      <p:cxnSp>
+        <p:nvCxnSpPr>
+          <p:cNvPr id="98" name="직선 연결선 97"/>
+          <p:cNvCxnSpPr/>
+          <p:nvPr/>
+        </p:nvCxnSpPr>
+        <p:spPr>
+          <a:xfrm>
+            <a:off x="8756100" y="4043083"/>
+            <a:ext cx="2512991" cy="0"/>
+          </a:xfrm>
+          <a:prstGeom prst="line">
+            <a:avLst/>
+          </a:prstGeom>
+        </p:spPr>
+        <p:style>
+          <a:lnRef idx="1">
+            <a:schemeClr val="dk1"/>
+          </a:lnRef>
+          <a:fillRef idx="0">
+            <a:schemeClr val="dk1"/>
+          </a:fillRef>
+          <a:effectRef idx="0">
+            <a:schemeClr val="dk1"/>
+          </a:effectRef>
+          <a:fontRef idx="minor">
+            <a:schemeClr val="tx1"/>
+          </a:fontRef>
+        </p:style>
+      </p:cxnSp>
+      <p:sp>
+        <p:nvSpPr>
+          <p:cNvPr id="99" name="직사각형 98"/>
+          <p:cNvSpPr/>
+          <p:nvPr/>
+        </p:nvSpPr>
+        <p:spPr>
+          <a:xfrm>
+            <a:off x="9047810" y="5390660"/>
+            <a:ext cx="1379858" cy="238897"/>
+          </a:xfrm>
+          <a:prstGeom prst="rect">
+            <a:avLst/>
+          </a:prstGeom>
+          <a:solidFill>
+            <a:schemeClr val="bg1"/>
+          </a:solidFill>
+          <a:ln>
+            <a:solidFill>
+              <a:schemeClr val="tx1"/>
+            </a:solidFill>
+          </a:ln>
+        </p:spPr>
+        <p:style>
+          <a:lnRef idx="2">
+            <a:schemeClr val="accent1">
+              <a:shade val="50000"/>
+            </a:schemeClr>
+          </a:lnRef>
+          <a:fillRef idx="1">
+            <a:schemeClr val="accent1"/>
+          </a:fillRef>
+          <a:effectRef idx="0">
+            <a:schemeClr val="accent1"/>
+          </a:effectRef>
+          <a:fontRef idx="minor">
+            <a:schemeClr val="lt1"/>
+          </a:fontRef>
+        </p:style>
+        <p:txBody>
+          <a:bodyPr rtlCol="0" anchor="ctr"/>
+          <a:lstStyle/>
+          <a:p>
+            <a:r>
+              <a:rPr lang="ko-KR" altLang="en-US" sz="1200" dirty="0" err="1" smtClean="0">
+                <a:solidFill>
+                  <a:schemeClr val="bg1">
+                    <a:lumMod val="75000"/>
+                  </a:schemeClr>
+                </a:solidFill>
+              </a:rPr>
+              <a:t>검색어</a:t>
+            </a:r>
+            <a:r>
+              <a:rPr lang="ko-KR" altLang="en-US" sz="1200" dirty="0" smtClean="0">
+                <a:solidFill>
+                  <a:schemeClr val="bg1">
+                    <a:lumMod val="75000"/>
+                  </a:schemeClr>
+                </a:solidFill>
+              </a:rPr>
+              <a:t> 입력</a:t>
+            </a:r>
+            <a:endParaRPr lang="ko-KR" altLang="en-US" sz="1200" dirty="0">
+              <a:solidFill>
+                <a:schemeClr val="bg1">
+                  <a:lumMod val="75000"/>
+                </a:schemeClr>
+              </a:solidFill>
+            </a:endParaRPr>
+          </a:p>
+        </p:txBody>
+      </p:sp>
+      <p:sp>
+        <p:nvSpPr>
+          <p:cNvPr id="100" name="직사각형 99"/>
+          <p:cNvSpPr/>
+          <p:nvPr/>
+        </p:nvSpPr>
+        <p:spPr>
+          <a:xfrm>
+            <a:off x="10489409" y="5390660"/>
+            <a:ext cx="510767" cy="238897"/>
+          </a:xfrm>
+          <a:prstGeom prst="rect">
+            <a:avLst/>
+          </a:prstGeom>
+          <a:solidFill>
+            <a:schemeClr val="tx1"/>
+          </a:solidFill>
+          <a:ln>
+            <a:solidFill>
+              <a:schemeClr val="tx1"/>
+            </a:solidFill>
+          </a:ln>
+        </p:spPr>
+        <p:style>
+          <a:lnRef idx="2">
+            <a:schemeClr val="accent1">
+              <a:shade val="50000"/>
+            </a:schemeClr>
+          </a:lnRef>
+          <a:fillRef idx="1">
+            <a:schemeClr val="accent1"/>
+          </a:fillRef>
+          <a:effectRef idx="0">
+            <a:schemeClr val="accent1"/>
+          </a:effectRef>
+          <a:fontRef idx="minor">
+            <a:schemeClr val="lt1"/>
+          </a:fontRef>
+        </p:style>
+        <p:txBody>
+          <a:bodyPr rtlCol="0" anchor="ctr"/>
+          <a:lstStyle/>
+          <a:p>
+            <a:r>
+              <a:rPr lang="ko-KR" altLang="en-US" sz="1200" dirty="0" smtClean="0">
+                <a:solidFill>
+                  <a:schemeClr val="bg1">
+                    <a:lumMod val="75000"/>
+                  </a:schemeClr>
+                </a:solidFill>
+              </a:rPr>
+              <a:t>검색</a:t>
+            </a:r>
+            <a:endParaRPr lang="ko-KR" altLang="en-US" sz="1200" dirty="0">
+              <a:solidFill>
+                <a:schemeClr val="bg1">
+                  <a:lumMod val="75000"/>
+                </a:schemeClr>
+              </a:solidFill>
+            </a:endParaRPr>
+          </a:p>
+        </p:txBody>
+      </p:sp>
+      <p:sp>
+        <p:nvSpPr>
+          <p:cNvPr id="101" name="직사각형 100"/>
+          <p:cNvSpPr/>
+          <p:nvPr/>
+        </p:nvSpPr>
+        <p:spPr>
+          <a:xfrm>
+            <a:off x="10577188" y="2093991"/>
+            <a:ext cx="675501" cy="238897"/>
+          </a:xfrm>
+          <a:prstGeom prst="rect">
+            <a:avLst/>
+          </a:prstGeom>
+          <a:solidFill>
+            <a:schemeClr val="tx1"/>
+          </a:solidFill>
+          <a:ln>
+            <a:solidFill>
+              <a:schemeClr val="tx1"/>
+            </a:solidFill>
+          </a:ln>
+        </p:spPr>
+        <p:style>
+          <a:lnRef idx="2">
+            <a:schemeClr val="accent1">
+              <a:shade val="50000"/>
+            </a:schemeClr>
+          </a:lnRef>
+          <a:fillRef idx="1">
+            <a:schemeClr val="accent1"/>
+          </a:fillRef>
+          <a:effectRef idx="0">
+            <a:schemeClr val="accent1"/>
+          </a:effectRef>
+          <a:fontRef idx="minor">
+            <a:schemeClr val="lt1"/>
+          </a:fontRef>
+        </p:style>
+        <p:txBody>
+          <a:bodyPr rtlCol="0" anchor="ctr"/>
+          <a:lstStyle/>
+          <a:p>
+            <a:r>
+              <a:rPr lang="ko-KR" altLang="en-US" sz="1200" dirty="0" smtClean="0">
+                <a:solidFill>
+                  <a:schemeClr val="bg1">
+                    <a:lumMod val="75000"/>
+                  </a:schemeClr>
+                </a:solidFill>
+              </a:rPr>
+              <a:t>글쓰기</a:t>
+            </a:r>
+            <a:endParaRPr lang="ko-KR" altLang="en-US" sz="1200" dirty="0">
+              <a:solidFill>
+                <a:schemeClr val="bg1">
+                  <a:lumMod val="75000"/>
+                </a:schemeClr>
+              </a:solidFill>
+            </a:endParaRPr>
+          </a:p>
+        </p:txBody>
+      </p:sp>
+      <p:sp>
+        <p:nvSpPr>
+          <p:cNvPr id="102" name="TextBox 101"/>
+          <p:cNvSpPr txBox="1"/>
+          <p:nvPr/>
+        </p:nvSpPr>
+        <p:spPr>
+          <a:xfrm>
+            <a:off x="8706583" y="2941039"/>
+            <a:ext cx="551935" cy="215444"/>
+          </a:xfrm>
+          <a:prstGeom prst="rect">
+            <a:avLst/>
+          </a:prstGeom>
+          <a:noFill/>
+        </p:spPr>
+        <p:txBody>
+          <a:bodyPr wrap="square" rtlCol="0">
+            <a:spAutoFit/>
+          </a:bodyPr>
+          <a:lstStyle/>
+          <a:p>
+            <a:r>
+              <a:rPr lang="ko-KR" altLang="en-US" sz="800" dirty="0" err="1" smtClean="0"/>
+              <a:t>글번호</a:t>
+            </a:r>
+            <a:endParaRPr lang="ko-KR" altLang="en-US" sz="800" dirty="0"/>
+          </a:p>
+        </p:txBody>
+      </p:sp>
+      <p:sp>
+        <p:nvSpPr>
+          <p:cNvPr id="103" name="TextBox 102"/>
+          <p:cNvSpPr txBox="1"/>
+          <p:nvPr/>
+        </p:nvSpPr>
+        <p:spPr>
+          <a:xfrm>
+            <a:off x="9549150" y="2937282"/>
+            <a:ext cx="551935" cy="215444"/>
+          </a:xfrm>
+          <a:prstGeom prst="rect">
+            <a:avLst/>
+          </a:prstGeom>
+          <a:noFill/>
+        </p:spPr>
+        <p:txBody>
+          <a:bodyPr wrap="square" rtlCol="0">
+            <a:spAutoFit/>
+          </a:bodyPr>
+          <a:lstStyle/>
+          <a:p>
+            <a:r>
+              <a:rPr lang="ko-KR" altLang="en-US" sz="800" dirty="0" smtClean="0"/>
+              <a:t>제목</a:t>
+            </a:r>
+            <a:endParaRPr lang="ko-KR" altLang="en-US" sz="800" dirty="0"/>
+          </a:p>
+        </p:txBody>
+      </p:sp>
+      <p:sp>
+        <p:nvSpPr>
+          <p:cNvPr id="104" name="TextBox 103"/>
+          <p:cNvSpPr txBox="1"/>
+          <p:nvPr/>
+        </p:nvSpPr>
+        <p:spPr>
+          <a:xfrm>
+            <a:off x="10305625" y="2941857"/>
+            <a:ext cx="551935" cy="215444"/>
+          </a:xfrm>
+          <a:prstGeom prst="rect">
+            <a:avLst/>
+          </a:prstGeom>
+          <a:noFill/>
+        </p:spPr>
+        <p:txBody>
+          <a:bodyPr wrap="square" rtlCol="0">
+            <a:spAutoFit/>
+          </a:bodyPr>
+          <a:lstStyle/>
+          <a:p>
+            <a:r>
+              <a:rPr lang="ko-KR" altLang="en-US" sz="800" dirty="0" smtClean="0"/>
+              <a:t>작성자</a:t>
+            </a:r>
+            <a:endParaRPr lang="ko-KR" altLang="en-US" sz="800" dirty="0"/>
+          </a:p>
+        </p:txBody>
+      </p:sp>
+      <p:sp>
+        <p:nvSpPr>
+          <p:cNvPr id="105" name="TextBox 104"/>
+          <p:cNvSpPr txBox="1"/>
+          <p:nvPr/>
+        </p:nvSpPr>
+        <p:spPr>
+          <a:xfrm>
+            <a:off x="10807873" y="2941039"/>
+            <a:ext cx="551935" cy="215444"/>
+          </a:xfrm>
+          <a:prstGeom prst="rect">
+            <a:avLst/>
+          </a:prstGeom>
+          <a:noFill/>
+        </p:spPr>
+        <p:txBody>
+          <a:bodyPr wrap="square" rtlCol="0">
+            <a:spAutoFit/>
+          </a:bodyPr>
+          <a:lstStyle/>
+          <a:p>
+            <a:r>
+              <a:rPr lang="ko-KR" altLang="en-US" sz="800" dirty="0" smtClean="0"/>
+              <a:t>작성일</a:t>
+            </a:r>
+            <a:endParaRPr lang="ko-KR" altLang="en-US" sz="800" dirty="0"/>
+          </a:p>
+        </p:txBody>
+      </p:sp>
+      <p:sp>
+        <p:nvSpPr>
+          <p:cNvPr id="106" name="TextBox 105"/>
+          <p:cNvSpPr txBox="1"/>
+          <p:nvPr/>
+        </p:nvSpPr>
+        <p:spPr>
+          <a:xfrm>
+            <a:off x="777269" y="2129221"/>
+            <a:ext cx="7569580" cy="338554"/>
+          </a:xfrm>
+          <a:prstGeom prst="rect">
+            <a:avLst/>
+          </a:prstGeom>
+          <a:noFill/>
+        </p:spPr>
+        <p:txBody>
+          <a:bodyPr wrap="square" rtlCol="0">
+            <a:spAutoFit/>
+          </a:bodyPr>
+          <a:lstStyle/>
+          <a:p>
+            <a:pPr algn="ctr"/>
+            <a:r>
+              <a:rPr lang="ko-KR" altLang="en-US" sz="1600" dirty="0" smtClean="0"/>
+              <a:t>조립컴퓨터               컴퓨터부품               </a:t>
+            </a:r>
+            <a:r>
+              <a:rPr lang="ko-KR" altLang="en-US" sz="1600" dirty="0" smtClean="0"/>
+              <a:t>견적문의</a:t>
+            </a:r>
+            <a:endParaRPr lang="ko-KR" altLang="en-US" sz="1600" dirty="0"/>
           </a:p>
         </p:txBody>
       </p:sp>
@@ -11092,37 +12652,6 @@
           </a:p>
         </p:txBody>
       </p:sp>
-      <p:sp>
-        <p:nvSpPr>
-          <p:cNvPr id="17" name="TextBox 16"/>
-          <p:cNvSpPr txBox="1"/>
-          <p:nvPr/>
-        </p:nvSpPr>
-        <p:spPr>
-          <a:xfrm>
-            <a:off x="777269" y="2129221"/>
-            <a:ext cx="7569580" cy="338554"/>
-          </a:xfrm>
-          <a:prstGeom prst="rect">
-            <a:avLst/>
-          </a:prstGeom>
-          <a:noFill/>
-        </p:spPr>
-        <p:txBody>
-          <a:bodyPr wrap="square" rtlCol="0">
-            <a:spAutoFit/>
-          </a:bodyPr>
-          <a:lstStyle/>
-          <a:p>
-            <a:pPr algn="ctr"/>
-            <a:r>
-              <a:rPr lang="ko-KR" altLang="en-US" sz="1600" dirty="0" smtClean="0"/>
-              <a:t>조립컴퓨터               컴퓨터부품               견적문의              개인사양결제</a:t>
-            </a:r>
-            <a:endParaRPr lang="ko-KR" altLang="en-US" sz="1600" dirty="0"/>
-          </a:p>
-        </p:txBody>
-      </p:sp>
       <p:cxnSp>
         <p:nvCxnSpPr>
           <p:cNvPr id="19" name="직선 연결선 18"/>
@@ -11957,6 +13486,300 @@
               <a:t>마이페이지</a:t>
             </a:r>
             <a:endParaRPr lang="ko-KR" altLang="en-US" sz="1000" dirty="0"/>
+          </a:p>
+        </p:txBody>
+      </p:sp>
+      <p:cxnSp>
+        <p:nvCxnSpPr>
+          <p:cNvPr id="36" name="직선 연결선 35"/>
+          <p:cNvCxnSpPr/>
+          <p:nvPr/>
+        </p:nvCxnSpPr>
+        <p:spPr>
+          <a:xfrm>
+            <a:off x="8602764" y="1984861"/>
+            <a:ext cx="2811968" cy="0"/>
+          </a:xfrm>
+          <a:prstGeom prst="line">
+            <a:avLst/>
+          </a:prstGeom>
+          <a:ln>
+            <a:solidFill>
+              <a:schemeClr val="tx1"/>
+            </a:solidFill>
+          </a:ln>
+        </p:spPr>
+        <p:style>
+          <a:lnRef idx="1">
+            <a:schemeClr val="accent1"/>
+          </a:lnRef>
+          <a:fillRef idx="0">
+            <a:schemeClr val="accent1"/>
+          </a:fillRef>
+          <a:effectRef idx="0">
+            <a:schemeClr val="accent1"/>
+          </a:effectRef>
+          <a:fontRef idx="minor">
+            <a:schemeClr val="tx1"/>
+          </a:fontRef>
+        </p:style>
+      </p:cxnSp>
+      <p:cxnSp>
+        <p:nvCxnSpPr>
+          <p:cNvPr id="38" name="직선 연결선 37"/>
+          <p:cNvCxnSpPr/>
+          <p:nvPr/>
+        </p:nvCxnSpPr>
+        <p:spPr>
+          <a:xfrm>
+            <a:off x="8602764" y="1984861"/>
+            <a:ext cx="2811968" cy="0"/>
+          </a:xfrm>
+          <a:prstGeom prst="line">
+            <a:avLst/>
+          </a:prstGeom>
+          <a:ln>
+            <a:solidFill>
+              <a:schemeClr val="tx1"/>
+            </a:solidFill>
+          </a:ln>
+        </p:spPr>
+        <p:style>
+          <a:lnRef idx="1">
+            <a:schemeClr val="accent1"/>
+          </a:lnRef>
+          <a:fillRef idx="0">
+            <a:schemeClr val="accent1"/>
+          </a:fillRef>
+          <a:effectRef idx="0">
+            <a:schemeClr val="accent1"/>
+          </a:effectRef>
+          <a:fontRef idx="minor">
+            <a:schemeClr val="tx1"/>
+          </a:fontRef>
+        </p:style>
+      </p:cxnSp>
+      <p:sp>
+        <p:nvSpPr>
+          <p:cNvPr id="39" name="TextBox 38"/>
+          <p:cNvSpPr txBox="1"/>
+          <p:nvPr/>
+        </p:nvSpPr>
+        <p:spPr>
+          <a:xfrm>
+            <a:off x="8686433" y="2066609"/>
+            <a:ext cx="815545" cy="276999"/>
+          </a:xfrm>
+          <a:prstGeom prst="rect">
+            <a:avLst/>
+          </a:prstGeom>
+          <a:noFill/>
+        </p:spPr>
+        <p:txBody>
+          <a:bodyPr wrap="square" rtlCol="0">
+            <a:spAutoFit/>
+          </a:bodyPr>
+          <a:lstStyle/>
+          <a:p>
+            <a:r>
+              <a:rPr lang="ko-KR" altLang="en-US" sz="1200" dirty="0" smtClean="0"/>
+              <a:t>제목</a:t>
+            </a:r>
+            <a:endParaRPr lang="ko-KR" altLang="en-US" sz="1200" dirty="0"/>
+          </a:p>
+        </p:txBody>
+      </p:sp>
+      <p:sp>
+        <p:nvSpPr>
+          <p:cNvPr id="40" name="직사각형 39"/>
+          <p:cNvSpPr/>
+          <p:nvPr/>
+        </p:nvSpPr>
+        <p:spPr>
+          <a:xfrm>
+            <a:off x="9144000" y="2062219"/>
+            <a:ext cx="2232086" cy="239576"/>
+          </a:xfrm>
+          <a:prstGeom prst="rect">
+            <a:avLst/>
+          </a:prstGeom>
+          <a:solidFill>
+            <a:schemeClr val="bg1"/>
+          </a:solidFill>
+          <a:ln>
+            <a:solidFill>
+              <a:schemeClr val="tx1"/>
+            </a:solidFill>
+          </a:ln>
+        </p:spPr>
+        <p:style>
+          <a:lnRef idx="2">
+            <a:schemeClr val="accent1">
+              <a:shade val="50000"/>
+            </a:schemeClr>
+          </a:lnRef>
+          <a:fillRef idx="1">
+            <a:schemeClr val="accent1"/>
+          </a:fillRef>
+          <a:effectRef idx="0">
+            <a:schemeClr val="accent1"/>
+          </a:effectRef>
+          <a:fontRef idx="minor">
+            <a:schemeClr val="lt1"/>
+          </a:fontRef>
+        </p:style>
+        <p:txBody>
+          <a:bodyPr rtlCol="0" anchor="ctr"/>
+          <a:lstStyle/>
+          <a:p>
+            <a:pPr algn="ctr"/>
+            <a:endParaRPr lang="ko-KR" altLang="en-US"/>
+          </a:p>
+        </p:txBody>
+      </p:sp>
+      <p:sp>
+        <p:nvSpPr>
+          <p:cNvPr id="41" name="직사각형 40"/>
+          <p:cNvSpPr/>
+          <p:nvPr/>
+        </p:nvSpPr>
+        <p:spPr>
+          <a:xfrm>
+            <a:off x="8657518" y="2418186"/>
+            <a:ext cx="2704143" cy="2931890"/>
+          </a:xfrm>
+          <a:prstGeom prst="rect">
+            <a:avLst/>
+          </a:prstGeom>
+          <a:solidFill>
+            <a:schemeClr val="bg1"/>
+          </a:solidFill>
+          <a:ln>
+            <a:solidFill>
+              <a:schemeClr val="tx1"/>
+            </a:solidFill>
+          </a:ln>
+        </p:spPr>
+        <p:style>
+          <a:lnRef idx="2">
+            <a:schemeClr val="accent1">
+              <a:shade val="50000"/>
+            </a:schemeClr>
+          </a:lnRef>
+          <a:fillRef idx="1">
+            <a:schemeClr val="accent1"/>
+          </a:fillRef>
+          <a:effectRef idx="0">
+            <a:schemeClr val="accent1"/>
+          </a:effectRef>
+          <a:fontRef idx="minor">
+            <a:schemeClr val="lt1"/>
+          </a:fontRef>
+        </p:style>
+        <p:txBody>
+          <a:bodyPr rtlCol="0" anchor="ctr"/>
+          <a:lstStyle/>
+          <a:p>
+            <a:pPr algn="ctr"/>
+            <a:endParaRPr lang="ko-KR" altLang="en-US"/>
+          </a:p>
+        </p:txBody>
+      </p:sp>
+      <p:sp>
+        <p:nvSpPr>
+          <p:cNvPr id="42" name="직사각형 41"/>
+          <p:cNvSpPr/>
+          <p:nvPr/>
+        </p:nvSpPr>
+        <p:spPr>
+          <a:xfrm>
+            <a:off x="10791784" y="5407520"/>
+            <a:ext cx="510767" cy="238897"/>
+          </a:xfrm>
+          <a:prstGeom prst="rect">
+            <a:avLst/>
+          </a:prstGeom>
+          <a:solidFill>
+            <a:schemeClr val="tx1"/>
+          </a:solidFill>
+          <a:ln>
+            <a:solidFill>
+              <a:schemeClr val="tx1"/>
+            </a:solidFill>
+          </a:ln>
+        </p:spPr>
+        <p:style>
+          <a:lnRef idx="2">
+            <a:schemeClr val="accent1">
+              <a:shade val="50000"/>
+            </a:schemeClr>
+          </a:lnRef>
+          <a:fillRef idx="1">
+            <a:schemeClr val="accent1"/>
+          </a:fillRef>
+          <a:effectRef idx="0">
+            <a:schemeClr val="accent1"/>
+          </a:effectRef>
+          <a:fontRef idx="minor">
+            <a:schemeClr val="lt1"/>
+          </a:fontRef>
+        </p:style>
+        <p:txBody>
+          <a:bodyPr rtlCol="0" anchor="ctr"/>
+          <a:lstStyle/>
+          <a:p>
+            <a:r>
+              <a:rPr lang="ko-KR" altLang="en-US" sz="1200" dirty="0" smtClean="0">
+                <a:solidFill>
+                  <a:schemeClr val="bg1">
+                    <a:lumMod val="75000"/>
+                  </a:schemeClr>
+                </a:solidFill>
+              </a:rPr>
+              <a:t>등록</a:t>
+            </a:r>
+            <a:endParaRPr lang="ko-KR" altLang="en-US" sz="1200" dirty="0">
+              <a:solidFill>
+                <a:schemeClr val="bg1">
+                  <a:lumMod val="75000"/>
+                </a:schemeClr>
+              </a:solidFill>
+            </a:endParaRPr>
+          </a:p>
+        </p:txBody>
+      </p:sp>
+      <p:sp>
+        <p:nvSpPr>
+          <p:cNvPr id="44" name="TextBox 43"/>
+          <p:cNvSpPr txBox="1"/>
+          <p:nvPr/>
+        </p:nvSpPr>
+        <p:spPr>
+          <a:xfrm>
+            <a:off x="777269" y="2129221"/>
+            <a:ext cx="7569580" cy="338554"/>
+          </a:xfrm>
+          <a:prstGeom prst="rect">
+            <a:avLst/>
+          </a:prstGeom>
+          <a:noFill/>
+        </p:spPr>
+        <p:txBody>
+          <a:bodyPr wrap="square" rtlCol="0">
+            <a:spAutoFit/>
+          </a:bodyPr>
+          <a:lstStyle/>
+          <a:p>
+            <a:pPr algn="ctr"/>
+            <a:r>
+              <a:rPr lang="ko-KR" altLang="en-US" sz="1600" dirty="0" smtClean="0"/>
+              <a:t>조립컴퓨터               컴퓨터부품               </a:t>
+            </a:r>
+            <a:r>
+              <a:rPr lang="ko-KR" altLang="en-US" sz="1600" dirty="0" smtClean="0"/>
+              <a:t>견적문의</a:t>
+            </a:r>
+            <a:endParaRPr lang="ko-KR" altLang="en-US" sz="1600" dirty="0"/>
           </a:p>
         </p:txBody>
       </p:sp>
@@ -12694,37 +14517,6 @@
           </a:p>
         </p:txBody>
       </p:sp>
-      <p:sp>
-        <p:nvSpPr>
-          <p:cNvPr id="17" name="TextBox 16"/>
-          <p:cNvSpPr txBox="1"/>
-          <p:nvPr/>
-        </p:nvSpPr>
-        <p:spPr>
-          <a:xfrm>
-            <a:off x="777269" y="2129221"/>
-            <a:ext cx="7569580" cy="338554"/>
-          </a:xfrm>
-          <a:prstGeom prst="rect">
-            <a:avLst/>
-          </a:prstGeom>
-          <a:noFill/>
-        </p:spPr>
-        <p:txBody>
-          <a:bodyPr wrap="square" rtlCol="0">
-            <a:spAutoFit/>
-          </a:bodyPr>
-          <a:lstStyle/>
-          <a:p>
-            <a:pPr algn="ctr"/>
-            <a:r>
-              <a:rPr lang="ko-KR" altLang="en-US" sz="1600" dirty="0" smtClean="0"/>
-              <a:t>조립컴퓨터               컴퓨터부품               견적문의              개인사양결제</a:t>
-            </a:r>
-            <a:endParaRPr lang="ko-KR" altLang="en-US" sz="1600" dirty="0"/>
-          </a:p>
-        </p:txBody>
-      </p:sp>
       <p:cxnSp>
         <p:nvCxnSpPr>
           <p:cNvPr id="19" name="직선 연결선 18"/>
@@ -13161,7 +14953,7 @@
           <a:lstStyle/>
           <a:p>
             <a:r>
-              <a:rPr lang="ko-KR" altLang="en-US" sz="1000" smtClean="0"/>
+              <a:rPr lang="ko-KR" altLang="en-US" sz="1000" dirty="0" smtClean="0"/>
               <a:t>작성자 등록일</a:t>
             </a:r>
             <a:endParaRPr lang="ko-KR" altLang="en-US" sz="1000" dirty="0"/>
@@ -13553,6 +15345,277 @@
               <a:t>마이페이지</a:t>
             </a:r>
             <a:endParaRPr lang="ko-KR" altLang="en-US" sz="1000" dirty="0"/>
+          </a:p>
+        </p:txBody>
+      </p:sp>
+      <p:cxnSp>
+        <p:nvCxnSpPr>
+          <p:cNvPr id="41" name="직선 연결선 40"/>
+          <p:cNvCxnSpPr/>
+          <p:nvPr/>
+        </p:nvCxnSpPr>
+        <p:spPr>
+          <a:xfrm>
+            <a:off x="8602764" y="1984861"/>
+            <a:ext cx="2811968" cy="0"/>
+          </a:xfrm>
+          <a:prstGeom prst="line">
+            <a:avLst/>
+          </a:prstGeom>
+          <a:ln>
+            <a:solidFill>
+              <a:schemeClr val="tx1"/>
+            </a:solidFill>
+          </a:ln>
+        </p:spPr>
+        <p:style>
+          <a:lnRef idx="1">
+            <a:schemeClr val="accent1"/>
+          </a:lnRef>
+          <a:fillRef idx="0">
+            <a:schemeClr val="accent1"/>
+          </a:fillRef>
+          <a:effectRef idx="0">
+            <a:schemeClr val="accent1"/>
+          </a:effectRef>
+          <a:fontRef idx="minor">
+            <a:schemeClr val="tx1"/>
+          </a:fontRef>
+        </p:style>
+      </p:cxnSp>
+      <p:sp>
+        <p:nvSpPr>
+          <p:cNvPr id="42" name="TextBox 41"/>
+          <p:cNvSpPr txBox="1"/>
+          <p:nvPr/>
+        </p:nvSpPr>
+        <p:spPr>
+          <a:xfrm>
+            <a:off x="8649280" y="2052277"/>
+            <a:ext cx="659031" cy="246221"/>
+          </a:xfrm>
+          <a:prstGeom prst="rect">
+            <a:avLst/>
+          </a:prstGeom>
+          <a:noFill/>
+        </p:spPr>
+        <p:txBody>
+          <a:bodyPr wrap="square" rtlCol="0">
+            <a:spAutoFit/>
+          </a:bodyPr>
+          <a:lstStyle/>
+          <a:p>
+            <a:r>
+              <a:rPr lang="ko-KR" altLang="en-US" sz="1000" dirty="0" smtClean="0"/>
+              <a:t>제목</a:t>
+            </a:r>
+            <a:endParaRPr lang="ko-KR" altLang="en-US" sz="1000" dirty="0"/>
+          </a:p>
+        </p:txBody>
+      </p:sp>
+      <p:sp>
+        <p:nvSpPr>
+          <p:cNvPr id="45" name="TextBox 44"/>
+          <p:cNvSpPr txBox="1"/>
+          <p:nvPr/>
+        </p:nvSpPr>
+        <p:spPr>
+          <a:xfrm>
+            <a:off x="10362209" y="2059458"/>
+            <a:ext cx="1021039" cy="246221"/>
+          </a:xfrm>
+          <a:prstGeom prst="rect">
+            <a:avLst/>
+          </a:prstGeom>
+          <a:noFill/>
+        </p:spPr>
+        <p:txBody>
+          <a:bodyPr wrap="square" rtlCol="0">
+            <a:spAutoFit/>
+          </a:bodyPr>
+          <a:lstStyle/>
+          <a:p>
+            <a:r>
+              <a:rPr lang="ko-KR" altLang="en-US" sz="1000" dirty="0" smtClean="0"/>
+              <a:t>작성자 등록일</a:t>
+            </a:r>
+            <a:endParaRPr lang="ko-KR" altLang="en-US" sz="1000" dirty="0"/>
+          </a:p>
+        </p:txBody>
+      </p:sp>
+      <p:sp>
+        <p:nvSpPr>
+          <p:cNvPr id="46" name="직사각형 45"/>
+          <p:cNvSpPr/>
+          <p:nvPr/>
+        </p:nvSpPr>
+        <p:spPr>
+          <a:xfrm>
+            <a:off x="10797934" y="5399675"/>
+            <a:ext cx="510767" cy="238897"/>
+          </a:xfrm>
+          <a:prstGeom prst="rect">
+            <a:avLst/>
+          </a:prstGeom>
+          <a:solidFill>
+            <a:schemeClr val="tx1"/>
+          </a:solidFill>
+          <a:ln>
+            <a:solidFill>
+              <a:schemeClr val="tx1"/>
+            </a:solidFill>
+          </a:ln>
+        </p:spPr>
+        <p:style>
+          <a:lnRef idx="2">
+            <a:schemeClr val="accent1">
+              <a:shade val="50000"/>
+            </a:schemeClr>
+          </a:lnRef>
+          <a:fillRef idx="1">
+            <a:schemeClr val="accent1"/>
+          </a:fillRef>
+          <a:effectRef idx="0">
+            <a:schemeClr val="accent1"/>
+          </a:effectRef>
+          <a:fontRef idx="minor">
+            <a:schemeClr val="lt1"/>
+          </a:fontRef>
+        </p:style>
+        <p:txBody>
+          <a:bodyPr rtlCol="0" anchor="ctr"/>
+          <a:lstStyle/>
+          <a:p>
+            <a:r>
+              <a:rPr lang="ko-KR" altLang="en-US" sz="1200" dirty="0" smtClean="0">
+                <a:solidFill>
+                  <a:schemeClr val="bg1">
+                    <a:lumMod val="75000"/>
+                  </a:schemeClr>
+                </a:solidFill>
+              </a:rPr>
+              <a:t>이전</a:t>
+            </a:r>
+            <a:endParaRPr lang="ko-KR" altLang="en-US" sz="1200" dirty="0">
+              <a:solidFill>
+                <a:schemeClr val="bg1">
+                  <a:lumMod val="75000"/>
+                </a:schemeClr>
+              </a:solidFill>
+            </a:endParaRPr>
+          </a:p>
+        </p:txBody>
+      </p:sp>
+      <p:sp>
+        <p:nvSpPr>
+          <p:cNvPr id="48" name="직사각형 47"/>
+          <p:cNvSpPr/>
+          <p:nvPr/>
+        </p:nvSpPr>
+        <p:spPr>
+          <a:xfrm>
+            <a:off x="8657518" y="2418186"/>
+            <a:ext cx="2704143" cy="2931890"/>
+          </a:xfrm>
+          <a:prstGeom prst="rect">
+            <a:avLst/>
+          </a:prstGeom>
+          <a:solidFill>
+            <a:schemeClr val="bg1"/>
+          </a:solidFill>
+          <a:ln>
+            <a:solidFill>
+              <a:schemeClr val="tx1"/>
+            </a:solidFill>
+          </a:ln>
+        </p:spPr>
+        <p:style>
+          <a:lnRef idx="2">
+            <a:schemeClr val="accent1">
+              <a:shade val="50000"/>
+            </a:schemeClr>
+          </a:lnRef>
+          <a:fillRef idx="1">
+            <a:schemeClr val="accent1"/>
+          </a:fillRef>
+          <a:effectRef idx="0">
+            <a:schemeClr val="accent1"/>
+          </a:effectRef>
+          <a:fontRef idx="minor">
+            <a:schemeClr val="lt1"/>
+          </a:fontRef>
+        </p:style>
+        <p:txBody>
+          <a:bodyPr rtlCol="0" anchor="ctr"/>
+          <a:lstStyle/>
+          <a:p>
+            <a:pPr algn="ctr"/>
+            <a:endParaRPr lang="ko-KR" altLang="en-US"/>
+          </a:p>
+        </p:txBody>
+      </p:sp>
+      <p:sp>
+        <p:nvSpPr>
+          <p:cNvPr id="49" name="TextBox 48"/>
+          <p:cNvSpPr txBox="1"/>
+          <p:nvPr/>
+        </p:nvSpPr>
+        <p:spPr>
+          <a:xfrm>
+            <a:off x="9697681" y="3640276"/>
+            <a:ext cx="871465" cy="338554"/>
+          </a:xfrm>
+          <a:prstGeom prst="rect">
+            <a:avLst/>
+          </a:prstGeom>
+          <a:noFill/>
+        </p:spPr>
+        <p:txBody>
+          <a:bodyPr wrap="square" rtlCol="0">
+            <a:spAutoFit/>
+          </a:bodyPr>
+          <a:lstStyle/>
+          <a:p>
+            <a:r>
+              <a:rPr lang="ko-KR" altLang="en-US" sz="1600" dirty="0" smtClean="0"/>
+              <a:t>내용</a:t>
+            </a:r>
+            <a:endParaRPr lang="en-US" altLang="ko-KR" sz="1600" dirty="0" smtClean="0"/>
+          </a:p>
+        </p:txBody>
+      </p:sp>
+      <p:sp>
+        <p:nvSpPr>
+          <p:cNvPr id="53" name="TextBox 52"/>
+          <p:cNvSpPr txBox="1"/>
+          <p:nvPr/>
+        </p:nvSpPr>
+        <p:spPr>
+          <a:xfrm>
+            <a:off x="777269" y="2129221"/>
+            <a:ext cx="7569580" cy="338554"/>
+          </a:xfrm>
+          <a:prstGeom prst="rect">
+            <a:avLst/>
+          </a:prstGeom>
+          <a:noFill/>
+        </p:spPr>
+        <p:txBody>
+          <a:bodyPr wrap="square" rtlCol="0">
+            <a:spAutoFit/>
+          </a:bodyPr>
+          <a:lstStyle/>
+          <a:p>
+            <a:pPr algn="ctr"/>
+            <a:r>
+              <a:rPr lang="ko-KR" altLang="en-US" sz="1600" dirty="0" smtClean="0"/>
+              <a:t>조립컴퓨터               컴퓨터부품               </a:t>
+            </a:r>
+            <a:r>
+              <a:rPr lang="ko-KR" altLang="en-US" sz="1600" dirty="0" smtClean="0"/>
+              <a:t>견적문의</a:t>
+            </a:r>
+            <a:endParaRPr lang="ko-KR" altLang="en-US" sz="1600" dirty="0"/>
           </a:p>
         </p:txBody>
       </p:sp>
@@ -14290,37 +16353,6 @@
           </a:p>
         </p:txBody>
       </p:sp>
-      <p:sp>
-        <p:nvSpPr>
-          <p:cNvPr id="17" name="TextBox 16"/>
-          <p:cNvSpPr txBox="1"/>
-          <p:nvPr/>
-        </p:nvSpPr>
-        <p:spPr>
-          <a:xfrm>
-            <a:off x="777269" y="2129221"/>
-            <a:ext cx="7569580" cy="338554"/>
-          </a:xfrm>
-          <a:prstGeom prst="rect">
-            <a:avLst/>
-          </a:prstGeom>
-          <a:noFill/>
-        </p:spPr>
-        <p:txBody>
-          <a:bodyPr wrap="square" rtlCol="0">
-            <a:spAutoFit/>
-          </a:bodyPr>
-          <a:lstStyle/>
-          <a:p>
-            <a:pPr algn="ctr"/>
-            <a:r>
-              <a:rPr lang="ko-KR" altLang="en-US" sz="1600" dirty="0" smtClean="0"/>
-              <a:t>조립컴퓨터               컴퓨터부품               견적문의              개인사양결제</a:t>
-            </a:r>
-            <a:endParaRPr lang="ko-KR" altLang="en-US" sz="1600" dirty="0"/>
-          </a:p>
-        </p:txBody>
-      </p:sp>
       <p:cxnSp>
         <p:nvCxnSpPr>
           <p:cNvPr id="19" name="직선 연결선 18"/>
@@ -15675,6 +17707,772 @@
               <a:t>마이페이지</a:t>
             </a:r>
             <a:endParaRPr lang="ko-KR" altLang="en-US" sz="1000" dirty="0"/>
+          </a:p>
+        </p:txBody>
+      </p:sp>
+      <p:cxnSp>
+        <p:nvCxnSpPr>
+          <p:cNvPr id="63" name="직선 연결선 62"/>
+          <p:cNvCxnSpPr/>
+          <p:nvPr/>
+        </p:nvCxnSpPr>
+        <p:spPr>
+          <a:xfrm>
+            <a:off x="8602764" y="1984861"/>
+            <a:ext cx="2811968" cy="0"/>
+          </a:xfrm>
+          <a:prstGeom prst="line">
+            <a:avLst/>
+          </a:prstGeom>
+          <a:ln>
+            <a:solidFill>
+              <a:schemeClr val="tx1"/>
+            </a:solidFill>
+          </a:ln>
+        </p:spPr>
+        <p:style>
+          <a:lnRef idx="1">
+            <a:schemeClr val="accent1"/>
+          </a:lnRef>
+          <a:fillRef idx="0">
+            <a:schemeClr val="accent1"/>
+          </a:fillRef>
+          <a:effectRef idx="0">
+            <a:schemeClr val="accent1"/>
+          </a:effectRef>
+          <a:fontRef idx="minor">
+            <a:schemeClr val="tx1"/>
+          </a:fontRef>
+        </p:style>
+      </p:cxnSp>
+      <p:sp>
+        <p:nvSpPr>
+          <p:cNvPr id="64" name="TextBox 63"/>
+          <p:cNvSpPr txBox="1"/>
+          <p:nvPr/>
+        </p:nvSpPr>
+        <p:spPr>
+          <a:xfrm>
+            <a:off x="8670594" y="2028680"/>
+            <a:ext cx="1112108" cy="276999"/>
+          </a:xfrm>
+          <a:prstGeom prst="rect">
+            <a:avLst/>
+          </a:prstGeom>
+          <a:noFill/>
+        </p:spPr>
+        <p:txBody>
+          <a:bodyPr wrap="square" rtlCol="0">
+            <a:spAutoFit/>
+          </a:bodyPr>
+          <a:lstStyle/>
+          <a:p>
+            <a:r>
+              <a:rPr lang="ko-KR" altLang="en-US" sz="1200" dirty="0" smtClean="0"/>
+              <a:t>서비스 센터</a:t>
+            </a:r>
+            <a:endParaRPr lang="ko-KR" altLang="en-US" sz="1200" dirty="0"/>
+          </a:p>
+        </p:txBody>
+      </p:sp>
+      <p:sp>
+        <p:nvSpPr>
+          <p:cNvPr id="65" name="직사각형 64"/>
+          <p:cNvSpPr/>
+          <p:nvPr/>
+        </p:nvSpPr>
+        <p:spPr>
+          <a:xfrm>
+            <a:off x="8670594" y="2403978"/>
+            <a:ext cx="1112108" cy="249674"/>
+          </a:xfrm>
+          <a:prstGeom prst="rect">
+            <a:avLst/>
+          </a:prstGeom>
+          <a:solidFill>
+            <a:schemeClr val="bg1"/>
+          </a:solidFill>
+          <a:ln>
+            <a:solidFill>
+              <a:schemeClr val="tx1"/>
+            </a:solidFill>
+          </a:ln>
+        </p:spPr>
+        <p:style>
+          <a:lnRef idx="2">
+            <a:schemeClr val="accent1">
+              <a:shade val="50000"/>
+            </a:schemeClr>
+          </a:lnRef>
+          <a:fillRef idx="1">
+            <a:schemeClr val="accent1"/>
+          </a:fillRef>
+          <a:effectRef idx="0">
+            <a:schemeClr val="accent1"/>
+          </a:effectRef>
+          <a:fontRef idx="minor">
+            <a:schemeClr val="lt1"/>
+          </a:fontRef>
+        </p:style>
+        <p:txBody>
+          <a:bodyPr rtlCol="0" anchor="ctr"/>
+          <a:lstStyle/>
+          <a:p>
+            <a:r>
+              <a:rPr lang="ko-KR" altLang="en-US" sz="1000" dirty="0" smtClean="0">
+                <a:solidFill>
+                  <a:schemeClr val="tx1"/>
+                </a:solidFill>
+              </a:rPr>
+              <a:t>상품후기</a:t>
+            </a:r>
+            <a:endParaRPr lang="ko-KR" altLang="en-US" sz="1000" dirty="0">
+              <a:solidFill>
+                <a:schemeClr val="tx1"/>
+              </a:solidFill>
+            </a:endParaRPr>
+          </a:p>
+        </p:txBody>
+      </p:sp>
+      <p:sp>
+        <p:nvSpPr>
+          <p:cNvPr id="66" name="아래쪽 화살표 65"/>
+          <p:cNvSpPr/>
+          <p:nvPr/>
+        </p:nvSpPr>
+        <p:spPr>
+          <a:xfrm>
+            <a:off x="9576759" y="2475556"/>
+            <a:ext cx="131805" cy="123568"/>
+          </a:xfrm>
+          <a:prstGeom prst="downArrow">
+            <a:avLst/>
+          </a:prstGeom>
+          <a:solidFill>
+            <a:schemeClr val="bg1"/>
+          </a:solidFill>
+          <a:ln>
+            <a:solidFill>
+              <a:schemeClr val="tx1"/>
+            </a:solidFill>
+          </a:ln>
+        </p:spPr>
+        <p:style>
+          <a:lnRef idx="2">
+            <a:schemeClr val="accent1">
+              <a:shade val="50000"/>
+            </a:schemeClr>
+          </a:lnRef>
+          <a:fillRef idx="1">
+            <a:schemeClr val="accent1"/>
+          </a:fillRef>
+          <a:effectRef idx="0">
+            <a:schemeClr val="accent1"/>
+          </a:effectRef>
+          <a:fontRef idx="minor">
+            <a:schemeClr val="lt1"/>
+          </a:fontRef>
+        </p:style>
+        <p:txBody>
+          <a:bodyPr rtlCol="0" anchor="ctr"/>
+          <a:lstStyle/>
+          <a:p>
+            <a:pPr algn="ctr"/>
+            <a:endParaRPr lang="ko-KR" altLang="en-US"/>
+          </a:p>
+        </p:txBody>
+      </p:sp>
+      <p:cxnSp>
+        <p:nvCxnSpPr>
+          <p:cNvPr id="67" name="직선 연결선 66"/>
+          <p:cNvCxnSpPr/>
+          <p:nvPr/>
+        </p:nvCxnSpPr>
+        <p:spPr>
+          <a:xfrm>
+            <a:off x="8747773" y="3417010"/>
+            <a:ext cx="2512991" cy="0"/>
+          </a:xfrm>
+          <a:prstGeom prst="line">
+            <a:avLst/>
+          </a:prstGeom>
+        </p:spPr>
+        <p:style>
+          <a:lnRef idx="1">
+            <a:schemeClr val="dk1"/>
+          </a:lnRef>
+          <a:fillRef idx="0">
+            <a:schemeClr val="dk1"/>
+          </a:fillRef>
+          <a:effectRef idx="0">
+            <a:schemeClr val="dk1"/>
+          </a:effectRef>
+          <a:fontRef idx="minor">
+            <a:schemeClr val="tx1"/>
+          </a:fontRef>
+        </p:style>
+      </p:cxnSp>
+      <p:cxnSp>
+        <p:nvCxnSpPr>
+          <p:cNvPr id="70" name="직선 연결선 69"/>
+          <p:cNvCxnSpPr/>
+          <p:nvPr/>
+        </p:nvCxnSpPr>
+        <p:spPr>
+          <a:xfrm>
+            <a:off x="8747773" y="3194588"/>
+            <a:ext cx="2512991" cy="0"/>
+          </a:xfrm>
+          <a:prstGeom prst="line">
+            <a:avLst/>
+          </a:prstGeom>
+        </p:spPr>
+        <p:style>
+          <a:lnRef idx="1">
+            <a:schemeClr val="dk1"/>
+          </a:lnRef>
+          <a:fillRef idx="0">
+            <a:schemeClr val="dk1"/>
+          </a:fillRef>
+          <a:effectRef idx="0">
+            <a:schemeClr val="dk1"/>
+          </a:effectRef>
+          <a:fontRef idx="minor">
+            <a:schemeClr val="tx1"/>
+          </a:fontRef>
+        </p:style>
+      </p:cxnSp>
+      <p:cxnSp>
+        <p:nvCxnSpPr>
+          <p:cNvPr id="71" name="직선 연결선 70"/>
+          <p:cNvCxnSpPr/>
+          <p:nvPr/>
+        </p:nvCxnSpPr>
+        <p:spPr>
+          <a:xfrm>
+            <a:off x="8747773" y="2881546"/>
+            <a:ext cx="2512991" cy="0"/>
+          </a:xfrm>
+          <a:prstGeom prst="line">
+            <a:avLst/>
+          </a:prstGeom>
+        </p:spPr>
+        <p:style>
+          <a:lnRef idx="1">
+            <a:schemeClr val="dk1"/>
+          </a:lnRef>
+          <a:fillRef idx="0">
+            <a:schemeClr val="dk1"/>
+          </a:fillRef>
+          <a:effectRef idx="0">
+            <a:schemeClr val="dk1"/>
+          </a:effectRef>
+          <a:fontRef idx="minor">
+            <a:schemeClr val="tx1"/>
+          </a:fontRef>
+        </p:style>
+      </p:cxnSp>
+      <p:cxnSp>
+        <p:nvCxnSpPr>
+          <p:cNvPr id="72" name="직선 연결선 71"/>
+          <p:cNvCxnSpPr/>
+          <p:nvPr/>
+        </p:nvCxnSpPr>
+        <p:spPr>
+          <a:xfrm>
+            <a:off x="8756100" y="4448780"/>
+            <a:ext cx="2512991" cy="0"/>
+          </a:xfrm>
+          <a:prstGeom prst="line">
+            <a:avLst/>
+          </a:prstGeom>
+        </p:spPr>
+        <p:style>
+          <a:lnRef idx="1">
+            <a:schemeClr val="dk1"/>
+          </a:lnRef>
+          <a:fillRef idx="0">
+            <a:schemeClr val="dk1"/>
+          </a:fillRef>
+          <a:effectRef idx="0">
+            <a:schemeClr val="dk1"/>
+          </a:effectRef>
+          <a:fontRef idx="minor">
+            <a:schemeClr val="tx1"/>
+          </a:fontRef>
+        </p:style>
+      </p:cxnSp>
+      <p:cxnSp>
+        <p:nvCxnSpPr>
+          <p:cNvPr id="73" name="직선 연결선 72"/>
+          <p:cNvCxnSpPr/>
+          <p:nvPr/>
+        </p:nvCxnSpPr>
+        <p:spPr>
+          <a:xfrm>
+            <a:off x="8756100" y="3849495"/>
+            <a:ext cx="2512991" cy="0"/>
+          </a:xfrm>
+          <a:prstGeom prst="line">
+            <a:avLst/>
+          </a:prstGeom>
+        </p:spPr>
+        <p:style>
+          <a:lnRef idx="1">
+            <a:schemeClr val="dk1"/>
+          </a:lnRef>
+          <a:fillRef idx="0">
+            <a:schemeClr val="dk1"/>
+          </a:fillRef>
+          <a:effectRef idx="0">
+            <a:schemeClr val="dk1"/>
+          </a:effectRef>
+          <a:fontRef idx="minor">
+            <a:schemeClr val="tx1"/>
+          </a:fontRef>
+        </p:style>
+      </p:cxnSp>
+      <p:cxnSp>
+        <p:nvCxnSpPr>
+          <p:cNvPr id="74" name="직선 연결선 73"/>
+          <p:cNvCxnSpPr/>
+          <p:nvPr/>
+        </p:nvCxnSpPr>
+        <p:spPr>
+          <a:xfrm>
+            <a:off x="8747773" y="3639429"/>
+            <a:ext cx="2512991" cy="0"/>
+          </a:xfrm>
+          <a:prstGeom prst="line">
+            <a:avLst/>
+          </a:prstGeom>
+        </p:spPr>
+        <p:style>
+          <a:lnRef idx="1">
+            <a:schemeClr val="dk1"/>
+          </a:lnRef>
+          <a:fillRef idx="0">
+            <a:schemeClr val="dk1"/>
+          </a:fillRef>
+          <a:effectRef idx="0">
+            <a:schemeClr val="dk1"/>
+          </a:effectRef>
+          <a:fontRef idx="minor">
+            <a:schemeClr val="tx1"/>
+          </a:fontRef>
+        </p:style>
+      </p:cxnSp>
+      <p:cxnSp>
+        <p:nvCxnSpPr>
+          <p:cNvPr id="75" name="직선 연결선 74"/>
+          <p:cNvCxnSpPr/>
+          <p:nvPr/>
+        </p:nvCxnSpPr>
+        <p:spPr>
+          <a:xfrm>
+            <a:off x="8757506" y="4241136"/>
+            <a:ext cx="2512991" cy="0"/>
+          </a:xfrm>
+          <a:prstGeom prst="line">
+            <a:avLst/>
+          </a:prstGeom>
+        </p:spPr>
+        <p:style>
+          <a:lnRef idx="1">
+            <a:schemeClr val="dk1"/>
+          </a:lnRef>
+          <a:fillRef idx="0">
+            <a:schemeClr val="dk1"/>
+          </a:fillRef>
+          <a:effectRef idx="0">
+            <a:schemeClr val="dk1"/>
+          </a:effectRef>
+          <a:fontRef idx="minor">
+            <a:schemeClr val="tx1"/>
+          </a:fontRef>
+        </p:style>
+      </p:cxnSp>
+      <p:cxnSp>
+        <p:nvCxnSpPr>
+          <p:cNvPr id="76" name="직선 연결선 75"/>
+          <p:cNvCxnSpPr/>
+          <p:nvPr/>
+        </p:nvCxnSpPr>
+        <p:spPr>
+          <a:xfrm>
+            <a:off x="8756100" y="4043083"/>
+            <a:ext cx="2512991" cy="0"/>
+          </a:xfrm>
+          <a:prstGeom prst="line">
+            <a:avLst/>
+          </a:prstGeom>
+        </p:spPr>
+        <p:style>
+          <a:lnRef idx="1">
+            <a:schemeClr val="dk1"/>
+          </a:lnRef>
+          <a:fillRef idx="0">
+            <a:schemeClr val="dk1"/>
+          </a:fillRef>
+          <a:effectRef idx="0">
+            <a:schemeClr val="dk1"/>
+          </a:effectRef>
+          <a:fontRef idx="minor">
+            <a:schemeClr val="tx1"/>
+          </a:fontRef>
+        </p:style>
+      </p:cxnSp>
+      <p:sp>
+        <p:nvSpPr>
+          <p:cNvPr id="77" name="직사각형 76"/>
+          <p:cNvSpPr/>
+          <p:nvPr/>
+        </p:nvSpPr>
+        <p:spPr>
+          <a:xfrm>
+            <a:off x="9047810" y="5390660"/>
+            <a:ext cx="1379858" cy="238897"/>
+          </a:xfrm>
+          <a:prstGeom prst="rect">
+            <a:avLst/>
+          </a:prstGeom>
+          <a:solidFill>
+            <a:schemeClr val="bg1"/>
+          </a:solidFill>
+          <a:ln>
+            <a:solidFill>
+              <a:schemeClr val="tx1"/>
+            </a:solidFill>
+          </a:ln>
+        </p:spPr>
+        <p:style>
+          <a:lnRef idx="2">
+            <a:schemeClr val="accent1">
+              <a:shade val="50000"/>
+            </a:schemeClr>
+          </a:lnRef>
+          <a:fillRef idx="1">
+            <a:schemeClr val="accent1"/>
+          </a:fillRef>
+          <a:effectRef idx="0">
+            <a:schemeClr val="accent1"/>
+          </a:effectRef>
+          <a:fontRef idx="minor">
+            <a:schemeClr val="lt1"/>
+          </a:fontRef>
+        </p:style>
+        <p:txBody>
+          <a:bodyPr rtlCol="0" anchor="ctr"/>
+          <a:lstStyle/>
+          <a:p>
+            <a:r>
+              <a:rPr lang="ko-KR" altLang="en-US" sz="1200" dirty="0" err="1" smtClean="0">
+                <a:solidFill>
+                  <a:schemeClr val="bg1">
+                    <a:lumMod val="75000"/>
+                  </a:schemeClr>
+                </a:solidFill>
+              </a:rPr>
+              <a:t>검색어</a:t>
+            </a:r>
+            <a:r>
+              <a:rPr lang="ko-KR" altLang="en-US" sz="1200" dirty="0" smtClean="0">
+                <a:solidFill>
+                  <a:schemeClr val="bg1">
+                    <a:lumMod val="75000"/>
+                  </a:schemeClr>
+                </a:solidFill>
+              </a:rPr>
+              <a:t> 입력</a:t>
+            </a:r>
+            <a:endParaRPr lang="ko-KR" altLang="en-US" sz="1200" dirty="0">
+              <a:solidFill>
+                <a:schemeClr val="bg1">
+                  <a:lumMod val="75000"/>
+                </a:schemeClr>
+              </a:solidFill>
+            </a:endParaRPr>
+          </a:p>
+        </p:txBody>
+      </p:sp>
+      <p:sp>
+        <p:nvSpPr>
+          <p:cNvPr id="78" name="직사각형 77"/>
+          <p:cNvSpPr/>
+          <p:nvPr/>
+        </p:nvSpPr>
+        <p:spPr>
+          <a:xfrm>
+            <a:off x="10489409" y="5390660"/>
+            <a:ext cx="510767" cy="238897"/>
+          </a:xfrm>
+          <a:prstGeom prst="rect">
+            <a:avLst/>
+          </a:prstGeom>
+          <a:solidFill>
+            <a:schemeClr val="tx1"/>
+          </a:solidFill>
+          <a:ln>
+            <a:solidFill>
+              <a:schemeClr val="tx1"/>
+            </a:solidFill>
+          </a:ln>
+        </p:spPr>
+        <p:style>
+          <a:lnRef idx="2">
+            <a:schemeClr val="accent1">
+              <a:shade val="50000"/>
+            </a:schemeClr>
+          </a:lnRef>
+          <a:fillRef idx="1">
+            <a:schemeClr val="accent1"/>
+          </a:fillRef>
+          <a:effectRef idx="0">
+            <a:schemeClr val="accent1"/>
+          </a:effectRef>
+          <a:fontRef idx="minor">
+            <a:schemeClr val="lt1"/>
+          </a:fontRef>
+        </p:style>
+        <p:txBody>
+          <a:bodyPr rtlCol="0" anchor="ctr"/>
+          <a:lstStyle/>
+          <a:p>
+            <a:r>
+              <a:rPr lang="ko-KR" altLang="en-US" sz="1200" dirty="0" smtClean="0">
+                <a:solidFill>
+                  <a:schemeClr val="bg1">
+                    <a:lumMod val="75000"/>
+                  </a:schemeClr>
+                </a:solidFill>
+              </a:rPr>
+              <a:t>검색</a:t>
+            </a:r>
+            <a:endParaRPr lang="ko-KR" altLang="en-US" sz="1200" dirty="0">
+              <a:solidFill>
+                <a:schemeClr val="bg1">
+                  <a:lumMod val="75000"/>
+                </a:schemeClr>
+              </a:solidFill>
+            </a:endParaRPr>
+          </a:p>
+        </p:txBody>
+      </p:sp>
+      <p:sp>
+        <p:nvSpPr>
+          <p:cNvPr id="79" name="직사각형 78"/>
+          <p:cNvSpPr/>
+          <p:nvPr/>
+        </p:nvSpPr>
+        <p:spPr>
+          <a:xfrm>
+            <a:off x="10577188" y="2093991"/>
+            <a:ext cx="675501" cy="238897"/>
+          </a:xfrm>
+          <a:prstGeom prst="rect">
+            <a:avLst/>
+          </a:prstGeom>
+          <a:solidFill>
+            <a:schemeClr val="tx1"/>
+          </a:solidFill>
+          <a:ln>
+            <a:solidFill>
+              <a:schemeClr val="tx1"/>
+            </a:solidFill>
+          </a:ln>
+        </p:spPr>
+        <p:style>
+          <a:lnRef idx="2">
+            <a:schemeClr val="accent1">
+              <a:shade val="50000"/>
+            </a:schemeClr>
+          </a:lnRef>
+          <a:fillRef idx="1">
+            <a:schemeClr val="accent1"/>
+          </a:fillRef>
+          <a:effectRef idx="0">
+            <a:schemeClr val="accent1"/>
+          </a:effectRef>
+          <a:fontRef idx="minor">
+            <a:schemeClr val="lt1"/>
+          </a:fontRef>
+        </p:style>
+        <p:txBody>
+          <a:bodyPr rtlCol="0" anchor="ctr"/>
+          <a:lstStyle/>
+          <a:p>
+            <a:r>
+              <a:rPr lang="ko-KR" altLang="en-US" sz="1200" dirty="0" smtClean="0">
+                <a:solidFill>
+                  <a:schemeClr val="bg1">
+                    <a:lumMod val="75000"/>
+                  </a:schemeClr>
+                </a:solidFill>
+              </a:rPr>
+              <a:t>글쓰기</a:t>
+            </a:r>
+            <a:endParaRPr lang="ko-KR" altLang="en-US" sz="1200" dirty="0">
+              <a:solidFill>
+                <a:schemeClr val="bg1">
+                  <a:lumMod val="75000"/>
+                </a:schemeClr>
+              </a:solidFill>
+            </a:endParaRPr>
+          </a:p>
+        </p:txBody>
+      </p:sp>
+      <p:sp>
+        <p:nvSpPr>
+          <p:cNvPr id="80" name="TextBox 79"/>
+          <p:cNvSpPr txBox="1"/>
+          <p:nvPr/>
+        </p:nvSpPr>
+        <p:spPr>
+          <a:xfrm>
+            <a:off x="8706583" y="2941039"/>
+            <a:ext cx="551935" cy="215444"/>
+          </a:xfrm>
+          <a:prstGeom prst="rect">
+            <a:avLst/>
+          </a:prstGeom>
+          <a:noFill/>
+        </p:spPr>
+        <p:txBody>
+          <a:bodyPr wrap="square" rtlCol="0">
+            <a:spAutoFit/>
+          </a:bodyPr>
+          <a:lstStyle/>
+          <a:p>
+            <a:r>
+              <a:rPr lang="ko-KR" altLang="en-US" sz="800" dirty="0" err="1" smtClean="0"/>
+              <a:t>글번호</a:t>
+            </a:r>
+            <a:endParaRPr lang="ko-KR" altLang="en-US" sz="800" dirty="0"/>
+          </a:p>
+        </p:txBody>
+      </p:sp>
+      <p:sp>
+        <p:nvSpPr>
+          <p:cNvPr id="81" name="TextBox 80"/>
+          <p:cNvSpPr txBox="1"/>
+          <p:nvPr/>
+        </p:nvSpPr>
+        <p:spPr>
+          <a:xfrm>
+            <a:off x="9549150" y="2937282"/>
+            <a:ext cx="551935" cy="215444"/>
+          </a:xfrm>
+          <a:prstGeom prst="rect">
+            <a:avLst/>
+          </a:prstGeom>
+          <a:noFill/>
+        </p:spPr>
+        <p:txBody>
+          <a:bodyPr wrap="square" rtlCol="0">
+            <a:spAutoFit/>
+          </a:bodyPr>
+          <a:lstStyle/>
+          <a:p>
+            <a:r>
+              <a:rPr lang="ko-KR" altLang="en-US" sz="800" dirty="0" smtClean="0"/>
+              <a:t>제목</a:t>
+            </a:r>
+            <a:endParaRPr lang="ko-KR" altLang="en-US" sz="800" dirty="0"/>
+          </a:p>
+        </p:txBody>
+      </p:sp>
+      <p:sp>
+        <p:nvSpPr>
+          <p:cNvPr id="82" name="TextBox 81"/>
+          <p:cNvSpPr txBox="1"/>
+          <p:nvPr/>
+        </p:nvSpPr>
+        <p:spPr>
+          <a:xfrm>
+            <a:off x="10305625" y="2941857"/>
+            <a:ext cx="551935" cy="215444"/>
+          </a:xfrm>
+          <a:prstGeom prst="rect">
+            <a:avLst/>
+          </a:prstGeom>
+          <a:noFill/>
+        </p:spPr>
+        <p:txBody>
+          <a:bodyPr wrap="square" rtlCol="0">
+            <a:spAutoFit/>
+          </a:bodyPr>
+          <a:lstStyle/>
+          <a:p>
+            <a:r>
+              <a:rPr lang="ko-KR" altLang="en-US" sz="800" dirty="0" smtClean="0"/>
+              <a:t>작성자</a:t>
+            </a:r>
+            <a:endParaRPr lang="ko-KR" altLang="en-US" sz="800" dirty="0"/>
+          </a:p>
+        </p:txBody>
+      </p:sp>
+      <p:sp>
+        <p:nvSpPr>
+          <p:cNvPr id="83" name="TextBox 82"/>
+          <p:cNvSpPr txBox="1"/>
+          <p:nvPr/>
+        </p:nvSpPr>
+        <p:spPr>
+          <a:xfrm>
+            <a:off x="10807873" y="2941039"/>
+            <a:ext cx="551935" cy="215444"/>
+          </a:xfrm>
+          <a:prstGeom prst="rect">
+            <a:avLst/>
+          </a:prstGeom>
+          <a:noFill/>
+        </p:spPr>
+        <p:txBody>
+          <a:bodyPr wrap="square" rtlCol="0">
+            <a:spAutoFit/>
+          </a:bodyPr>
+          <a:lstStyle/>
+          <a:p>
+            <a:r>
+              <a:rPr lang="ko-KR" altLang="en-US" sz="800" dirty="0" smtClean="0"/>
+              <a:t>작성일</a:t>
+            </a:r>
+            <a:endParaRPr lang="ko-KR" altLang="en-US" sz="800" dirty="0"/>
+          </a:p>
+        </p:txBody>
+      </p:sp>
+      <p:sp>
+        <p:nvSpPr>
+          <p:cNvPr id="87" name="TextBox 86"/>
+          <p:cNvSpPr txBox="1"/>
+          <p:nvPr/>
+        </p:nvSpPr>
+        <p:spPr>
+          <a:xfrm>
+            <a:off x="777269" y="2129221"/>
+            <a:ext cx="7569580" cy="338554"/>
+          </a:xfrm>
+          <a:prstGeom prst="rect">
+            <a:avLst/>
+          </a:prstGeom>
+          <a:noFill/>
+        </p:spPr>
+        <p:txBody>
+          <a:bodyPr wrap="square" rtlCol="0">
+            <a:spAutoFit/>
+          </a:bodyPr>
+          <a:lstStyle/>
+          <a:p>
+            <a:pPr algn="ctr"/>
+            <a:r>
+              <a:rPr lang="ko-KR" altLang="en-US" sz="1600" dirty="0" smtClean="0"/>
+              <a:t>조립컴퓨터               컴퓨터부품               </a:t>
+            </a:r>
+            <a:r>
+              <a:rPr lang="ko-KR" altLang="en-US" sz="1600" dirty="0" smtClean="0"/>
+              <a:t>견적문의</a:t>
+            </a:r>
+            <a:endParaRPr lang="ko-KR" altLang="en-US" sz="1600" dirty="0"/>
           </a:p>
         </p:txBody>
       </p:sp>
@@ -16412,37 +19210,6 @@
           </a:p>
         </p:txBody>
       </p:sp>
-      <p:sp>
-        <p:nvSpPr>
-          <p:cNvPr id="17" name="TextBox 16"/>
-          <p:cNvSpPr txBox="1"/>
-          <p:nvPr/>
-        </p:nvSpPr>
-        <p:spPr>
-          <a:xfrm>
-            <a:off x="777269" y="2129221"/>
-            <a:ext cx="7569580" cy="338554"/>
-          </a:xfrm>
-          <a:prstGeom prst="rect">
-            <a:avLst/>
-          </a:prstGeom>
-          <a:noFill/>
-        </p:spPr>
-        <p:txBody>
-          <a:bodyPr wrap="square" rtlCol="0">
-            <a:spAutoFit/>
-          </a:bodyPr>
-          <a:lstStyle/>
-          <a:p>
-            <a:pPr algn="ctr"/>
-            <a:r>
-              <a:rPr lang="ko-KR" altLang="en-US" sz="1600" dirty="0" smtClean="0"/>
-              <a:t>조립컴퓨터               컴퓨터부품               견적문의              개인사양결제</a:t>
-            </a:r>
-            <a:endParaRPr lang="ko-KR" altLang="en-US" sz="1600" dirty="0"/>
-          </a:p>
-        </p:txBody>
-      </p:sp>
       <p:cxnSp>
         <p:nvCxnSpPr>
           <p:cNvPr id="19" name="직선 연결선 18"/>
@@ -17277,6 +20044,335 @@
               <a:t>마이페이지</a:t>
             </a:r>
             <a:endParaRPr lang="ko-KR" altLang="en-US" sz="1000" dirty="0"/>
+          </a:p>
+        </p:txBody>
+      </p:sp>
+      <p:cxnSp>
+        <p:nvCxnSpPr>
+          <p:cNvPr id="36" name="직선 연결선 35"/>
+          <p:cNvCxnSpPr/>
+          <p:nvPr/>
+        </p:nvCxnSpPr>
+        <p:spPr>
+          <a:xfrm>
+            <a:off x="8602764" y="1984861"/>
+            <a:ext cx="2811968" cy="0"/>
+          </a:xfrm>
+          <a:prstGeom prst="line">
+            <a:avLst/>
+          </a:prstGeom>
+          <a:ln>
+            <a:solidFill>
+              <a:schemeClr val="tx1"/>
+            </a:solidFill>
+          </a:ln>
+        </p:spPr>
+        <p:style>
+          <a:lnRef idx="1">
+            <a:schemeClr val="accent1"/>
+          </a:lnRef>
+          <a:fillRef idx="0">
+            <a:schemeClr val="accent1"/>
+          </a:fillRef>
+          <a:effectRef idx="0">
+            <a:schemeClr val="accent1"/>
+          </a:effectRef>
+          <a:fontRef idx="minor">
+            <a:schemeClr val="tx1"/>
+          </a:fontRef>
+        </p:style>
+      </p:cxnSp>
+      <p:cxnSp>
+        <p:nvCxnSpPr>
+          <p:cNvPr id="37" name="직선 연결선 36"/>
+          <p:cNvCxnSpPr/>
+          <p:nvPr/>
+        </p:nvCxnSpPr>
+        <p:spPr>
+          <a:xfrm>
+            <a:off x="8602764" y="1984861"/>
+            <a:ext cx="2811968" cy="0"/>
+          </a:xfrm>
+          <a:prstGeom prst="line">
+            <a:avLst/>
+          </a:prstGeom>
+          <a:ln>
+            <a:solidFill>
+              <a:schemeClr val="tx1"/>
+            </a:solidFill>
+          </a:ln>
+        </p:spPr>
+        <p:style>
+          <a:lnRef idx="1">
+            <a:schemeClr val="accent1"/>
+          </a:lnRef>
+          <a:fillRef idx="0">
+            <a:schemeClr val="accent1"/>
+          </a:fillRef>
+          <a:effectRef idx="0">
+            <a:schemeClr val="accent1"/>
+          </a:effectRef>
+          <a:fontRef idx="minor">
+            <a:schemeClr val="tx1"/>
+          </a:fontRef>
+        </p:style>
+      </p:cxnSp>
+      <p:cxnSp>
+        <p:nvCxnSpPr>
+          <p:cNvPr id="38" name="직선 연결선 37"/>
+          <p:cNvCxnSpPr/>
+          <p:nvPr/>
+        </p:nvCxnSpPr>
+        <p:spPr>
+          <a:xfrm>
+            <a:off x="8602764" y="1984861"/>
+            <a:ext cx="2811968" cy="0"/>
+          </a:xfrm>
+          <a:prstGeom prst="line">
+            <a:avLst/>
+          </a:prstGeom>
+          <a:ln>
+            <a:solidFill>
+              <a:schemeClr val="tx1"/>
+            </a:solidFill>
+          </a:ln>
+        </p:spPr>
+        <p:style>
+          <a:lnRef idx="1">
+            <a:schemeClr val="accent1"/>
+          </a:lnRef>
+          <a:fillRef idx="0">
+            <a:schemeClr val="accent1"/>
+          </a:fillRef>
+          <a:effectRef idx="0">
+            <a:schemeClr val="accent1"/>
+          </a:effectRef>
+          <a:fontRef idx="minor">
+            <a:schemeClr val="tx1"/>
+          </a:fontRef>
+        </p:style>
+      </p:cxnSp>
+      <p:sp>
+        <p:nvSpPr>
+          <p:cNvPr id="39" name="TextBox 38"/>
+          <p:cNvSpPr txBox="1"/>
+          <p:nvPr/>
+        </p:nvSpPr>
+        <p:spPr>
+          <a:xfrm>
+            <a:off x="8686433" y="2066609"/>
+            <a:ext cx="815545" cy="276999"/>
+          </a:xfrm>
+          <a:prstGeom prst="rect">
+            <a:avLst/>
+          </a:prstGeom>
+          <a:noFill/>
+        </p:spPr>
+        <p:txBody>
+          <a:bodyPr wrap="square" rtlCol="0">
+            <a:spAutoFit/>
+          </a:bodyPr>
+          <a:lstStyle/>
+          <a:p>
+            <a:r>
+              <a:rPr lang="ko-KR" altLang="en-US" sz="1200" dirty="0" smtClean="0"/>
+              <a:t>제목</a:t>
+            </a:r>
+            <a:endParaRPr lang="ko-KR" altLang="en-US" sz="1200" dirty="0"/>
+          </a:p>
+        </p:txBody>
+      </p:sp>
+      <p:sp>
+        <p:nvSpPr>
+          <p:cNvPr id="40" name="직사각형 39"/>
+          <p:cNvSpPr/>
+          <p:nvPr/>
+        </p:nvSpPr>
+        <p:spPr>
+          <a:xfrm>
+            <a:off x="9144000" y="2062219"/>
+            <a:ext cx="2232086" cy="239576"/>
+          </a:xfrm>
+          <a:prstGeom prst="rect">
+            <a:avLst/>
+          </a:prstGeom>
+          <a:solidFill>
+            <a:schemeClr val="bg1"/>
+          </a:solidFill>
+          <a:ln>
+            <a:solidFill>
+              <a:schemeClr val="tx1"/>
+            </a:solidFill>
+          </a:ln>
+        </p:spPr>
+        <p:style>
+          <a:lnRef idx="2">
+            <a:schemeClr val="accent1">
+              <a:shade val="50000"/>
+            </a:schemeClr>
+          </a:lnRef>
+          <a:fillRef idx="1">
+            <a:schemeClr val="accent1"/>
+          </a:fillRef>
+          <a:effectRef idx="0">
+            <a:schemeClr val="accent1"/>
+          </a:effectRef>
+          <a:fontRef idx="minor">
+            <a:schemeClr val="lt1"/>
+          </a:fontRef>
+        </p:style>
+        <p:txBody>
+          <a:bodyPr rtlCol="0" anchor="ctr"/>
+          <a:lstStyle/>
+          <a:p>
+            <a:pPr algn="ctr"/>
+            <a:endParaRPr lang="ko-KR" altLang="en-US"/>
+          </a:p>
+        </p:txBody>
+      </p:sp>
+      <p:sp>
+        <p:nvSpPr>
+          <p:cNvPr id="41" name="직사각형 40"/>
+          <p:cNvSpPr/>
+          <p:nvPr/>
+        </p:nvSpPr>
+        <p:spPr>
+          <a:xfrm>
+            <a:off x="8657518" y="2418186"/>
+            <a:ext cx="2704143" cy="2931890"/>
+          </a:xfrm>
+          <a:prstGeom prst="rect">
+            <a:avLst/>
+          </a:prstGeom>
+          <a:solidFill>
+            <a:schemeClr val="bg1"/>
+          </a:solidFill>
+          <a:ln>
+            <a:solidFill>
+              <a:schemeClr val="tx1"/>
+            </a:solidFill>
+          </a:ln>
+        </p:spPr>
+        <p:style>
+          <a:lnRef idx="2">
+            <a:schemeClr val="accent1">
+              <a:shade val="50000"/>
+            </a:schemeClr>
+          </a:lnRef>
+          <a:fillRef idx="1">
+            <a:schemeClr val="accent1"/>
+          </a:fillRef>
+          <a:effectRef idx="0">
+            <a:schemeClr val="accent1"/>
+          </a:effectRef>
+          <a:fontRef idx="minor">
+            <a:schemeClr val="lt1"/>
+          </a:fontRef>
+        </p:style>
+        <p:txBody>
+          <a:bodyPr rtlCol="0" anchor="ctr"/>
+          <a:lstStyle/>
+          <a:p>
+            <a:pPr algn="ctr"/>
+            <a:endParaRPr lang="ko-KR" altLang="en-US"/>
+          </a:p>
+        </p:txBody>
+      </p:sp>
+      <p:sp>
+        <p:nvSpPr>
+          <p:cNvPr id="42" name="직사각형 41"/>
+          <p:cNvSpPr/>
+          <p:nvPr/>
+        </p:nvSpPr>
+        <p:spPr>
+          <a:xfrm>
+            <a:off x="10791784" y="5407520"/>
+            <a:ext cx="510767" cy="238897"/>
+          </a:xfrm>
+          <a:prstGeom prst="rect">
+            <a:avLst/>
+          </a:prstGeom>
+          <a:solidFill>
+            <a:schemeClr val="tx1"/>
+          </a:solidFill>
+          <a:ln>
+            <a:solidFill>
+              <a:schemeClr val="tx1"/>
+            </a:solidFill>
+          </a:ln>
+        </p:spPr>
+        <p:style>
+          <a:lnRef idx="2">
+            <a:schemeClr val="accent1">
+              <a:shade val="50000"/>
+            </a:schemeClr>
+          </a:lnRef>
+          <a:fillRef idx="1">
+            <a:schemeClr val="accent1"/>
+          </a:fillRef>
+          <a:effectRef idx="0">
+            <a:schemeClr val="accent1"/>
+          </a:effectRef>
+          <a:fontRef idx="minor">
+            <a:schemeClr val="lt1"/>
+          </a:fontRef>
+        </p:style>
+        <p:txBody>
+          <a:bodyPr rtlCol="0" anchor="ctr"/>
+          <a:lstStyle/>
+          <a:p>
+            <a:r>
+              <a:rPr lang="ko-KR" altLang="en-US" sz="1200" dirty="0" smtClean="0">
+                <a:solidFill>
+                  <a:schemeClr val="bg1">
+                    <a:lumMod val="75000"/>
+                  </a:schemeClr>
+                </a:solidFill>
+              </a:rPr>
+              <a:t>등록</a:t>
+            </a:r>
+            <a:endParaRPr lang="ko-KR" altLang="en-US" sz="1200" dirty="0">
+              <a:solidFill>
+                <a:schemeClr val="bg1">
+                  <a:lumMod val="75000"/>
+                </a:schemeClr>
+              </a:solidFill>
+            </a:endParaRPr>
+          </a:p>
+        </p:txBody>
+      </p:sp>
+      <p:sp>
+        <p:nvSpPr>
+          <p:cNvPr id="44" name="TextBox 43"/>
+          <p:cNvSpPr txBox="1"/>
+          <p:nvPr/>
+        </p:nvSpPr>
+        <p:spPr>
+          <a:xfrm>
+            <a:off x="777269" y="2129221"/>
+            <a:ext cx="7569580" cy="338554"/>
+          </a:xfrm>
+          <a:prstGeom prst="rect">
+            <a:avLst/>
+          </a:prstGeom>
+          <a:noFill/>
+        </p:spPr>
+        <p:txBody>
+          <a:bodyPr wrap="square" rtlCol="0">
+            <a:spAutoFit/>
+          </a:bodyPr>
+          <a:lstStyle/>
+          <a:p>
+            <a:pPr algn="ctr"/>
+            <a:r>
+              <a:rPr lang="ko-KR" altLang="en-US" sz="1600" dirty="0" smtClean="0"/>
+              <a:t>조립컴퓨터               컴퓨터부품               </a:t>
+            </a:r>
+            <a:r>
+              <a:rPr lang="ko-KR" altLang="en-US" sz="1600" dirty="0" smtClean="0"/>
+              <a:t>견적문의</a:t>
+            </a:r>
+            <a:endParaRPr lang="ko-KR" altLang="en-US" sz="1600" dirty="0"/>
           </a:p>
         </p:txBody>
       </p:sp>
@@ -18014,37 +21110,6 @@
           </a:p>
         </p:txBody>
       </p:sp>
-      <p:sp>
-        <p:nvSpPr>
-          <p:cNvPr id="17" name="TextBox 16"/>
-          <p:cNvSpPr txBox="1"/>
-          <p:nvPr/>
-        </p:nvSpPr>
-        <p:spPr>
-          <a:xfrm>
-            <a:off x="777269" y="2129221"/>
-            <a:ext cx="7569580" cy="338554"/>
-          </a:xfrm>
-          <a:prstGeom prst="rect">
-            <a:avLst/>
-          </a:prstGeom>
-          <a:noFill/>
-        </p:spPr>
-        <p:txBody>
-          <a:bodyPr wrap="square" rtlCol="0">
-            <a:spAutoFit/>
-          </a:bodyPr>
-          <a:lstStyle/>
-          <a:p>
-            <a:pPr algn="ctr"/>
-            <a:r>
-              <a:rPr lang="ko-KR" altLang="en-US" sz="1600" dirty="0" smtClean="0"/>
-              <a:t>조립컴퓨터               컴퓨터부품               견적문의              개인사양결제</a:t>
-            </a:r>
-            <a:endParaRPr lang="ko-KR" altLang="en-US" sz="1600" dirty="0"/>
-          </a:p>
-        </p:txBody>
-      </p:sp>
       <p:cxnSp>
         <p:nvCxnSpPr>
           <p:cNvPr id="19" name="직선 연결선 18"/>
@@ -18873,6 +21938,312 @@
               <a:t>마이페이지</a:t>
             </a:r>
             <a:endParaRPr lang="ko-KR" altLang="en-US" sz="1000" dirty="0"/>
+          </a:p>
+        </p:txBody>
+      </p:sp>
+      <p:cxnSp>
+        <p:nvCxnSpPr>
+          <p:cNvPr id="41" name="직선 연결선 40"/>
+          <p:cNvCxnSpPr/>
+          <p:nvPr/>
+        </p:nvCxnSpPr>
+        <p:spPr>
+          <a:xfrm>
+            <a:off x="8602764" y="1984861"/>
+            <a:ext cx="2811968" cy="0"/>
+          </a:xfrm>
+          <a:prstGeom prst="line">
+            <a:avLst/>
+          </a:prstGeom>
+          <a:ln>
+            <a:solidFill>
+              <a:schemeClr val="tx1"/>
+            </a:solidFill>
+          </a:ln>
+        </p:spPr>
+        <p:style>
+          <a:lnRef idx="1">
+            <a:schemeClr val="accent1"/>
+          </a:lnRef>
+          <a:fillRef idx="0">
+            <a:schemeClr val="accent1"/>
+          </a:fillRef>
+          <a:effectRef idx="0">
+            <a:schemeClr val="accent1"/>
+          </a:effectRef>
+          <a:fontRef idx="minor">
+            <a:schemeClr val="tx1"/>
+          </a:fontRef>
+        </p:style>
+      </p:cxnSp>
+      <p:cxnSp>
+        <p:nvCxnSpPr>
+          <p:cNvPr id="42" name="직선 연결선 41"/>
+          <p:cNvCxnSpPr/>
+          <p:nvPr/>
+        </p:nvCxnSpPr>
+        <p:spPr>
+          <a:xfrm>
+            <a:off x="8602764" y="1984861"/>
+            <a:ext cx="2811968" cy="0"/>
+          </a:xfrm>
+          <a:prstGeom prst="line">
+            <a:avLst/>
+          </a:prstGeom>
+          <a:ln>
+            <a:solidFill>
+              <a:schemeClr val="tx1"/>
+            </a:solidFill>
+          </a:ln>
+        </p:spPr>
+        <p:style>
+          <a:lnRef idx="1">
+            <a:schemeClr val="accent1"/>
+          </a:lnRef>
+          <a:fillRef idx="0">
+            <a:schemeClr val="accent1"/>
+          </a:fillRef>
+          <a:effectRef idx="0">
+            <a:schemeClr val="accent1"/>
+          </a:effectRef>
+          <a:fontRef idx="minor">
+            <a:schemeClr val="tx1"/>
+          </a:fontRef>
+        </p:style>
+      </p:cxnSp>
+      <p:sp>
+        <p:nvSpPr>
+          <p:cNvPr id="44" name="TextBox 43"/>
+          <p:cNvSpPr txBox="1"/>
+          <p:nvPr/>
+        </p:nvSpPr>
+        <p:spPr>
+          <a:xfrm>
+            <a:off x="8649280" y="2052277"/>
+            <a:ext cx="659031" cy="246221"/>
+          </a:xfrm>
+          <a:prstGeom prst="rect">
+            <a:avLst/>
+          </a:prstGeom>
+          <a:noFill/>
+        </p:spPr>
+        <p:txBody>
+          <a:bodyPr wrap="square" rtlCol="0">
+            <a:spAutoFit/>
+          </a:bodyPr>
+          <a:lstStyle/>
+          <a:p>
+            <a:r>
+              <a:rPr lang="ko-KR" altLang="en-US" sz="1000" dirty="0" smtClean="0"/>
+              <a:t>제목</a:t>
+            </a:r>
+            <a:endParaRPr lang="ko-KR" altLang="en-US" sz="1000" dirty="0"/>
+          </a:p>
+        </p:txBody>
+      </p:sp>
+      <p:sp>
+        <p:nvSpPr>
+          <p:cNvPr id="45" name="TextBox 44"/>
+          <p:cNvSpPr txBox="1"/>
+          <p:nvPr/>
+        </p:nvSpPr>
+        <p:spPr>
+          <a:xfrm>
+            <a:off x="10362209" y="2059458"/>
+            <a:ext cx="1021039" cy="246221"/>
+          </a:xfrm>
+          <a:prstGeom prst="rect">
+            <a:avLst/>
+          </a:prstGeom>
+          <a:noFill/>
+        </p:spPr>
+        <p:txBody>
+          <a:bodyPr wrap="square" rtlCol="0">
+            <a:spAutoFit/>
+          </a:bodyPr>
+          <a:lstStyle/>
+          <a:p>
+            <a:r>
+              <a:rPr lang="ko-KR" altLang="en-US" sz="1000" dirty="0" smtClean="0"/>
+              <a:t>작성자 등록일</a:t>
+            </a:r>
+            <a:endParaRPr lang="ko-KR" altLang="en-US" sz="1000" dirty="0"/>
+          </a:p>
+        </p:txBody>
+      </p:sp>
+      <p:sp>
+        <p:nvSpPr>
+          <p:cNvPr id="46" name="직사각형 45"/>
+          <p:cNvSpPr/>
+          <p:nvPr/>
+        </p:nvSpPr>
+        <p:spPr>
+          <a:xfrm>
+            <a:off x="10797934" y="5399675"/>
+            <a:ext cx="510767" cy="238897"/>
+          </a:xfrm>
+          <a:prstGeom prst="rect">
+            <a:avLst/>
+          </a:prstGeom>
+          <a:solidFill>
+            <a:schemeClr val="tx1"/>
+          </a:solidFill>
+          <a:ln>
+            <a:solidFill>
+              <a:schemeClr val="tx1"/>
+            </a:solidFill>
+          </a:ln>
+        </p:spPr>
+        <p:style>
+          <a:lnRef idx="2">
+            <a:schemeClr val="accent1">
+              <a:shade val="50000"/>
+            </a:schemeClr>
+          </a:lnRef>
+          <a:fillRef idx="1">
+            <a:schemeClr val="accent1"/>
+          </a:fillRef>
+          <a:effectRef idx="0">
+            <a:schemeClr val="accent1"/>
+          </a:effectRef>
+          <a:fontRef idx="minor">
+            <a:schemeClr val="lt1"/>
+          </a:fontRef>
+        </p:style>
+        <p:txBody>
+          <a:bodyPr rtlCol="0" anchor="ctr"/>
+          <a:lstStyle/>
+          <a:p>
+            <a:r>
+              <a:rPr lang="ko-KR" altLang="en-US" sz="1200" dirty="0" smtClean="0">
+                <a:solidFill>
+                  <a:schemeClr val="bg1">
+                    <a:lumMod val="75000"/>
+                  </a:schemeClr>
+                </a:solidFill>
+              </a:rPr>
+              <a:t>이전</a:t>
+            </a:r>
+            <a:endParaRPr lang="ko-KR" altLang="en-US" sz="1200" dirty="0">
+              <a:solidFill>
+                <a:schemeClr val="bg1">
+                  <a:lumMod val="75000"/>
+                </a:schemeClr>
+              </a:solidFill>
+            </a:endParaRPr>
+          </a:p>
+        </p:txBody>
+      </p:sp>
+      <p:sp>
+        <p:nvSpPr>
+          <p:cNvPr id="48" name="직사각형 47"/>
+          <p:cNvSpPr/>
+          <p:nvPr/>
+        </p:nvSpPr>
+        <p:spPr>
+          <a:xfrm>
+            <a:off x="8657518" y="2418186"/>
+            <a:ext cx="2704143" cy="2931890"/>
+          </a:xfrm>
+          <a:prstGeom prst="rect">
+            <a:avLst/>
+          </a:prstGeom>
+          <a:solidFill>
+            <a:schemeClr val="bg1"/>
+          </a:solidFill>
+          <a:ln>
+            <a:solidFill>
+              <a:schemeClr val="tx1"/>
+            </a:solidFill>
+          </a:ln>
+        </p:spPr>
+        <p:style>
+          <a:lnRef idx="2">
+            <a:schemeClr val="accent1">
+              <a:shade val="50000"/>
+            </a:schemeClr>
+          </a:lnRef>
+          <a:fillRef idx="1">
+            <a:schemeClr val="accent1"/>
+          </a:fillRef>
+          <a:effectRef idx="0">
+            <a:schemeClr val="accent1"/>
+          </a:effectRef>
+          <a:fontRef idx="minor">
+            <a:schemeClr val="lt1"/>
+          </a:fontRef>
+        </p:style>
+        <p:txBody>
+          <a:bodyPr rtlCol="0" anchor="ctr"/>
+          <a:lstStyle/>
+          <a:p>
+            <a:pPr algn="ctr"/>
+            <a:endParaRPr lang="ko-KR" altLang="en-US"/>
+          </a:p>
+        </p:txBody>
+      </p:sp>
+      <p:sp>
+        <p:nvSpPr>
+          <p:cNvPr id="49" name="TextBox 48"/>
+          <p:cNvSpPr txBox="1"/>
+          <p:nvPr/>
+        </p:nvSpPr>
+        <p:spPr>
+          <a:xfrm>
+            <a:off x="9697681" y="3640276"/>
+            <a:ext cx="871465" cy="338554"/>
+          </a:xfrm>
+          <a:prstGeom prst="rect">
+            <a:avLst/>
+          </a:prstGeom>
+          <a:noFill/>
+        </p:spPr>
+        <p:txBody>
+          <a:bodyPr wrap="square" rtlCol="0">
+            <a:spAutoFit/>
+          </a:bodyPr>
+          <a:lstStyle/>
+          <a:p>
+            <a:r>
+              <a:rPr lang="ko-KR" altLang="en-US" sz="1600" dirty="0" smtClean="0"/>
+              <a:t>내용</a:t>
+            </a:r>
+            <a:endParaRPr lang="en-US" altLang="ko-KR" sz="1600" dirty="0" smtClean="0"/>
+          </a:p>
+        </p:txBody>
+      </p:sp>
+      <p:sp>
+        <p:nvSpPr>
+          <p:cNvPr id="53" name="TextBox 52"/>
+          <p:cNvSpPr txBox="1"/>
+          <p:nvPr/>
+        </p:nvSpPr>
+        <p:spPr>
+          <a:xfrm>
+            <a:off x="777269" y="2129221"/>
+            <a:ext cx="7569580" cy="338554"/>
+          </a:xfrm>
+          <a:prstGeom prst="rect">
+            <a:avLst/>
+          </a:prstGeom>
+          <a:noFill/>
+        </p:spPr>
+        <p:txBody>
+          <a:bodyPr wrap="square" rtlCol="0">
+            <a:spAutoFit/>
+          </a:bodyPr>
+          <a:lstStyle/>
+          <a:p>
+            <a:pPr algn="ctr"/>
+            <a:r>
+              <a:rPr lang="ko-KR" altLang="en-US" sz="1600" dirty="0" smtClean="0"/>
+              <a:t>조립컴퓨터               컴퓨터부품               </a:t>
+            </a:r>
+            <a:r>
+              <a:rPr lang="ko-KR" altLang="en-US" sz="1600" dirty="0" smtClean="0"/>
+              <a:t>견적문의</a:t>
+            </a:r>
+            <a:endParaRPr lang="ko-KR" altLang="en-US" sz="1600" dirty="0"/>
           </a:p>
         </p:txBody>
       </p:sp>
@@ -19748,12 +23119,20 @@
               <a:t>내정보관리</a:t>
             </a:r>
             <a:r>
+              <a:rPr lang="en-US" altLang="ko-KR" sz="1200" dirty="0">
+                <a:solidFill>
+                  <a:schemeClr val="tx1"/>
+                </a:solidFill>
+              </a:rPr>
+              <a:t>	</a:t>
+            </a:r>
+            <a:r>
               <a:rPr lang="en-US" altLang="ko-KR" sz="1200" dirty="0" smtClean="0">
                 <a:solidFill>
                   <a:schemeClr val="tx1"/>
                 </a:solidFill>
               </a:rPr>
-              <a:t>	</a:t>
+              <a:t>  </a:t>
             </a:r>
             <a:r>
               <a:rPr lang="ko-KR" altLang="en-US" sz="1200" dirty="0" err="1" smtClean="0">
@@ -19769,23 +23148,7 @@
                   <a:schemeClr val="tx1"/>
                 </a:solidFill>
               </a:rPr>
-              <a:t>	</a:t>
-            </a:r>
-            <a:r>
-              <a:rPr lang="ko-KR" altLang="en-US" sz="1200" dirty="0" smtClean="0">
-                <a:solidFill>
-                  <a:schemeClr val="tx1"/>
-                </a:solidFill>
-              </a:rPr>
-              <a:t>견적관리</a:t>
-            </a:r>
-            <a:r>
-              <a:rPr lang="en-US" altLang="ko-KR" sz="1200" dirty="0" smtClean="0">
-                <a:solidFill>
-                  <a:schemeClr val="tx1"/>
-                </a:solidFill>
-              </a:rPr>
-              <a:t>	</a:t>
+              <a:t>	 </a:t>
             </a:r>
             <a:r>
               <a:rPr lang="ko-KR" altLang="en-US" sz="1200" dirty="0" smtClean="0">
@@ -21303,13 +24666,834 @@
             <a:pPr algn="ctr"/>
             <a:r>
               <a:rPr lang="ko-KR" altLang="en-US" sz="1600" dirty="0" smtClean="0"/>
-              <a:t>조립컴퓨터               컴퓨터부품               </a:t>
-            </a:r>
-            <a:r>
-              <a:rPr lang="ko-KR" altLang="en-US" sz="1600" dirty="0" smtClean="0"/>
-              <a:t>견적문의</a:t>
+              <a:t>조립컴퓨터               컴퓨터부품               견적문의</a:t>
             </a:r>
             <a:endParaRPr lang="ko-KR" altLang="en-US" sz="1600" dirty="0"/>
+          </a:p>
+        </p:txBody>
+      </p:sp>
+      <p:cxnSp>
+        <p:nvCxnSpPr>
+          <p:cNvPr id="80" name="직선 연결선 79"/>
+          <p:cNvCxnSpPr/>
+          <p:nvPr/>
+        </p:nvCxnSpPr>
+        <p:spPr>
+          <a:xfrm>
+            <a:off x="8602764" y="1984861"/>
+            <a:ext cx="2811968" cy="0"/>
+          </a:xfrm>
+          <a:prstGeom prst="line">
+            <a:avLst/>
+          </a:prstGeom>
+          <a:ln>
+            <a:solidFill>
+              <a:schemeClr val="tx1"/>
+            </a:solidFill>
+          </a:ln>
+        </p:spPr>
+        <p:style>
+          <a:lnRef idx="1">
+            <a:schemeClr val="accent1"/>
+          </a:lnRef>
+          <a:fillRef idx="0">
+            <a:schemeClr val="accent1"/>
+          </a:fillRef>
+          <a:effectRef idx="0">
+            <a:schemeClr val="accent1"/>
+          </a:effectRef>
+          <a:fontRef idx="minor">
+            <a:schemeClr val="tx1"/>
+          </a:fontRef>
+        </p:style>
+      </p:cxnSp>
+      <p:sp>
+        <p:nvSpPr>
+          <p:cNvPr id="82" name="직사각형 81"/>
+          <p:cNvSpPr/>
+          <p:nvPr/>
+        </p:nvSpPr>
+        <p:spPr>
+          <a:xfrm>
+            <a:off x="9113465" y="5355126"/>
+            <a:ext cx="1911178" cy="263611"/>
+          </a:xfrm>
+          <a:prstGeom prst="rect">
+            <a:avLst/>
+          </a:prstGeom>
+          <a:ln/>
+        </p:spPr>
+        <p:style>
+          <a:lnRef idx="2">
+            <a:schemeClr val="dk1">
+              <a:shade val="50000"/>
+            </a:schemeClr>
+          </a:lnRef>
+          <a:fillRef idx="1">
+            <a:schemeClr val="dk1"/>
+          </a:fillRef>
+          <a:effectRef idx="0">
+            <a:schemeClr val="dk1"/>
+          </a:effectRef>
+          <a:fontRef idx="minor">
+            <a:schemeClr val="lt1"/>
+          </a:fontRef>
+        </p:style>
+        <p:txBody>
+          <a:bodyPr rtlCol="0" anchor="ctr"/>
+          <a:lstStyle/>
+          <a:p>
+            <a:pPr algn="ctr"/>
+            <a:r>
+              <a:rPr lang="ko-KR" altLang="en-US" sz="1000" dirty="0" smtClean="0"/>
+              <a:t>수정</a:t>
+            </a:r>
+            <a:endParaRPr lang="ko-KR" altLang="en-US" sz="1000" dirty="0"/>
+          </a:p>
+        </p:txBody>
+      </p:sp>
+      <p:cxnSp>
+        <p:nvCxnSpPr>
+          <p:cNvPr id="10" name="직선 연결선 9"/>
+          <p:cNvCxnSpPr/>
+          <p:nvPr/>
+        </p:nvCxnSpPr>
+        <p:spPr>
+          <a:xfrm>
+            <a:off x="8649280" y="2248931"/>
+            <a:ext cx="2678020" cy="0"/>
+          </a:xfrm>
+          <a:prstGeom prst="line">
+            <a:avLst/>
+          </a:prstGeom>
+        </p:spPr>
+        <p:style>
+          <a:lnRef idx="1">
+            <a:schemeClr val="dk1"/>
+          </a:lnRef>
+          <a:fillRef idx="0">
+            <a:schemeClr val="dk1"/>
+          </a:fillRef>
+          <a:effectRef idx="0">
+            <a:schemeClr val="dk1"/>
+          </a:effectRef>
+          <a:fontRef idx="minor">
+            <a:schemeClr val="tx1"/>
+          </a:fontRef>
+        </p:style>
+      </p:cxnSp>
+      <p:sp>
+        <p:nvSpPr>
+          <p:cNvPr id="11" name="TextBox 10"/>
+          <p:cNvSpPr txBox="1"/>
+          <p:nvPr/>
+        </p:nvSpPr>
+        <p:spPr>
+          <a:xfrm>
+            <a:off x="8608090" y="2009575"/>
+            <a:ext cx="2678020" cy="215444"/>
+          </a:xfrm>
+          <a:prstGeom prst="rect">
+            <a:avLst/>
+          </a:prstGeom>
+          <a:noFill/>
+        </p:spPr>
+        <p:txBody>
+          <a:bodyPr wrap="square" rtlCol="0">
+            <a:spAutoFit/>
+          </a:bodyPr>
+          <a:lstStyle/>
+          <a:p>
+            <a:r>
+              <a:rPr lang="ko-KR" altLang="en-US" sz="800" dirty="0" err="1" smtClean="0"/>
+              <a:t>내정보관리</a:t>
+            </a:r>
+            <a:r>
+              <a:rPr lang="en-US" altLang="ko-KR" sz="800" dirty="0"/>
+              <a:t> </a:t>
+            </a:r>
+            <a:r>
+              <a:rPr lang="en-US" altLang="ko-KR" sz="800" dirty="0" smtClean="0"/>
+              <a:t>    </a:t>
+            </a:r>
+            <a:r>
+              <a:rPr lang="ko-KR" altLang="en-US" sz="800" dirty="0" err="1" smtClean="0"/>
+              <a:t>마일리지</a:t>
+            </a:r>
+            <a:r>
+              <a:rPr lang="en-US" altLang="ko-KR" sz="800" dirty="0"/>
+              <a:t> </a:t>
+            </a:r>
+            <a:r>
+              <a:rPr lang="en-US" altLang="ko-KR" sz="800" dirty="0" smtClean="0"/>
+              <a:t>    </a:t>
+            </a:r>
+            <a:r>
+              <a:rPr lang="ko-KR" altLang="en-US" sz="800" dirty="0" smtClean="0"/>
+              <a:t>주문</a:t>
+            </a:r>
+            <a:r>
+              <a:rPr lang="en-US" altLang="ko-KR" sz="800" dirty="0" smtClean="0"/>
+              <a:t>/</a:t>
+            </a:r>
+            <a:r>
+              <a:rPr lang="ko-KR" altLang="en-US" sz="800" dirty="0" smtClean="0"/>
+              <a:t>배송관리</a:t>
+            </a:r>
+            <a:endParaRPr lang="ko-KR" altLang="en-US" sz="800" dirty="0"/>
+          </a:p>
+        </p:txBody>
+      </p:sp>
+      <p:sp>
+        <p:nvSpPr>
+          <p:cNvPr id="83" name="TextBox 82"/>
+          <p:cNvSpPr txBox="1"/>
+          <p:nvPr/>
+        </p:nvSpPr>
+        <p:spPr>
+          <a:xfrm>
+            <a:off x="8804672" y="2729666"/>
+            <a:ext cx="1640140" cy="307777"/>
+          </a:xfrm>
+          <a:prstGeom prst="rect">
+            <a:avLst/>
+          </a:prstGeom>
+          <a:noFill/>
+        </p:spPr>
+        <p:txBody>
+          <a:bodyPr wrap="square" rtlCol="0">
+            <a:spAutoFit/>
+          </a:bodyPr>
+          <a:lstStyle/>
+          <a:p>
+            <a:r>
+              <a:rPr lang="ko-KR" altLang="en-US" sz="1400" dirty="0" smtClean="0"/>
+              <a:t>회원정보 수정</a:t>
+            </a:r>
+            <a:endParaRPr lang="ko-KR" altLang="en-US" sz="1400" dirty="0"/>
+          </a:p>
+        </p:txBody>
+      </p:sp>
+      <p:sp>
+        <p:nvSpPr>
+          <p:cNvPr id="87" name="TextBox 86"/>
+          <p:cNvSpPr txBox="1"/>
+          <p:nvPr/>
+        </p:nvSpPr>
+        <p:spPr>
+          <a:xfrm>
+            <a:off x="8804672" y="3074860"/>
+            <a:ext cx="1640140" cy="215444"/>
+          </a:xfrm>
+          <a:prstGeom prst="rect">
+            <a:avLst/>
+          </a:prstGeom>
+          <a:noFill/>
+        </p:spPr>
+        <p:txBody>
+          <a:bodyPr wrap="square" rtlCol="0">
+            <a:spAutoFit/>
+          </a:bodyPr>
+          <a:lstStyle/>
+          <a:p>
+            <a:r>
+              <a:rPr lang="ko-KR" altLang="en-US" sz="800" dirty="0" smtClean="0"/>
+              <a:t>아이디</a:t>
+            </a:r>
+            <a:endParaRPr lang="ko-KR" altLang="en-US" sz="800" dirty="0"/>
+          </a:p>
+        </p:txBody>
+      </p:sp>
+      <p:sp>
+        <p:nvSpPr>
+          <p:cNvPr id="88" name="TextBox 87"/>
+          <p:cNvSpPr txBox="1"/>
+          <p:nvPr/>
+        </p:nvSpPr>
+        <p:spPr>
+          <a:xfrm>
+            <a:off x="8804672" y="3313935"/>
+            <a:ext cx="1640140" cy="215444"/>
+          </a:xfrm>
+          <a:prstGeom prst="rect">
+            <a:avLst/>
+          </a:prstGeom>
+          <a:noFill/>
+        </p:spPr>
+        <p:txBody>
+          <a:bodyPr wrap="square" rtlCol="0">
+            <a:spAutoFit/>
+          </a:bodyPr>
+          <a:lstStyle/>
+          <a:p>
+            <a:r>
+              <a:rPr lang="ko-KR" altLang="en-US" sz="800" dirty="0" smtClean="0"/>
+              <a:t>이름</a:t>
+            </a:r>
+            <a:endParaRPr lang="ko-KR" altLang="en-US" sz="800" dirty="0"/>
+          </a:p>
+        </p:txBody>
+      </p:sp>
+      <p:sp>
+        <p:nvSpPr>
+          <p:cNvPr id="89" name="TextBox 88"/>
+          <p:cNvSpPr txBox="1"/>
+          <p:nvPr/>
+        </p:nvSpPr>
+        <p:spPr>
+          <a:xfrm>
+            <a:off x="8804672" y="3541498"/>
+            <a:ext cx="1640140" cy="215444"/>
+          </a:xfrm>
+          <a:prstGeom prst="rect">
+            <a:avLst/>
+          </a:prstGeom>
+          <a:noFill/>
+        </p:spPr>
+        <p:txBody>
+          <a:bodyPr wrap="square" rtlCol="0">
+            <a:spAutoFit/>
+          </a:bodyPr>
+          <a:lstStyle/>
+          <a:p>
+            <a:r>
+              <a:rPr lang="ko-KR" altLang="en-US" sz="800" dirty="0" smtClean="0"/>
+              <a:t>생년월일</a:t>
+            </a:r>
+            <a:endParaRPr lang="ko-KR" altLang="en-US" sz="800" dirty="0"/>
+          </a:p>
+        </p:txBody>
+      </p:sp>
+      <p:sp>
+        <p:nvSpPr>
+          <p:cNvPr id="90" name="TextBox 89"/>
+          <p:cNvSpPr txBox="1"/>
+          <p:nvPr/>
+        </p:nvSpPr>
+        <p:spPr>
+          <a:xfrm>
+            <a:off x="8804672" y="4428552"/>
+            <a:ext cx="1640140" cy="215444"/>
+          </a:xfrm>
+          <a:prstGeom prst="rect">
+            <a:avLst/>
+          </a:prstGeom>
+          <a:noFill/>
+        </p:spPr>
+        <p:txBody>
+          <a:bodyPr wrap="square" rtlCol="0">
+            <a:spAutoFit/>
+          </a:bodyPr>
+          <a:lstStyle/>
+          <a:p>
+            <a:r>
+              <a:rPr lang="ko-KR" altLang="en-US" sz="800" smtClean="0"/>
+              <a:t>이메일</a:t>
+            </a:r>
+            <a:endParaRPr lang="ko-KR" altLang="en-US" sz="800" dirty="0"/>
+          </a:p>
+        </p:txBody>
+      </p:sp>
+      <p:sp>
+        <p:nvSpPr>
+          <p:cNvPr id="91" name="TextBox 90"/>
+          <p:cNvSpPr txBox="1"/>
+          <p:nvPr/>
+        </p:nvSpPr>
+        <p:spPr>
+          <a:xfrm>
+            <a:off x="8804672" y="4663701"/>
+            <a:ext cx="1640140" cy="215444"/>
+          </a:xfrm>
+          <a:prstGeom prst="rect">
+            <a:avLst/>
+          </a:prstGeom>
+          <a:noFill/>
+        </p:spPr>
+        <p:txBody>
+          <a:bodyPr wrap="square" rtlCol="0">
+            <a:spAutoFit/>
+          </a:bodyPr>
+          <a:lstStyle/>
+          <a:p>
+            <a:r>
+              <a:rPr lang="ko-KR" altLang="en-US" sz="800" dirty="0" smtClean="0"/>
+              <a:t>휴대폰</a:t>
+            </a:r>
+            <a:endParaRPr lang="ko-KR" altLang="en-US" sz="800" dirty="0"/>
+          </a:p>
+        </p:txBody>
+      </p:sp>
+      <p:sp>
+        <p:nvSpPr>
+          <p:cNvPr id="92" name="TextBox 91"/>
+          <p:cNvSpPr txBox="1"/>
+          <p:nvPr/>
+        </p:nvSpPr>
+        <p:spPr>
+          <a:xfrm>
+            <a:off x="8804672" y="3841575"/>
+            <a:ext cx="1640140" cy="215444"/>
+          </a:xfrm>
+          <a:prstGeom prst="rect">
+            <a:avLst/>
+          </a:prstGeom>
+          <a:noFill/>
+        </p:spPr>
+        <p:txBody>
+          <a:bodyPr wrap="square" rtlCol="0">
+            <a:spAutoFit/>
+          </a:bodyPr>
+          <a:lstStyle/>
+          <a:p>
+            <a:r>
+              <a:rPr lang="ko-KR" altLang="en-US" sz="800" dirty="0" smtClean="0"/>
+              <a:t>새 비밀번호</a:t>
+            </a:r>
+            <a:endParaRPr lang="ko-KR" altLang="en-US" sz="800" dirty="0"/>
+          </a:p>
+        </p:txBody>
+      </p:sp>
+      <p:sp>
+        <p:nvSpPr>
+          <p:cNvPr id="93" name="TextBox 92"/>
+          <p:cNvSpPr txBox="1"/>
+          <p:nvPr/>
+        </p:nvSpPr>
+        <p:spPr>
+          <a:xfrm>
+            <a:off x="8804672" y="4092268"/>
+            <a:ext cx="1640140" cy="215444"/>
+          </a:xfrm>
+          <a:prstGeom prst="rect">
+            <a:avLst/>
+          </a:prstGeom>
+          <a:noFill/>
+        </p:spPr>
+        <p:txBody>
+          <a:bodyPr wrap="square" rtlCol="0">
+            <a:spAutoFit/>
+          </a:bodyPr>
+          <a:lstStyle/>
+          <a:p>
+            <a:r>
+              <a:rPr lang="ko-KR" altLang="en-US" sz="800" dirty="0" smtClean="0"/>
+              <a:t>재입력</a:t>
+            </a:r>
+            <a:endParaRPr lang="ko-KR" altLang="en-US" sz="800" dirty="0"/>
+          </a:p>
+        </p:txBody>
+      </p:sp>
+      <p:sp>
+        <p:nvSpPr>
+          <p:cNvPr id="94" name="직사각형 93"/>
+          <p:cNvSpPr/>
+          <p:nvPr/>
+        </p:nvSpPr>
+        <p:spPr>
+          <a:xfrm>
+            <a:off x="9605108" y="3094582"/>
+            <a:ext cx="1456733" cy="176431"/>
+          </a:xfrm>
+          <a:prstGeom prst="rect">
+            <a:avLst/>
+          </a:prstGeom>
+          <a:solidFill>
+            <a:schemeClr val="bg1"/>
+          </a:solidFill>
+          <a:ln/>
+        </p:spPr>
+        <p:style>
+          <a:lnRef idx="2">
+            <a:schemeClr val="dk1">
+              <a:shade val="50000"/>
+            </a:schemeClr>
+          </a:lnRef>
+          <a:fillRef idx="1">
+            <a:schemeClr val="dk1"/>
+          </a:fillRef>
+          <a:effectRef idx="0">
+            <a:schemeClr val="dk1"/>
+          </a:effectRef>
+          <a:fontRef idx="minor">
+            <a:schemeClr val="lt1"/>
+          </a:fontRef>
+        </p:style>
+        <p:txBody>
+          <a:bodyPr rtlCol="0" anchor="ctr"/>
+          <a:lstStyle/>
+          <a:p>
+            <a:r>
+              <a:rPr lang="ko-KR" altLang="en-US" sz="800" smtClean="0">
+                <a:solidFill>
+                  <a:schemeClr val="bg1">
+                    <a:lumMod val="65000"/>
+                  </a:schemeClr>
+                </a:solidFill>
+              </a:rPr>
+              <a:t>아이디</a:t>
+            </a:r>
+            <a:endParaRPr lang="ko-KR" altLang="en-US" sz="800" dirty="0">
+              <a:solidFill>
+                <a:schemeClr val="bg1">
+                  <a:lumMod val="65000"/>
+                </a:schemeClr>
+              </a:solidFill>
+            </a:endParaRPr>
+          </a:p>
+        </p:txBody>
+      </p:sp>
+      <p:sp>
+        <p:nvSpPr>
+          <p:cNvPr id="95" name="직사각형 94"/>
+          <p:cNvSpPr/>
+          <p:nvPr/>
+        </p:nvSpPr>
+        <p:spPr>
+          <a:xfrm>
+            <a:off x="9604446" y="3337331"/>
+            <a:ext cx="1456733" cy="176431"/>
+          </a:xfrm>
+          <a:prstGeom prst="rect">
+            <a:avLst/>
+          </a:prstGeom>
+          <a:solidFill>
+            <a:schemeClr val="bg1"/>
+          </a:solidFill>
+          <a:ln/>
+        </p:spPr>
+        <p:style>
+          <a:lnRef idx="2">
+            <a:schemeClr val="dk1">
+              <a:shade val="50000"/>
+            </a:schemeClr>
+          </a:lnRef>
+          <a:fillRef idx="1">
+            <a:schemeClr val="dk1"/>
+          </a:fillRef>
+          <a:effectRef idx="0">
+            <a:schemeClr val="dk1"/>
+          </a:effectRef>
+          <a:fontRef idx="minor">
+            <a:schemeClr val="lt1"/>
+          </a:fontRef>
+        </p:style>
+        <p:txBody>
+          <a:bodyPr rtlCol="0" anchor="ctr"/>
+          <a:lstStyle/>
+          <a:p>
+            <a:r>
+              <a:rPr lang="ko-KR" altLang="en-US" sz="800" smtClean="0">
+                <a:solidFill>
+                  <a:schemeClr val="bg1">
+                    <a:lumMod val="65000"/>
+                  </a:schemeClr>
+                </a:solidFill>
+              </a:rPr>
+              <a:t>이름</a:t>
+            </a:r>
+            <a:endParaRPr lang="ko-KR" altLang="en-US" sz="800" dirty="0">
+              <a:solidFill>
+                <a:schemeClr val="bg1">
+                  <a:lumMod val="65000"/>
+                </a:schemeClr>
+              </a:solidFill>
+            </a:endParaRPr>
+          </a:p>
+        </p:txBody>
+      </p:sp>
+      <p:sp>
+        <p:nvSpPr>
+          <p:cNvPr id="96" name="직사각형 95"/>
+          <p:cNvSpPr/>
+          <p:nvPr/>
+        </p:nvSpPr>
+        <p:spPr>
+          <a:xfrm>
+            <a:off x="9605107" y="3571082"/>
+            <a:ext cx="1456733" cy="176431"/>
+          </a:xfrm>
+          <a:prstGeom prst="rect">
+            <a:avLst/>
+          </a:prstGeom>
+          <a:solidFill>
+            <a:schemeClr val="bg1"/>
+          </a:solidFill>
+          <a:ln/>
+        </p:spPr>
+        <p:style>
+          <a:lnRef idx="2">
+            <a:schemeClr val="dk1">
+              <a:shade val="50000"/>
+            </a:schemeClr>
+          </a:lnRef>
+          <a:fillRef idx="1">
+            <a:schemeClr val="dk1"/>
+          </a:fillRef>
+          <a:effectRef idx="0">
+            <a:schemeClr val="dk1"/>
+          </a:effectRef>
+          <a:fontRef idx="minor">
+            <a:schemeClr val="lt1"/>
+          </a:fontRef>
+        </p:style>
+        <p:txBody>
+          <a:bodyPr rtlCol="0" anchor="ctr"/>
+          <a:lstStyle/>
+          <a:p>
+            <a:r>
+              <a:rPr lang="ko-KR" altLang="en-US" sz="800" dirty="0" smtClean="0">
+                <a:solidFill>
+                  <a:schemeClr val="bg1">
+                    <a:lumMod val="65000"/>
+                  </a:schemeClr>
+                </a:solidFill>
+              </a:rPr>
+              <a:t>생년월일</a:t>
+            </a:r>
+            <a:endParaRPr lang="ko-KR" altLang="en-US" sz="800" dirty="0">
+              <a:solidFill>
+                <a:schemeClr val="bg1">
+                  <a:lumMod val="65000"/>
+                </a:schemeClr>
+              </a:solidFill>
+            </a:endParaRPr>
+          </a:p>
+        </p:txBody>
+      </p:sp>
+      <p:sp>
+        <p:nvSpPr>
+          <p:cNvPr id="97" name="직사각형 96"/>
+          <p:cNvSpPr/>
+          <p:nvPr/>
+        </p:nvSpPr>
+        <p:spPr>
+          <a:xfrm>
+            <a:off x="9604445" y="3863046"/>
+            <a:ext cx="1456733" cy="176431"/>
+          </a:xfrm>
+          <a:prstGeom prst="rect">
+            <a:avLst/>
+          </a:prstGeom>
+          <a:solidFill>
+            <a:schemeClr val="bg1"/>
+          </a:solidFill>
+          <a:ln/>
+        </p:spPr>
+        <p:style>
+          <a:lnRef idx="2">
+            <a:schemeClr val="dk1">
+              <a:shade val="50000"/>
+            </a:schemeClr>
+          </a:lnRef>
+          <a:fillRef idx="1">
+            <a:schemeClr val="dk1"/>
+          </a:fillRef>
+          <a:effectRef idx="0">
+            <a:schemeClr val="dk1"/>
+          </a:effectRef>
+          <a:fontRef idx="minor">
+            <a:schemeClr val="lt1"/>
+          </a:fontRef>
+        </p:style>
+        <p:txBody>
+          <a:bodyPr rtlCol="0" anchor="ctr"/>
+          <a:lstStyle/>
+          <a:p>
+            <a:r>
+              <a:rPr lang="ko-KR" altLang="en-US" sz="800" dirty="0" smtClean="0">
+                <a:solidFill>
+                  <a:schemeClr val="bg1">
+                    <a:lumMod val="65000"/>
+                  </a:schemeClr>
+                </a:solidFill>
+              </a:rPr>
+              <a:t>비밀번호 입력</a:t>
+            </a:r>
+            <a:endParaRPr lang="ko-KR" altLang="en-US" sz="800" dirty="0">
+              <a:solidFill>
+                <a:schemeClr val="bg1">
+                  <a:lumMod val="65000"/>
+                </a:schemeClr>
+              </a:solidFill>
+            </a:endParaRPr>
+          </a:p>
+        </p:txBody>
+      </p:sp>
+      <p:sp>
+        <p:nvSpPr>
+          <p:cNvPr id="98" name="직사각형 97"/>
+          <p:cNvSpPr/>
+          <p:nvPr/>
+        </p:nvSpPr>
+        <p:spPr>
+          <a:xfrm>
+            <a:off x="9604445" y="4129970"/>
+            <a:ext cx="1456733" cy="176431"/>
+          </a:xfrm>
+          <a:prstGeom prst="rect">
+            <a:avLst/>
+          </a:prstGeom>
+          <a:solidFill>
+            <a:schemeClr val="bg1"/>
+          </a:solidFill>
+          <a:ln/>
+        </p:spPr>
+        <p:style>
+          <a:lnRef idx="2">
+            <a:schemeClr val="dk1">
+              <a:shade val="50000"/>
+            </a:schemeClr>
+          </a:lnRef>
+          <a:fillRef idx="1">
+            <a:schemeClr val="dk1"/>
+          </a:fillRef>
+          <a:effectRef idx="0">
+            <a:schemeClr val="dk1"/>
+          </a:effectRef>
+          <a:fontRef idx="minor">
+            <a:schemeClr val="lt1"/>
+          </a:fontRef>
+        </p:style>
+        <p:txBody>
+          <a:bodyPr rtlCol="0" anchor="ctr"/>
+          <a:lstStyle/>
+          <a:p>
+            <a:r>
+              <a:rPr lang="ko-KR" altLang="en-US" sz="800" dirty="0" smtClean="0">
+                <a:solidFill>
+                  <a:schemeClr val="bg1">
+                    <a:lumMod val="65000"/>
+                  </a:schemeClr>
+                </a:solidFill>
+              </a:rPr>
+              <a:t>비밀번호 재입력</a:t>
+            </a:r>
+            <a:endParaRPr lang="ko-KR" altLang="en-US" sz="800" dirty="0">
+              <a:solidFill>
+                <a:schemeClr val="bg1">
+                  <a:lumMod val="65000"/>
+                </a:schemeClr>
+              </a:solidFill>
+            </a:endParaRPr>
+          </a:p>
+        </p:txBody>
+      </p:sp>
+      <p:sp>
+        <p:nvSpPr>
+          <p:cNvPr id="99" name="직사각형 98"/>
+          <p:cNvSpPr/>
+          <p:nvPr/>
+        </p:nvSpPr>
+        <p:spPr>
+          <a:xfrm>
+            <a:off x="9604445" y="4471659"/>
+            <a:ext cx="1456733" cy="176431"/>
+          </a:xfrm>
+          <a:prstGeom prst="rect">
+            <a:avLst/>
+          </a:prstGeom>
+          <a:solidFill>
+            <a:schemeClr val="bg1"/>
+          </a:solidFill>
+          <a:ln/>
+        </p:spPr>
+        <p:style>
+          <a:lnRef idx="2">
+            <a:schemeClr val="dk1">
+              <a:shade val="50000"/>
+            </a:schemeClr>
+          </a:lnRef>
+          <a:fillRef idx="1">
+            <a:schemeClr val="dk1"/>
+          </a:fillRef>
+          <a:effectRef idx="0">
+            <a:schemeClr val="dk1"/>
+          </a:effectRef>
+          <a:fontRef idx="minor">
+            <a:schemeClr val="lt1"/>
+          </a:fontRef>
+        </p:style>
+        <p:txBody>
+          <a:bodyPr rtlCol="0" anchor="ctr"/>
+          <a:lstStyle/>
+          <a:p>
+            <a:r>
+              <a:rPr lang="ko-KR" altLang="en-US" sz="800" dirty="0" err="1" smtClean="0">
+                <a:solidFill>
+                  <a:schemeClr val="bg1">
+                    <a:lumMod val="65000"/>
+                  </a:schemeClr>
+                </a:solidFill>
+              </a:rPr>
+              <a:t>이메일</a:t>
+            </a:r>
+            <a:endParaRPr lang="ko-KR" altLang="en-US" sz="800" dirty="0">
+              <a:solidFill>
+                <a:schemeClr val="bg1">
+                  <a:lumMod val="65000"/>
+                </a:schemeClr>
+              </a:solidFill>
+            </a:endParaRPr>
+          </a:p>
+        </p:txBody>
+      </p:sp>
+      <p:sp>
+        <p:nvSpPr>
+          <p:cNvPr id="100" name="직사각형 99"/>
+          <p:cNvSpPr/>
+          <p:nvPr/>
+        </p:nvSpPr>
+        <p:spPr>
+          <a:xfrm>
+            <a:off x="9604444" y="4699261"/>
+            <a:ext cx="1456733" cy="176431"/>
+          </a:xfrm>
+          <a:prstGeom prst="rect">
+            <a:avLst/>
+          </a:prstGeom>
+          <a:solidFill>
+            <a:schemeClr val="bg1"/>
+          </a:solidFill>
+          <a:ln/>
+        </p:spPr>
+        <p:style>
+          <a:lnRef idx="2">
+            <a:schemeClr val="dk1">
+              <a:shade val="50000"/>
+            </a:schemeClr>
+          </a:lnRef>
+          <a:fillRef idx="1">
+            <a:schemeClr val="dk1"/>
+          </a:fillRef>
+          <a:effectRef idx="0">
+            <a:schemeClr val="dk1"/>
+          </a:effectRef>
+          <a:fontRef idx="minor">
+            <a:schemeClr val="lt1"/>
+          </a:fontRef>
+        </p:style>
+        <p:txBody>
+          <a:bodyPr rtlCol="0" anchor="ctr"/>
+          <a:lstStyle/>
+          <a:p>
+            <a:r>
+              <a:rPr lang="ko-KR" altLang="en-US" sz="800" dirty="0" smtClean="0">
+                <a:solidFill>
+                  <a:schemeClr val="bg1">
+                    <a:lumMod val="65000"/>
+                  </a:schemeClr>
+                </a:solidFill>
+              </a:rPr>
+              <a:t>휴대폰번호</a:t>
+            </a:r>
+            <a:endParaRPr lang="ko-KR" altLang="en-US" sz="800" dirty="0">
+              <a:solidFill>
+                <a:schemeClr val="bg1">
+                  <a:lumMod val="65000"/>
+                </a:schemeClr>
+              </a:solidFill>
+            </a:endParaRPr>
           </a:p>
         </p:txBody>
       </p:sp>
@@ -22120,11 +26304,7 @@
             <a:pPr algn="ctr"/>
             <a:r>
               <a:rPr lang="ko-KR" altLang="en-US" sz="1600" dirty="0" smtClean="0"/>
-              <a:t>조립컴퓨터               컴퓨터부품               </a:t>
-            </a:r>
-            <a:r>
-              <a:rPr lang="ko-KR" altLang="en-US" sz="1600" dirty="0" smtClean="0"/>
-              <a:t>견적문의</a:t>
+              <a:t>조립컴퓨터               컴퓨터부품               견적문의</a:t>
             </a:r>
             <a:endParaRPr lang="ko-KR" altLang="en-US" sz="1600" dirty="0"/>
           </a:p>
@@ -22212,7 +26392,7 @@
           <a:lstStyle/>
           <a:p>
             <a:r>
-              <a:rPr lang="ko-KR" altLang="en-US" sz="1200" dirty="0" err="1" smtClean="0">
+              <a:rPr lang="ko-KR" altLang="en-US" sz="1200" dirty="0" err="1">
                 <a:solidFill>
                   <a:schemeClr val="tx1"/>
                 </a:solidFill>
@@ -22220,15 +26400,15 @@
               <a:t>내정보관리</a:t>
             </a:r>
             <a:r>
-              <a:rPr lang="en-US" altLang="ko-KR" sz="1200" dirty="0" smtClean="0">
+              <a:rPr lang="en-US" altLang="ko-KR" sz="1200" dirty="0">
                 <a:solidFill>
                   <a:schemeClr val="tx1"/>
                 </a:solidFill>
               </a:rPr>
-              <a:t>	</a:t>
-            </a:r>
-            <a:r>
-              <a:rPr lang="ko-KR" altLang="en-US" sz="1200" dirty="0" err="1" smtClean="0">
+              <a:t>	  </a:t>
+            </a:r>
+            <a:r>
+              <a:rPr lang="ko-KR" altLang="en-US" sz="1200" dirty="0" err="1">
                 <a:solidFill>
                   <a:schemeClr val="tx1"/>
                 </a:solidFill>
@@ -22241,18 +26421,10 @@
                   <a:schemeClr val="tx1"/>
                 </a:solidFill>
               </a:rPr>
-              <a:t> </a:t>
-            </a:r>
-            <a:r>
-              <a:rPr lang="en-US" altLang="ko-KR" sz="1200" dirty="0" smtClean="0">
-                <a:solidFill>
-                  <a:schemeClr val="tx1"/>
-                </a:solidFill>
-              </a:rPr>
-              <a:t>   </a:t>
-            </a:r>
-            <a:r>
-              <a:rPr lang="ko-KR" altLang="en-US" sz="1200" dirty="0" smtClean="0">
+              <a:t>	 </a:t>
+            </a:r>
+            <a:r>
+              <a:rPr lang="ko-KR" altLang="en-US" sz="1200" dirty="0">
                 <a:solidFill>
                   <a:schemeClr val="tx1"/>
                 </a:solidFill>
@@ -22260,7 +26432,7 @@
               <a:t>주문</a:t>
             </a:r>
             <a:r>
-              <a:rPr lang="en-US" altLang="ko-KR" sz="1200" dirty="0" smtClean="0">
+              <a:rPr lang="en-US" altLang="ko-KR" sz="1200" dirty="0">
                 <a:solidFill>
                   <a:schemeClr val="tx1"/>
                 </a:solidFill>
@@ -22268,7 +26440,7 @@
               <a:t>/</a:t>
             </a:r>
             <a:r>
-              <a:rPr lang="ko-KR" altLang="en-US" sz="1200" dirty="0" smtClean="0">
+              <a:rPr lang="ko-KR" altLang="en-US" sz="1200" dirty="0">
                 <a:solidFill>
                   <a:schemeClr val="tx1"/>
                 </a:solidFill>
@@ -23085,7 +27257,517 @@
       </p:sp>
       <p:sp>
         <p:nvSpPr>
-          <p:cNvPr id="40" name="직사각형 39"/>
+          <p:cNvPr id="48" name="TextBox 47"/>
+          <p:cNvSpPr txBox="1"/>
+          <p:nvPr/>
+        </p:nvSpPr>
+        <p:spPr>
+          <a:xfrm>
+            <a:off x="9211830" y="1738640"/>
+            <a:ext cx="2115470" cy="246221"/>
+          </a:xfrm>
+          <a:prstGeom prst="rect">
+            <a:avLst/>
+          </a:prstGeom>
+          <a:noFill/>
+        </p:spPr>
+        <p:txBody>
+          <a:bodyPr wrap="square" rtlCol="0">
+            <a:spAutoFit/>
+          </a:bodyPr>
+          <a:lstStyle/>
+          <a:p>
+            <a:pPr algn="r"/>
+            <a:r>
+              <a:rPr lang="ko-KR" altLang="en-US" sz="1000" dirty="0" smtClean="0"/>
+              <a:t>로그아웃 장바구니  </a:t>
+            </a:r>
+            <a:r>
+              <a:rPr lang="ko-KR" altLang="en-US" sz="1000" dirty="0" err="1" smtClean="0"/>
+              <a:t>마이페이지</a:t>
+            </a:r>
+            <a:endParaRPr lang="ko-KR" altLang="en-US" sz="1000" dirty="0"/>
+          </a:p>
+        </p:txBody>
+      </p:sp>
+      <p:cxnSp>
+        <p:nvCxnSpPr>
+          <p:cNvPr id="49" name="직선 연결선 48"/>
+          <p:cNvCxnSpPr/>
+          <p:nvPr/>
+        </p:nvCxnSpPr>
+        <p:spPr>
+          <a:xfrm>
+            <a:off x="8602764" y="1984861"/>
+            <a:ext cx="2811968" cy="0"/>
+          </a:xfrm>
+          <a:prstGeom prst="line">
+            <a:avLst/>
+          </a:prstGeom>
+          <a:ln>
+            <a:solidFill>
+              <a:schemeClr val="tx1"/>
+            </a:solidFill>
+          </a:ln>
+        </p:spPr>
+        <p:style>
+          <a:lnRef idx="1">
+            <a:schemeClr val="accent1"/>
+          </a:lnRef>
+          <a:fillRef idx="0">
+            <a:schemeClr val="accent1"/>
+          </a:fillRef>
+          <a:effectRef idx="0">
+            <a:schemeClr val="accent1"/>
+          </a:effectRef>
+          <a:fontRef idx="minor">
+            <a:schemeClr val="tx1"/>
+          </a:fontRef>
+        </p:style>
+      </p:cxnSp>
+      <p:sp>
+        <p:nvSpPr>
+          <p:cNvPr id="51" name="TextBox 50"/>
+          <p:cNvSpPr txBox="1"/>
+          <p:nvPr/>
+        </p:nvSpPr>
+        <p:spPr>
+          <a:xfrm>
+            <a:off x="8838391" y="2624893"/>
+            <a:ext cx="1640140" cy="307777"/>
+          </a:xfrm>
+          <a:prstGeom prst="rect">
+            <a:avLst/>
+          </a:prstGeom>
+          <a:noFill/>
+        </p:spPr>
+        <p:txBody>
+          <a:bodyPr wrap="square" rtlCol="0">
+            <a:spAutoFit/>
+          </a:bodyPr>
+          <a:lstStyle/>
+          <a:p>
+            <a:r>
+              <a:rPr lang="ko-KR" altLang="en-US" sz="1400" dirty="0" smtClean="0"/>
+              <a:t>회원탈퇴</a:t>
+            </a:r>
+            <a:endParaRPr lang="ko-KR" altLang="en-US" sz="1400" dirty="0"/>
+          </a:p>
+        </p:txBody>
+      </p:sp>
+      <p:sp>
+        <p:nvSpPr>
+          <p:cNvPr id="52" name="TextBox 51"/>
+          <p:cNvSpPr txBox="1"/>
+          <p:nvPr/>
+        </p:nvSpPr>
+        <p:spPr>
+          <a:xfrm>
+            <a:off x="8838391" y="4239313"/>
+            <a:ext cx="1640140" cy="215444"/>
+          </a:xfrm>
+          <a:prstGeom prst="rect">
+            <a:avLst/>
+          </a:prstGeom>
+          <a:noFill/>
+        </p:spPr>
+        <p:txBody>
+          <a:bodyPr wrap="square" rtlCol="0">
+            <a:spAutoFit/>
+          </a:bodyPr>
+          <a:lstStyle/>
+          <a:p>
+            <a:r>
+              <a:rPr lang="ko-KR" altLang="en-US" sz="800" dirty="0" smtClean="0"/>
+              <a:t>비밀번호</a:t>
+            </a:r>
+            <a:endParaRPr lang="ko-KR" altLang="en-US" sz="800" dirty="0"/>
+          </a:p>
+        </p:txBody>
+      </p:sp>
+      <p:sp>
+        <p:nvSpPr>
+          <p:cNvPr id="53" name="TextBox 52"/>
+          <p:cNvSpPr txBox="1"/>
+          <p:nvPr/>
+        </p:nvSpPr>
+        <p:spPr>
+          <a:xfrm>
+            <a:off x="8838391" y="4490006"/>
+            <a:ext cx="1640140" cy="215444"/>
+          </a:xfrm>
+          <a:prstGeom prst="rect">
+            <a:avLst/>
+          </a:prstGeom>
+          <a:noFill/>
+        </p:spPr>
+        <p:txBody>
+          <a:bodyPr wrap="square" rtlCol="0">
+            <a:spAutoFit/>
+          </a:bodyPr>
+          <a:lstStyle/>
+          <a:p>
+            <a:r>
+              <a:rPr lang="ko-KR" altLang="en-US" sz="800" dirty="0" smtClean="0"/>
+              <a:t>재입력</a:t>
+            </a:r>
+            <a:endParaRPr lang="ko-KR" altLang="en-US" sz="800" dirty="0"/>
+          </a:p>
+        </p:txBody>
+      </p:sp>
+      <p:sp>
+        <p:nvSpPr>
+          <p:cNvPr id="54" name="직사각형 53"/>
+          <p:cNvSpPr/>
+          <p:nvPr/>
+        </p:nvSpPr>
+        <p:spPr>
+          <a:xfrm>
+            <a:off x="9638164" y="4260784"/>
+            <a:ext cx="1456733" cy="176431"/>
+          </a:xfrm>
+          <a:prstGeom prst="rect">
+            <a:avLst/>
+          </a:prstGeom>
+          <a:solidFill>
+            <a:schemeClr val="bg1"/>
+          </a:solidFill>
+          <a:ln/>
+        </p:spPr>
+        <p:style>
+          <a:lnRef idx="2">
+            <a:schemeClr val="dk1">
+              <a:shade val="50000"/>
+            </a:schemeClr>
+          </a:lnRef>
+          <a:fillRef idx="1">
+            <a:schemeClr val="dk1"/>
+          </a:fillRef>
+          <a:effectRef idx="0">
+            <a:schemeClr val="dk1"/>
+          </a:effectRef>
+          <a:fontRef idx="minor">
+            <a:schemeClr val="lt1"/>
+          </a:fontRef>
+        </p:style>
+        <p:txBody>
+          <a:bodyPr rtlCol="0" anchor="ctr"/>
+          <a:lstStyle/>
+          <a:p>
+            <a:r>
+              <a:rPr lang="ko-KR" altLang="en-US" sz="800" dirty="0" smtClean="0">
+                <a:solidFill>
+                  <a:schemeClr val="bg1">
+                    <a:lumMod val="65000"/>
+                  </a:schemeClr>
+                </a:solidFill>
+              </a:rPr>
+              <a:t>비밀번호 입력</a:t>
+            </a:r>
+            <a:endParaRPr lang="ko-KR" altLang="en-US" sz="800" dirty="0">
+              <a:solidFill>
+                <a:schemeClr val="bg1">
+                  <a:lumMod val="65000"/>
+                </a:schemeClr>
+              </a:solidFill>
+            </a:endParaRPr>
+          </a:p>
+        </p:txBody>
+      </p:sp>
+      <p:sp>
+        <p:nvSpPr>
+          <p:cNvPr id="57" name="직사각형 56"/>
+          <p:cNvSpPr/>
+          <p:nvPr/>
+        </p:nvSpPr>
+        <p:spPr>
+          <a:xfrm>
+            <a:off x="9638164" y="4527708"/>
+            <a:ext cx="1456733" cy="176431"/>
+          </a:xfrm>
+          <a:prstGeom prst="rect">
+            <a:avLst/>
+          </a:prstGeom>
+          <a:solidFill>
+            <a:schemeClr val="bg1"/>
+          </a:solidFill>
+          <a:ln/>
+        </p:spPr>
+        <p:style>
+          <a:lnRef idx="2">
+            <a:schemeClr val="dk1">
+              <a:shade val="50000"/>
+            </a:schemeClr>
+          </a:lnRef>
+          <a:fillRef idx="1">
+            <a:schemeClr val="dk1"/>
+          </a:fillRef>
+          <a:effectRef idx="0">
+            <a:schemeClr val="dk1"/>
+          </a:effectRef>
+          <a:fontRef idx="minor">
+            <a:schemeClr val="lt1"/>
+          </a:fontRef>
+        </p:style>
+        <p:txBody>
+          <a:bodyPr rtlCol="0" anchor="ctr"/>
+          <a:lstStyle/>
+          <a:p>
+            <a:r>
+              <a:rPr lang="ko-KR" altLang="en-US" sz="800" dirty="0" smtClean="0">
+                <a:solidFill>
+                  <a:schemeClr val="bg1">
+                    <a:lumMod val="65000"/>
+                  </a:schemeClr>
+                </a:solidFill>
+              </a:rPr>
+              <a:t>비밀번호 재입력</a:t>
+            </a:r>
+            <a:endParaRPr lang="ko-KR" altLang="en-US" sz="800" dirty="0">
+              <a:solidFill>
+                <a:schemeClr val="bg1">
+                  <a:lumMod val="65000"/>
+                </a:schemeClr>
+              </a:solidFill>
+            </a:endParaRPr>
+          </a:p>
+        </p:txBody>
+      </p:sp>
+      <p:sp>
+        <p:nvSpPr>
+          <p:cNvPr id="58" name="TextBox 57"/>
+          <p:cNvSpPr txBox="1"/>
+          <p:nvPr/>
+        </p:nvSpPr>
+        <p:spPr>
+          <a:xfrm>
+            <a:off x="8818094" y="3481710"/>
+            <a:ext cx="1640140" cy="215444"/>
+          </a:xfrm>
+          <a:prstGeom prst="rect">
+            <a:avLst/>
+          </a:prstGeom>
+          <a:noFill/>
+        </p:spPr>
+        <p:txBody>
+          <a:bodyPr wrap="square" rtlCol="0">
+            <a:spAutoFit/>
+          </a:bodyPr>
+          <a:lstStyle/>
+          <a:p>
+            <a:r>
+              <a:rPr lang="ko-KR" altLang="en-US" sz="800" dirty="0" smtClean="0"/>
+              <a:t>회원탈퇴 안내</a:t>
+            </a:r>
+            <a:endParaRPr lang="ko-KR" altLang="en-US" sz="800" dirty="0"/>
+          </a:p>
+        </p:txBody>
+      </p:sp>
+      <p:sp>
+        <p:nvSpPr>
+          <p:cNvPr id="59" name="TextBox 58"/>
+          <p:cNvSpPr txBox="1"/>
+          <p:nvPr/>
+        </p:nvSpPr>
+        <p:spPr>
+          <a:xfrm>
+            <a:off x="8818094" y="2941395"/>
+            <a:ext cx="1640140" cy="215444"/>
+          </a:xfrm>
+          <a:prstGeom prst="rect">
+            <a:avLst/>
+          </a:prstGeom>
+          <a:noFill/>
+        </p:spPr>
+        <p:txBody>
+          <a:bodyPr wrap="square" rtlCol="0">
+            <a:spAutoFit/>
+          </a:bodyPr>
+          <a:lstStyle/>
+          <a:p>
+            <a:r>
+              <a:rPr lang="ko-KR" altLang="en-US" sz="800" dirty="0" smtClean="0"/>
+              <a:t>사이트 이용 감사 내용</a:t>
+            </a:r>
+            <a:endParaRPr lang="ko-KR" altLang="en-US" sz="800" dirty="0"/>
+          </a:p>
+        </p:txBody>
+      </p:sp>
+      <p:cxnSp>
+        <p:nvCxnSpPr>
+          <p:cNvPr id="62" name="직선 연결선 61"/>
+          <p:cNvCxnSpPr/>
+          <p:nvPr/>
+        </p:nvCxnSpPr>
+        <p:spPr>
+          <a:xfrm>
+            <a:off x="8602764" y="1984861"/>
+            <a:ext cx="2811968" cy="0"/>
+          </a:xfrm>
+          <a:prstGeom prst="line">
+            <a:avLst/>
+          </a:prstGeom>
+          <a:ln>
+            <a:solidFill>
+              <a:schemeClr val="tx1"/>
+            </a:solidFill>
+          </a:ln>
+        </p:spPr>
+        <p:style>
+          <a:lnRef idx="1">
+            <a:schemeClr val="accent1"/>
+          </a:lnRef>
+          <a:fillRef idx="0">
+            <a:schemeClr val="accent1"/>
+          </a:fillRef>
+          <a:effectRef idx="0">
+            <a:schemeClr val="accent1"/>
+          </a:effectRef>
+          <a:fontRef idx="minor">
+            <a:schemeClr val="tx1"/>
+          </a:fontRef>
+        </p:style>
+      </p:cxnSp>
+      <p:cxnSp>
+        <p:nvCxnSpPr>
+          <p:cNvPr id="63" name="직선 연결선 62"/>
+          <p:cNvCxnSpPr/>
+          <p:nvPr/>
+        </p:nvCxnSpPr>
+        <p:spPr>
+          <a:xfrm>
+            <a:off x="8649280" y="2248931"/>
+            <a:ext cx="2678020" cy="0"/>
+          </a:xfrm>
+          <a:prstGeom prst="line">
+            <a:avLst/>
+          </a:prstGeom>
+        </p:spPr>
+        <p:style>
+          <a:lnRef idx="1">
+            <a:schemeClr val="dk1"/>
+          </a:lnRef>
+          <a:fillRef idx="0">
+            <a:schemeClr val="dk1"/>
+          </a:fillRef>
+          <a:effectRef idx="0">
+            <a:schemeClr val="dk1"/>
+          </a:effectRef>
+          <a:fontRef idx="minor">
+            <a:schemeClr val="tx1"/>
+          </a:fontRef>
+        </p:style>
+      </p:cxnSp>
+      <p:sp>
+        <p:nvSpPr>
+          <p:cNvPr id="64" name="TextBox 63"/>
+          <p:cNvSpPr txBox="1"/>
+          <p:nvPr/>
+        </p:nvSpPr>
+        <p:spPr>
+          <a:xfrm>
+            <a:off x="8608090" y="2009575"/>
+            <a:ext cx="2678020" cy="215444"/>
+          </a:xfrm>
+          <a:prstGeom prst="rect">
+            <a:avLst/>
+          </a:prstGeom>
+          <a:noFill/>
+        </p:spPr>
+        <p:txBody>
+          <a:bodyPr wrap="square" rtlCol="0">
+            <a:spAutoFit/>
+          </a:bodyPr>
+          <a:lstStyle/>
+          <a:p>
+            <a:r>
+              <a:rPr lang="ko-KR" altLang="en-US" sz="800" dirty="0" err="1" smtClean="0"/>
+              <a:t>내정보관리</a:t>
+            </a:r>
+            <a:r>
+              <a:rPr lang="en-US" altLang="ko-KR" sz="800" dirty="0"/>
+              <a:t> </a:t>
+            </a:r>
+            <a:r>
+              <a:rPr lang="en-US" altLang="ko-KR" sz="800" dirty="0" smtClean="0"/>
+              <a:t>    </a:t>
+            </a:r>
+            <a:r>
+              <a:rPr lang="ko-KR" altLang="en-US" sz="800" dirty="0" err="1" smtClean="0"/>
+              <a:t>마일리지</a:t>
+            </a:r>
+            <a:r>
+              <a:rPr lang="en-US" altLang="ko-KR" sz="800" dirty="0"/>
+              <a:t> </a:t>
+            </a:r>
+            <a:r>
+              <a:rPr lang="en-US" altLang="ko-KR" sz="800" dirty="0" smtClean="0"/>
+              <a:t>    </a:t>
+            </a:r>
+            <a:r>
+              <a:rPr lang="ko-KR" altLang="en-US" sz="800" dirty="0" smtClean="0"/>
+              <a:t>주문</a:t>
+            </a:r>
+            <a:r>
+              <a:rPr lang="en-US" altLang="ko-KR" sz="800" dirty="0" smtClean="0"/>
+              <a:t>/</a:t>
+            </a:r>
+            <a:r>
+              <a:rPr lang="ko-KR" altLang="en-US" sz="800" dirty="0" smtClean="0"/>
+              <a:t>배송관리</a:t>
+            </a:r>
+            <a:endParaRPr lang="ko-KR" altLang="en-US" sz="800" dirty="0"/>
+          </a:p>
+        </p:txBody>
+      </p:sp>
+      <p:sp>
+        <p:nvSpPr>
+          <p:cNvPr id="72" name="직사각형 71"/>
+          <p:cNvSpPr/>
+          <p:nvPr/>
+        </p:nvSpPr>
+        <p:spPr>
+          <a:xfrm>
+            <a:off x="9113465" y="5355126"/>
+            <a:ext cx="1911178" cy="263611"/>
+          </a:xfrm>
+          <a:prstGeom prst="rect">
+            <a:avLst/>
+          </a:prstGeom>
+          <a:ln/>
+        </p:spPr>
+        <p:style>
+          <a:lnRef idx="2">
+            <a:schemeClr val="dk1">
+              <a:shade val="50000"/>
+            </a:schemeClr>
+          </a:lnRef>
+          <a:fillRef idx="1">
+            <a:schemeClr val="dk1"/>
+          </a:fillRef>
+          <a:effectRef idx="0">
+            <a:schemeClr val="dk1"/>
+          </a:effectRef>
+          <a:fontRef idx="minor">
+            <a:schemeClr val="lt1"/>
+          </a:fontRef>
+        </p:style>
+        <p:txBody>
+          <a:bodyPr rtlCol="0" anchor="ctr"/>
+          <a:lstStyle/>
+          <a:p>
+            <a:pPr algn="ctr"/>
+            <a:r>
+              <a:rPr lang="ko-KR" altLang="en-US" sz="1000" dirty="0" smtClean="0"/>
+              <a:t>확인</a:t>
+            </a:r>
+            <a:endParaRPr lang="ko-KR" altLang="en-US" sz="1000" dirty="0"/>
+          </a:p>
+        </p:txBody>
+      </p:sp>
+      <p:sp>
+        <p:nvSpPr>
+          <p:cNvPr id="74" name="직사각형 73"/>
           <p:cNvSpPr/>
           <p:nvPr/>
         </p:nvSpPr>
@@ -23133,7 +27815,7 @@
       </p:sp>
       <p:sp>
         <p:nvSpPr>
-          <p:cNvPr id="41" name="TextBox 40"/>
+          <p:cNvPr id="75" name="TextBox 74"/>
           <p:cNvSpPr txBox="1"/>
           <p:nvPr/>
         </p:nvSpPr>
@@ -23163,7 +27845,7 @@
       </p:sp>
       <p:sp>
         <p:nvSpPr>
-          <p:cNvPr id="42" name="TextBox 41"/>
+          <p:cNvPr id="76" name="TextBox 75"/>
           <p:cNvSpPr txBox="1"/>
           <p:nvPr/>
         </p:nvSpPr>
@@ -23193,7 +27875,7 @@
       </p:sp>
       <p:sp>
         <p:nvSpPr>
-          <p:cNvPr id="44" name="TextBox 43"/>
+          <p:cNvPr id="77" name="TextBox 76"/>
           <p:cNvSpPr txBox="1"/>
           <p:nvPr/>
         </p:nvSpPr>
@@ -23223,7 +27905,7 @@
       </p:sp>
       <p:sp>
         <p:nvSpPr>
-          <p:cNvPr id="46" name="TextBox 45"/>
+          <p:cNvPr id="78" name="TextBox 77"/>
           <p:cNvSpPr txBox="1"/>
           <p:nvPr/>
         </p:nvSpPr>
@@ -23253,7 +27935,7 @@
       </p:sp>
       <p:sp>
         <p:nvSpPr>
-          <p:cNvPr id="47" name="TextBox 46"/>
+          <p:cNvPr id="79" name="TextBox 78"/>
           <p:cNvSpPr txBox="1"/>
           <p:nvPr/>
         </p:nvSpPr>
@@ -23278,41 +27960,6 @@
               <a:t>고객센터</a:t>
             </a:r>
             <a:endParaRPr lang="ko-KR" altLang="en-US" sz="800" dirty="0"/>
-          </a:p>
-        </p:txBody>
-      </p:sp>
-      <p:sp>
-        <p:nvSpPr>
-          <p:cNvPr id="48" name="TextBox 47"/>
-          <p:cNvSpPr txBox="1"/>
-          <p:nvPr/>
-        </p:nvSpPr>
-        <p:spPr>
-          <a:xfrm>
-            <a:off x="9211830" y="1738640"/>
-            <a:ext cx="2115470" cy="246221"/>
-          </a:xfrm>
-          <a:prstGeom prst="rect">
-            <a:avLst/>
-          </a:prstGeom>
-          <a:noFill/>
-        </p:spPr>
-        <p:txBody>
-          <a:bodyPr wrap="square" rtlCol="0">
-            <a:spAutoFit/>
-          </a:bodyPr>
-          <a:lstStyle/>
-          <a:p>
-            <a:pPr algn="r"/>
-            <a:r>
-              <a:rPr lang="ko-KR" altLang="en-US" sz="1000" dirty="0" smtClean="0"/>
-              <a:t>로그아웃 장바구니  </a:t>
-            </a:r>
-            <a:r>
-              <a:rPr lang="ko-KR" altLang="en-US" sz="1000" dirty="0" err="1" smtClean="0"/>
-              <a:t>마이페이지</a:t>
-            </a:r>
-            <a:endParaRPr lang="ko-KR" altLang="en-US" sz="1000" dirty="0"/>
           </a:p>
         </p:txBody>
       </p:sp>
@@ -24100,37 +28747,6 @@
       </p:sp>
       <p:sp>
         <p:nvSpPr>
-          <p:cNvPr id="18" name="TextBox 17"/>
-          <p:cNvSpPr txBox="1"/>
-          <p:nvPr/>
-        </p:nvSpPr>
-        <p:spPr>
-          <a:xfrm>
-            <a:off x="777269" y="2129221"/>
-            <a:ext cx="7569580" cy="338554"/>
-          </a:xfrm>
-          <a:prstGeom prst="rect">
-            <a:avLst/>
-          </a:prstGeom>
-          <a:noFill/>
-        </p:spPr>
-        <p:txBody>
-          <a:bodyPr wrap="square" rtlCol="0">
-            <a:spAutoFit/>
-          </a:bodyPr>
-          <a:lstStyle/>
-          <a:p>
-            <a:pPr algn="ctr"/>
-            <a:r>
-              <a:rPr lang="ko-KR" altLang="en-US" sz="1600" dirty="0" smtClean="0"/>
-              <a:t>조립컴퓨터               컴퓨터부품               견적문의              개인사양결제</a:t>
-            </a:r>
-            <a:endParaRPr lang="ko-KR" altLang="en-US" sz="1600" dirty="0"/>
-          </a:p>
-        </p:txBody>
-      </p:sp>
-      <p:sp>
-        <p:nvSpPr>
           <p:cNvPr id="19" name="TextBox 18"/>
           <p:cNvSpPr txBox="1"/>
           <p:nvPr/>
@@ -24990,6 +29606,394 @@
           </a:fontRef>
         </p:style>
       </p:cxnSp>
+      <p:cxnSp>
+        <p:nvCxnSpPr>
+          <p:cNvPr id="35" name="직선 연결선 34"/>
+          <p:cNvCxnSpPr/>
+          <p:nvPr/>
+        </p:nvCxnSpPr>
+        <p:spPr>
+          <a:xfrm>
+            <a:off x="8602764" y="1984861"/>
+            <a:ext cx="2811968" cy="0"/>
+          </a:xfrm>
+          <a:prstGeom prst="line">
+            <a:avLst/>
+          </a:prstGeom>
+          <a:ln>
+            <a:solidFill>
+              <a:schemeClr val="tx1"/>
+            </a:solidFill>
+          </a:ln>
+        </p:spPr>
+        <p:style>
+          <a:lnRef idx="1">
+            <a:schemeClr val="accent1"/>
+          </a:lnRef>
+          <a:fillRef idx="0">
+            <a:schemeClr val="accent1"/>
+          </a:fillRef>
+          <a:effectRef idx="0">
+            <a:schemeClr val="accent1"/>
+          </a:effectRef>
+          <a:fontRef idx="minor">
+            <a:schemeClr val="tx1"/>
+          </a:fontRef>
+        </p:style>
+      </p:cxnSp>
+      <p:sp>
+        <p:nvSpPr>
+          <p:cNvPr id="36" name="직사각형 35"/>
+          <p:cNvSpPr/>
+          <p:nvPr/>
+        </p:nvSpPr>
+        <p:spPr>
+          <a:xfrm>
+            <a:off x="8599852" y="2058083"/>
+            <a:ext cx="2814881" cy="2406825"/>
+          </a:xfrm>
+          <a:prstGeom prst="rect">
+            <a:avLst/>
+          </a:prstGeom>
+          <a:solidFill>
+            <a:schemeClr val="bg1"/>
+          </a:solidFill>
+          <a:ln>
+            <a:solidFill>
+              <a:schemeClr val="tx2">
+                <a:lumMod val="50000"/>
+              </a:schemeClr>
+            </a:solidFill>
+          </a:ln>
+        </p:spPr>
+        <p:style>
+          <a:lnRef idx="2">
+            <a:schemeClr val="accent1">
+              <a:shade val="50000"/>
+            </a:schemeClr>
+          </a:lnRef>
+          <a:fillRef idx="1">
+            <a:schemeClr val="accent1"/>
+          </a:fillRef>
+          <a:effectRef idx="0">
+            <a:schemeClr val="accent1"/>
+          </a:effectRef>
+          <a:fontRef idx="minor">
+            <a:schemeClr val="lt1"/>
+          </a:fontRef>
+        </p:style>
+        <p:txBody>
+          <a:bodyPr rtlCol="0" anchor="ctr"/>
+          <a:lstStyle/>
+          <a:p>
+            <a:pPr algn="ctr"/>
+            <a:r>
+              <a:rPr lang="ko-KR" altLang="en-US" dirty="0" smtClean="0">
+                <a:solidFill>
+                  <a:srgbClr val="FF0000"/>
+                </a:solidFill>
+              </a:rPr>
+              <a:t>상품 홍보</a:t>
+            </a:r>
+            <a:endParaRPr lang="ko-KR" altLang="en-US" dirty="0">
+              <a:solidFill>
+                <a:srgbClr val="FF0000"/>
+              </a:solidFill>
+            </a:endParaRPr>
+          </a:p>
+        </p:txBody>
+      </p:sp>
+      <p:sp>
+        <p:nvSpPr>
+          <p:cNvPr id="37" name="직사각형 36"/>
+          <p:cNvSpPr/>
+          <p:nvPr/>
+        </p:nvSpPr>
+        <p:spPr>
+          <a:xfrm>
+            <a:off x="8642704" y="4634519"/>
+            <a:ext cx="1349794" cy="347999"/>
+          </a:xfrm>
+          <a:prstGeom prst="rect">
+            <a:avLst/>
+          </a:prstGeom>
+          <a:solidFill>
+            <a:schemeClr val="bg1"/>
+          </a:solidFill>
+          <a:ln>
+            <a:solidFill>
+              <a:schemeClr val="tx2">
+                <a:lumMod val="50000"/>
+              </a:schemeClr>
+            </a:solidFill>
+          </a:ln>
+        </p:spPr>
+        <p:style>
+          <a:lnRef idx="2">
+            <a:schemeClr val="accent1">
+              <a:shade val="50000"/>
+            </a:schemeClr>
+          </a:lnRef>
+          <a:fillRef idx="1">
+            <a:schemeClr val="accent1"/>
+          </a:fillRef>
+          <a:effectRef idx="0">
+            <a:schemeClr val="accent1"/>
+          </a:effectRef>
+          <a:fontRef idx="minor">
+            <a:schemeClr val="lt1"/>
+          </a:fontRef>
+        </p:style>
+        <p:txBody>
+          <a:bodyPr rtlCol="0" anchor="ctr"/>
+          <a:lstStyle/>
+          <a:p>
+            <a:pPr algn="ctr"/>
+            <a:r>
+              <a:rPr lang="en-US" altLang="ko-KR" dirty="0" smtClean="0">
+                <a:solidFill>
+                  <a:schemeClr val="tx1"/>
+                </a:solidFill>
+              </a:rPr>
+              <a:t>AS </a:t>
+            </a:r>
+            <a:r>
+              <a:rPr lang="ko-KR" altLang="en-US" dirty="0" smtClean="0">
+                <a:solidFill>
+                  <a:schemeClr val="tx1"/>
+                </a:solidFill>
+              </a:rPr>
+              <a:t>정책</a:t>
+            </a:r>
+            <a:endParaRPr lang="ko-KR" altLang="en-US" dirty="0">
+              <a:solidFill>
+                <a:schemeClr val="tx1"/>
+              </a:solidFill>
+            </a:endParaRPr>
+          </a:p>
+        </p:txBody>
+      </p:sp>
+      <p:sp>
+        <p:nvSpPr>
+          <p:cNvPr id="47" name="직사각형 46"/>
+          <p:cNvSpPr/>
+          <p:nvPr/>
+        </p:nvSpPr>
+        <p:spPr>
+          <a:xfrm>
+            <a:off x="10029205" y="4634518"/>
+            <a:ext cx="1349794" cy="347999"/>
+          </a:xfrm>
+          <a:prstGeom prst="rect">
+            <a:avLst/>
+          </a:prstGeom>
+          <a:solidFill>
+            <a:schemeClr val="bg1"/>
+          </a:solidFill>
+          <a:ln>
+            <a:solidFill>
+              <a:schemeClr val="tx2">
+                <a:lumMod val="50000"/>
+              </a:schemeClr>
+            </a:solidFill>
+          </a:ln>
+        </p:spPr>
+        <p:style>
+          <a:lnRef idx="2">
+            <a:schemeClr val="accent1">
+              <a:shade val="50000"/>
+            </a:schemeClr>
+          </a:lnRef>
+          <a:fillRef idx="1">
+            <a:schemeClr val="accent1"/>
+          </a:fillRef>
+          <a:effectRef idx="0">
+            <a:schemeClr val="accent1"/>
+          </a:effectRef>
+          <a:fontRef idx="minor">
+            <a:schemeClr val="lt1"/>
+          </a:fontRef>
+        </p:style>
+        <p:txBody>
+          <a:bodyPr rtlCol="0" anchor="ctr"/>
+          <a:lstStyle/>
+          <a:p>
+            <a:pPr algn="ctr"/>
+            <a:r>
+              <a:rPr lang="ko-KR" altLang="en-US" dirty="0" smtClean="0">
+                <a:solidFill>
+                  <a:schemeClr val="tx1"/>
+                </a:solidFill>
+              </a:rPr>
+              <a:t>제작과정</a:t>
+            </a:r>
+            <a:endParaRPr lang="ko-KR" altLang="en-US" dirty="0">
+              <a:solidFill>
+                <a:schemeClr val="tx1"/>
+              </a:solidFill>
+            </a:endParaRPr>
+          </a:p>
+        </p:txBody>
+      </p:sp>
+      <p:sp>
+        <p:nvSpPr>
+          <p:cNvPr id="48" name="직사각형 47"/>
+          <p:cNvSpPr/>
+          <p:nvPr/>
+        </p:nvSpPr>
+        <p:spPr>
+          <a:xfrm>
+            <a:off x="8631729" y="5166101"/>
+            <a:ext cx="1349794" cy="347999"/>
+          </a:xfrm>
+          <a:prstGeom prst="rect">
+            <a:avLst/>
+          </a:prstGeom>
+          <a:solidFill>
+            <a:schemeClr val="bg1"/>
+          </a:solidFill>
+          <a:ln>
+            <a:solidFill>
+              <a:schemeClr val="tx2">
+                <a:lumMod val="50000"/>
+              </a:schemeClr>
+            </a:solidFill>
+          </a:ln>
+        </p:spPr>
+        <p:style>
+          <a:lnRef idx="2">
+            <a:schemeClr val="accent1">
+              <a:shade val="50000"/>
+            </a:schemeClr>
+          </a:lnRef>
+          <a:fillRef idx="1">
+            <a:schemeClr val="accent1"/>
+          </a:fillRef>
+          <a:effectRef idx="0">
+            <a:schemeClr val="accent1"/>
+          </a:effectRef>
+          <a:fontRef idx="minor">
+            <a:schemeClr val="lt1"/>
+          </a:fontRef>
+        </p:style>
+        <p:txBody>
+          <a:bodyPr rtlCol="0" anchor="ctr"/>
+          <a:lstStyle/>
+          <a:p>
+            <a:pPr algn="ctr"/>
+            <a:r>
+              <a:rPr lang="ko-KR" altLang="en-US" dirty="0" smtClean="0">
+                <a:solidFill>
+                  <a:schemeClr val="tx1"/>
+                </a:solidFill>
+              </a:rPr>
+              <a:t>배송 정책</a:t>
+            </a:r>
+            <a:endParaRPr lang="ko-KR" altLang="en-US" dirty="0">
+              <a:solidFill>
+                <a:schemeClr val="tx1"/>
+              </a:solidFill>
+            </a:endParaRPr>
+          </a:p>
+        </p:txBody>
+      </p:sp>
+      <p:sp>
+        <p:nvSpPr>
+          <p:cNvPr id="49" name="직사각형 48"/>
+          <p:cNvSpPr/>
+          <p:nvPr/>
+        </p:nvSpPr>
+        <p:spPr>
+          <a:xfrm>
+            <a:off x="10029205" y="5158942"/>
+            <a:ext cx="1349794" cy="347999"/>
+          </a:xfrm>
+          <a:prstGeom prst="rect">
+            <a:avLst/>
+          </a:prstGeom>
+          <a:solidFill>
+            <a:schemeClr val="bg1"/>
+          </a:solidFill>
+          <a:ln>
+            <a:solidFill>
+              <a:schemeClr val="tx2">
+                <a:lumMod val="50000"/>
+              </a:schemeClr>
+            </a:solidFill>
+          </a:ln>
+        </p:spPr>
+        <p:style>
+          <a:lnRef idx="2">
+            <a:schemeClr val="accent1">
+              <a:shade val="50000"/>
+            </a:schemeClr>
+          </a:lnRef>
+          <a:fillRef idx="1">
+            <a:schemeClr val="accent1"/>
+          </a:fillRef>
+          <a:effectRef idx="0">
+            <a:schemeClr val="accent1"/>
+          </a:effectRef>
+          <a:fontRef idx="minor">
+            <a:schemeClr val="lt1"/>
+          </a:fontRef>
+        </p:style>
+        <p:txBody>
+          <a:bodyPr rtlCol="0" anchor="ctr"/>
+          <a:lstStyle/>
+          <a:p>
+            <a:pPr algn="ctr"/>
+            <a:r>
+              <a:rPr lang="ko-KR" altLang="en-US" dirty="0" smtClean="0">
+                <a:solidFill>
+                  <a:schemeClr val="tx1"/>
+                </a:solidFill>
+              </a:rPr>
+              <a:t>사양 변경</a:t>
+            </a:r>
+            <a:endParaRPr lang="ko-KR" altLang="en-US" dirty="0">
+              <a:solidFill>
+                <a:schemeClr val="tx1"/>
+              </a:solidFill>
+            </a:endParaRPr>
+          </a:p>
+        </p:txBody>
+      </p:sp>
+      <p:sp>
+        <p:nvSpPr>
+          <p:cNvPr id="50" name="TextBox 49"/>
+          <p:cNvSpPr txBox="1"/>
+          <p:nvPr/>
+        </p:nvSpPr>
+        <p:spPr>
+          <a:xfrm>
+            <a:off x="777269" y="2129221"/>
+            <a:ext cx="7569580" cy="338554"/>
+          </a:xfrm>
+          <a:prstGeom prst="rect">
+            <a:avLst/>
+          </a:prstGeom>
+          <a:noFill/>
+        </p:spPr>
+        <p:txBody>
+          <a:bodyPr wrap="square" rtlCol="0">
+            <a:spAutoFit/>
+          </a:bodyPr>
+          <a:lstStyle/>
+          <a:p>
+            <a:pPr algn="ctr"/>
+            <a:r>
+              <a:rPr lang="ko-KR" altLang="en-US" sz="1600" dirty="0" smtClean="0"/>
+              <a:t>조립컴퓨터               컴퓨터부품               </a:t>
+            </a:r>
+            <a:r>
+              <a:rPr lang="ko-KR" altLang="en-US" sz="1600" dirty="0" smtClean="0"/>
+              <a:t>견적문의</a:t>
+            </a:r>
+            <a:endParaRPr lang="ko-KR" altLang="en-US" sz="1600" dirty="0"/>
+          </a:p>
+        </p:txBody>
+      </p:sp>
     </p:spTree>
     <p:extLst>
       <p:ext uri="{BB962C8B-B14F-4D97-AF65-F5344CB8AC3E}">
@@ -26397,11 +31401,7 @@
             </a:r>
             <a:r>
               <a:rPr lang="en-US" altLang="ko-KR" dirty="0" smtClean="0"/>
-              <a:t>     </a:t>
-            </a:r>
-            <a:r>
-              <a:rPr lang="en-US" altLang="ko-KR" dirty="0" smtClean="0"/>
-              <a:t>	 </a:t>
+              <a:t>     	 </a:t>
             </a:r>
             <a:r>
               <a:rPr lang="ko-KR" altLang="en-US" dirty="0" smtClean="0"/>
@@ -27300,11 +32300,7 @@
             </a:r>
             <a:r>
               <a:rPr lang="en-US" altLang="ko-KR" dirty="0" smtClean="0"/>
-              <a:t>     </a:t>
-            </a:r>
-            <a:r>
-              <a:rPr lang="en-US" altLang="ko-KR" dirty="0" smtClean="0"/>
-              <a:t>	 </a:t>
+              <a:t>     	 </a:t>
             </a:r>
             <a:r>
               <a:rPr lang="ko-KR" altLang="en-US" dirty="0" smtClean="0"/>
@@ -28917,37 +33913,6 @@
       </p:sp>
       <p:sp>
         <p:nvSpPr>
-          <p:cNvPr id="17" name="TextBox 16"/>
-          <p:cNvSpPr txBox="1"/>
-          <p:nvPr/>
-        </p:nvSpPr>
-        <p:spPr>
-          <a:xfrm>
-            <a:off x="777269" y="2129221"/>
-            <a:ext cx="7569580" cy="338554"/>
-          </a:xfrm>
-          <a:prstGeom prst="rect">
-            <a:avLst/>
-          </a:prstGeom>
-          <a:noFill/>
-        </p:spPr>
-        <p:txBody>
-          <a:bodyPr wrap="square" rtlCol="0">
-            <a:spAutoFit/>
-          </a:bodyPr>
-          <a:lstStyle/>
-          <a:p>
-            <a:pPr algn="ctr"/>
-            <a:r>
-              <a:rPr lang="ko-KR" altLang="en-US" sz="1600" dirty="0" smtClean="0"/>
-              <a:t>조립컴퓨터               컴퓨터부품               견적문의              개인사양결제</a:t>
-            </a:r>
-            <a:endParaRPr lang="ko-KR" altLang="en-US" sz="1600" dirty="0"/>
-          </a:p>
-        </p:txBody>
-      </p:sp>
-      <p:sp>
-        <p:nvSpPr>
           <p:cNvPr id="18" name="TextBox 17"/>
           <p:cNvSpPr txBox="1"/>
           <p:nvPr/>
@@ -29053,7 +34018,7 @@
         </p:nvSpPr>
         <p:spPr>
           <a:xfrm>
-            <a:off x="4193079" y="2984558"/>
+            <a:off x="4193079" y="2885702"/>
             <a:ext cx="922618" cy="523220"/>
           </a:xfrm>
           <a:prstGeom prst="rect">
@@ -29083,7 +34048,7 @@
         </p:nvSpPr>
         <p:spPr>
           <a:xfrm>
-            <a:off x="3006812" y="4020063"/>
+            <a:off x="3006812" y="3542268"/>
             <a:ext cx="3303373" cy="420130"/>
           </a:xfrm>
           <a:prstGeom prst="rect">
@@ -29146,7 +34111,7 @@
         </p:nvSpPr>
         <p:spPr>
           <a:xfrm>
-            <a:off x="3002701" y="4570081"/>
+            <a:off x="3002701" y="4092286"/>
             <a:ext cx="3303373" cy="420130"/>
           </a:xfrm>
           <a:prstGeom prst="rect">
@@ -29209,7 +34174,7 @@
         </p:nvSpPr>
         <p:spPr>
           <a:xfrm>
-            <a:off x="3002700" y="5102777"/>
+            <a:off x="3002700" y="5234585"/>
             <a:ext cx="3303373" cy="246221"/>
           </a:xfrm>
           <a:prstGeom prst="rect">
@@ -29698,6 +34663,419 @@
               <a:t>로그인</a:t>
             </a:r>
             <a:endParaRPr lang="ko-KR" altLang="en-US" sz="1000" dirty="0"/>
+          </a:p>
+        </p:txBody>
+      </p:sp>
+      <p:cxnSp>
+        <p:nvCxnSpPr>
+          <p:cNvPr id="37" name="직선 연결선 36"/>
+          <p:cNvCxnSpPr/>
+          <p:nvPr/>
+        </p:nvCxnSpPr>
+        <p:spPr>
+          <a:xfrm>
+            <a:off x="8602764" y="1984861"/>
+            <a:ext cx="2811968" cy="0"/>
+          </a:xfrm>
+          <a:prstGeom prst="line">
+            <a:avLst/>
+          </a:prstGeom>
+          <a:ln>
+            <a:solidFill>
+              <a:schemeClr val="tx1"/>
+            </a:solidFill>
+          </a:ln>
+        </p:spPr>
+        <p:style>
+          <a:lnRef idx="1">
+            <a:schemeClr val="accent1"/>
+          </a:lnRef>
+          <a:fillRef idx="0">
+            <a:schemeClr val="accent1"/>
+          </a:fillRef>
+          <a:effectRef idx="0">
+            <a:schemeClr val="accent1"/>
+          </a:effectRef>
+          <a:fontRef idx="minor">
+            <a:schemeClr val="tx1"/>
+          </a:fontRef>
+        </p:style>
+      </p:cxnSp>
+      <p:sp>
+        <p:nvSpPr>
+          <p:cNvPr id="38" name="TextBox 37"/>
+          <p:cNvSpPr txBox="1"/>
+          <p:nvPr/>
+        </p:nvSpPr>
+        <p:spPr>
+          <a:xfrm>
+            <a:off x="9518151" y="2206165"/>
+            <a:ext cx="922618" cy="523220"/>
+          </a:xfrm>
+          <a:prstGeom prst="rect">
+            <a:avLst/>
+          </a:prstGeom>
+          <a:noFill/>
+        </p:spPr>
+        <p:txBody>
+          <a:bodyPr wrap="square" rtlCol="0">
+            <a:spAutoFit/>
+          </a:bodyPr>
+          <a:lstStyle/>
+          <a:p>
+            <a:r>
+              <a:rPr lang="ko-KR" altLang="en-US" sz="2800" dirty="0" smtClean="0"/>
+              <a:t>로고</a:t>
+            </a:r>
+            <a:endParaRPr lang="ko-KR" altLang="en-US" sz="2800" dirty="0"/>
+          </a:p>
+        </p:txBody>
+      </p:sp>
+      <p:sp>
+        <p:nvSpPr>
+          <p:cNvPr id="39" name="직사각형 38"/>
+          <p:cNvSpPr/>
+          <p:nvPr/>
+        </p:nvSpPr>
+        <p:spPr>
+          <a:xfrm>
+            <a:off x="8789082" y="3229014"/>
+            <a:ext cx="2414377" cy="420130"/>
+          </a:xfrm>
+          <a:prstGeom prst="rect">
+            <a:avLst/>
+          </a:prstGeom>
+          <a:solidFill>
+            <a:schemeClr val="bg1"/>
+          </a:solidFill>
+          <a:ln>
+            <a:solidFill>
+              <a:schemeClr val="tx1"/>
+            </a:solidFill>
+          </a:ln>
+        </p:spPr>
+        <p:style>
+          <a:lnRef idx="2">
+            <a:schemeClr val="accent1">
+              <a:shade val="50000"/>
+            </a:schemeClr>
+          </a:lnRef>
+          <a:fillRef idx="1">
+            <a:schemeClr val="accent1"/>
+          </a:fillRef>
+          <a:effectRef idx="0">
+            <a:schemeClr val="accent1"/>
+          </a:effectRef>
+          <a:fontRef idx="minor">
+            <a:schemeClr val="lt1"/>
+          </a:fontRef>
+        </p:style>
+        <p:txBody>
+          <a:bodyPr rtlCol="0" anchor="ctr"/>
+          <a:lstStyle/>
+          <a:p>
+            <a:r>
+              <a:rPr lang="ko-KR" altLang="en-US" dirty="0" smtClean="0">
+                <a:solidFill>
+                  <a:schemeClr val="bg1">
+                    <a:lumMod val="75000"/>
+                  </a:schemeClr>
+                </a:solidFill>
+              </a:rPr>
+              <a:t>아이디</a:t>
+            </a:r>
+            <a:endParaRPr lang="ko-KR" altLang="en-US" dirty="0">
+              <a:solidFill>
+                <a:schemeClr val="bg1">
+                  <a:lumMod val="75000"/>
+                </a:schemeClr>
+              </a:solidFill>
+            </a:endParaRPr>
+          </a:p>
+        </p:txBody>
+      </p:sp>
+      <p:sp>
+        <p:nvSpPr>
+          <p:cNvPr id="40" name="직사각형 39"/>
+          <p:cNvSpPr/>
+          <p:nvPr/>
+        </p:nvSpPr>
+        <p:spPr>
+          <a:xfrm>
+            <a:off x="8789082" y="3809998"/>
+            <a:ext cx="2414377" cy="420130"/>
+          </a:xfrm>
+          <a:prstGeom prst="rect">
+            <a:avLst/>
+          </a:prstGeom>
+          <a:solidFill>
+            <a:schemeClr val="bg1"/>
+          </a:solidFill>
+          <a:ln>
+            <a:solidFill>
+              <a:schemeClr val="tx1"/>
+            </a:solidFill>
+          </a:ln>
+        </p:spPr>
+        <p:style>
+          <a:lnRef idx="2">
+            <a:schemeClr val="accent1">
+              <a:shade val="50000"/>
+            </a:schemeClr>
+          </a:lnRef>
+          <a:fillRef idx="1">
+            <a:schemeClr val="accent1"/>
+          </a:fillRef>
+          <a:effectRef idx="0">
+            <a:schemeClr val="accent1"/>
+          </a:effectRef>
+          <a:fontRef idx="minor">
+            <a:schemeClr val="lt1"/>
+          </a:fontRef>
+        </p:style>
+        <p:txBody>
+          <a:bodyPr rtlCol="0" anchor="ctr"/>
+          <a:lstStyle/>
+          <a:p>
+            <a:r>
+              <a:rPr lang="ko-KR" altLang="en-US" dirty="0" smtClean="0">
+                <a:solidFill>
+                  <a:schemeClr val="bg1">
+                    <a:lumMod val="75000"/>
+                  </a:schemeClr>
+                </a:solidFill>
+              </a:rPr>
+              <a:t>비밀번호</a:t>
+            </a:r>
+            <a:endParaRPr lang="ko-KR" altLang="en-US" dirty="0">
+              <a:solidFill>
+                <a:schemeClr val="bg1">
+                  <a:lumMod val="75000"/>
+                </a:schemeClr>
+              </a:solidFill>
+            </a:endParaRPr>
+          </a:p>
+        </p:txBody>
+      </p:sp>
+      <p:sp>
+        <p:nvSpPr>
+          <p:cNvPr id="41" name="TextBox 40"/>
+          <p:cNvSpPr txBox="1"/>
+          <p:nvPr/>
+        </p:nvSpPr>
+        <p:spPr>
+          <a:xfrm>
+            <a:off x="8327773" y="4970295"/>
+            <a:ext cx="3303373" cy="246221"/>
+          </a:xfrm>
+          <a:prstGeom prst="rect">
+            <a:avLst/>
+          </a:prstGeom>
+          <a:noFill/>
+        </p:spPr>
+        <p:txBody>
+          <a:bodyPr wrap="square" rtlCol="0">
+            <a:spAutoFit/>
+          </a:bodyPr>
+          <a:lstStyle/>
+          <a:p>
+            <a:pPr algn="ctr"/>
+            <a:r>
+              <a:rPr lang="ko-KR" altLang="en-US" sz="1000" dirty="0" err="1" smtClean="0"/>
+              <a:t>아이디찾기</a:t>
+            </a:r>
+            <a:r>
+              <a:rPr lang="ko-KR" altLang="en-US" sz="1000" dirty="0" smtClean="0"/>
+              <a:t> </a:t>
+            </a:r>
+            <a:r>
+              <a:rPr lang="ko-KR" altLang="en-US" sz="1000" dirty="0" err="1" smtClean="0"/>
+              <a:t>ㅣ</a:t>
+            </a:r>
+            <a:r>
+              <a:rPr lang="ko-KR" altLang="en-US" sz="1000" dirty="0" smtClean="0"/>
+              <a:t> </a:t>
+            </a:r>
+            <a:r>
+              <a:rPr lang="ko-KR" altLang="en-US" sz="1000" dirty="0" err="1" smtClean="0"/>
+              <a:t>비밀번호찾기</a:t>
+            </a:r>
+            <a:r>
+              <a:rPr lang="ko-KR" altLang="en-US" sz="1000" dirty="0" smtClean="0"/>
+              <a:t> </a:t>
+            </a:r>
+            <a:r>
+              <a:rPr lang="ko-KR" altLang="en-US" sz="1000" dirty="0" err="1" smtClean="0"/>
+              <a:t>ㅣ</a:t>
+            </a:r>
+            <a:r>
+              <a:rPr lang="ko-KR" altLang="en-US" sz="1000" dirty="0" smtClean="0"/>
+              <a:t> 회원가입</a:t>
+            </a:r>
+            <a:endParaRPr lang="ko-KR" altLang="en-US" sz="1000" dirty="0"/>
+          </a:p>
+        </p:txBody>
+      </p:sp>
+      <p:sp>
+        <p:nvSpPr>
+          <p:cNvPr id="42" name="직사각형 41"/>
+          <p:cNvSpPr/>
+          <p:nvPr/>
+        </p:nvSpPr>
+        <p:spPr>
+          <a:xfrm>
+            <a:off x="3002699" y="4651361"/>
+            <a:ext cx="3303373" cy="420130"/>
+          </a:xfrm>
+          <a:prstGeom prst="rect">
+            <a:avLst/>
+          </a:prstGeom>
+          <a:solidFill>
+            <a:schemeClr val="tx1"/>
+          </a:solidFill>
+          <a:ln>
+            <a:solidFill>
+              <a:schemeClr val="tx1"/>
+            </a:solidFill>
+          </a:ln>
+        </p:spPr>
+        <p:style>
+          <a:lnRef idx="2">
+            <a:schemeClr val="accent1">
+              <a:shade val="50000"/>
+            </a:schemeClr>
+          </a:lnRef>
+          <a:fillRef idx="1">
+            <a:schemeClr val="accent1"/>
+          </a:fillRef>
+          <a:effectRef idx="0">
+            <a:schemeClr val="accent1"/>
+          </a:effectRef>
+          <a:fontRef idx="minor">
+            <a:schemeClr val="lt1"/>
+          </a:fontRef>
+        </p:style>
+        <p:txBody>
+          <a:bodyPr rtlCol="0" anchor="ctr"/>
+          <a:lstStyle/>
+          <a:p>
+            <a:pPr algn="ctr"/>
+            <a:r>
+              <a:rPr lang="ko-KR" altLang="en-US" smtClean="0">
+                <a:solidFill>
+                  <a:schemeClr val="bg1">
+                    <a:lumMod val="75000"/>
+                  </a:schemeClr>
+                </a:solidFill>
+              </a:rPr>
+              <a:t>로그인</a:t>
+            </a:r>
+            <a:endParaRPr lang="ko-KR" altLang="en-US" dirty="0">
+              <a:solidFill>
+                <a:schemeClr val="bg1">
+                  <a:lumMod val="75000"/>
+                </a:schemeClr>
+              </a:solidFill>
+            </a:endParaRPr>
+          </a:p>
+        </p:txBody>
+      </p:sp>
+      <p:sp>
+        <p:nvSpPr>
+          <p:cNvPr id="44" name="직사각형 43"/>
+          <p:cNvSpPr/>
+          <p:nvPr/>
+        </p:nvSpPr>
+        <p:spPr>
+          <a:xfrm>
+            <a:off x="8789081" y="4332117"/>
+            <a:ext cx="2414377" cy="420130"/>
+          </a:xfrm>
+          <a:prstGeom prst="rect">
+            <a:avLst/>
+          </a:prstGeom>
+          <a:solidFill>
+            <a:schemeClr val="tx1"/>
+          </a:solidFill>
+          <a:ln>
+            <a:solidFill>
+              <a:schemeClr val="tx1"/>
+            </a:solidFill>
+          </a:ln>
+        </p:spPr>
+        <p:style>
+          <a:lnRef idx="2">
+            <a:schemeClr val="accent1">
+              <a:shade val="50000"/>
+            </a:schemeClr>
+          </a:lnRef>
+          <a:fillRef idx="1">
+            <a:schemeClr val="accent1"/>
+          </a:fillRef>
+          <a:effectRef idx="0">
+            <a:schemeClr val="accent1"/>
+          </a:effectRef>
+          <a:fontRef idx="minor">
+            <a:schemeClr val="lt1"/>
+          </a:fontRef>
+        </p:style>
+        <p:txBody>
+          <a:bodyPr rtlCol="0" anchor="ctr"/>
+          <a:lstStyle/>
+          <a:p>
+            <a:pPr algn="ctr"/>
+            <a:r>
+              <a:rPr lang="ko-KR" altLang="en-US" dirty="0" smtClean="0">
+                <a:solidFill>
+                  <a:schemeClr val="bg1">
+                    <a:lumMod val="75000"/>
+                  </a:schemeClr>
+                </a:solidFill>
+              </a:rPr>
+              <a:t>로그인</a:t>
+            </a:r>
+            <a:endParaRPr lang="ko-KR" altLang="en-US" dirty="0">
+              <a:solidFill>
+                <a:schemeClr val="bg1">
+                  <a:lumMod val="75000"/>
+                </a:schemeClr>
+              </a:solidFill>
+            </a:endParaRPr>
+          </a:p>
+        </p:txBody>
+      </p:sp>
+      <p:sp>
+        <p:nvSpPr>
+          <p:cNvPr id="45" name="TextBox 44"/>
+          <p:cNvSpPr txBox="1"/>
+          <p:nvPr/>
+        </p:nvSpPr>
+        <p:spPr>
+          <a:xfrm>
+            <a:off x="777269" y="2129221"/>
+            <a:ext cx="7569580" cy="338554"/>
+          </a:xfrm>
+          <a:prstGeom prst="rect">
+            <a:avLst/>
+          </a:prstGeom>
+          <a:noFill/>
+        </p:spPr>
+        <p:txBody>
+          <a:bodyPr wrap="square" rtlCol="0">
+            <a:spAutoFit/>
+          </a:bodyPr>
+          <a:lstStyle/>
+          <a:p>
+            <a:pPr algn="ctr"/>
+            <a:r>
+              <a:rPr lang="ko-KR" altLang="en-US" sz="1600" dirty="0" smtClean="0"/>
+              <a:t>조립컴퓨터               컴퓨터부품               </a:t>
+            </a:r>
+            <a:r>
+              <a:rPr lang="ko-KR" altLang="en-US" sz="1600" dirty="0" smtClean="0"/>
+              <a:t>견적문의</a:t>
+            </a:r>
+            <a:endParaRPr lang="ko-KR" altLang="en-US" sz="1600" dirty="0"/>
           </a:p>
         </p:txBody>
       </p:sp>
@@ -30485,37 +35863,6 @@
       </p:sp>
       <p:sp>
         <p:nvSpPr>
-          <p:cNvPr id="17" name="TextBox 16"/>
-          <p:cNvSpPr txBox="1"/>
-          <p:nvPr/>
-        </p:nvSpPr>
-        <p:spPr>
-          <a:xfrm>
-            <a:off x="777269" y="2129221"/>
-            <a:ext cx="7569580" cy="338554"/>
-          </a:xfrm>
-          <a:prstGeom prst="rect">
-            <a:avLst/>
-          </a:prstGeom>
-          <a:noFill/>
-        </p:spPr>
-        <p:txBody>
-          <a:bodyPr wrap="square" rtlCol="0">
-            <a:spAutoFit/>
-          </a:bodyPr>
-          <a:lstStyle/>
-          <a:p>
-            <a:pPr algn="ctr"/>
-            <a:r>
-              <a:rPr lang="ko-KR" altLang="en-US" sz="1600" dirty="0" smtClean="0"/>
-              <a:t>조립컴퓨터               컴퓨터부품               견적문의              개인사양결제</a:t>
-            </a:r>
-            <a:endParaRPr lang="ko-KR" altLang="en-US" sz="1600" dirty="0"/>
-          </a:p>
-        </p:txBody>
-      </p:sp>
-      <p:sp>
-        <p:nvSpPr>
           <p:cNvPr id="18" name="TextBox 17"/>
           <p:cNvSpPr txBox="1"/>
           <p:nvPr/>
@@ -31582,6 +36929,422 @@
               <a:t>로그인</a:t>
             </a:r>
             <a:endParaRPr lang="ko-KR" altLang="en-US" sz="1000" dirty="0"/>
+          </a:p>
+        </p:txBody>
+      </p:sp>
+      <p:cxnSp>
+        <p:nvCxnSpPr>
+          <p:cNvPr id="43" name="직선 연결선 42"/>
+          <p:cNvCxnSpPr/>
+          <p:nvPr/>
+        </p:nvCxnSpPr>
+        <p:spPr>
+          <a:xfrm>
+            <a:off x="8602764" y="1984861"/>
+            <a:ext cx="2811968" cy="0"/>
+          </a:xfrm>
+          <a:prstGeom prst="line">
+            <a:avLst/>
+          </a:prstGeom>
+          <a:ln>
+            <a:solidFill>
+              <a:schemeClr val="tx1"/>
+            </a:solidFill>
+          </a:ln>
+        </p:spPr>
+        <p:style>
+          <a:lnRef idx="1">
+            <a:schemeClr val="accent1"/>
+          </a:lnRef>
+          <a:fillRef idx="0">
+            <a:schemeClr val="accent1"/>
+          </a:fillRef>
+          <a:effectRef idx="0">
+            <a:schemeClr val="accent1"/>
+          </a:effectRef>
+          <a:fontRef idx="minor">
+            <a:schemeClr val="tx1"/>
+          </a:fontRef>
+        </p:style>
+      </p:cxnSp>
+      <p:sp>
+        <p:nvSpPr>
+          <p:cNvPr id="67" name="TextBox 66"/>
+          <p:cNvSpPr txBox="1"/>
+          <p:nvPr/>
+        </p:nvSpPr>
+        <p:spPr>
+          <a:xfrm>
+            <a:off x="9571858" y="2899151"/>
+            <a:ext cx="922618" cy="523220"/>
+          </a:xfrm>
+          <a:prstGeom prst="rect">
+            <a:avLst/>
+          </a:prstGeom>
+          <a:noFill/>
+        </p:spPr>
+        <p:txBody>
+          <a:bodyPr wrap="square" rtlCol="0">
+            <a:spAutoFit/>
+          </a:bodyPr>
+          <a:lstStyle/>
+          <a:p>
+            <a:r>
+              <a:rPr lang="ko-KR" altLang="en-US" sz="2800" dirty="0" smtClean="0"/>
+              <a:t>로고</a:t>
+            </a:r>
+            <a:endParaRPr lang="ko-KR" altLang="en-US" sz="2800" dirty="0"/>
+          </a:p>
+        </p:txBody>
+      </p:sp>
+      <p:sp>
+        <p:nvSpPr>
+          <p:cNvPr id="70" name="직사각형 69"/>
+          <p:cNvSpPr/>
+          <p:nvPr/>
+        </p:nvSpPr>
+        <p:spPr>
+          <a:xfrm>
+            <a:off x="8838671" y="2303799"/>
+            <a:ext cx="2339546" cy="3138381"/>
+          </a:xfrm>
+          <a:prstGeom prst="rect">
+            <a:avLst/>
+          </a:prstGeom>
+          <a:solidFill>
+            <a:schemeClr val="bg1"/>
+          </a:solidFill>
+          <a:ln>
+            <a:solidFill>
+              <a:schemeClr val="tx1">
+                <a:lumMod val="95000"/>
+                <a:lumOff val="5000"/>
+              </a:schemeClr>
+            </a:solidFill>
+          </a:ln>
+        </p:spPr>
+        <p:style>
+          <a:lnRef idx="2">
+            <a:schemeClr val="accent1">
+              <a:shade val="50000"/>
+            </a:schemeClr>
+          </a:lnRef>
+          <a:fillRef idx="1">
+            <a:schemeClr val="accent1"/>
+          </a:fillRef>
+          <a:effectRef idx="0">
+            <a:schemeClr val="accent1"/>
+          </a:effectRef>
+          <a:fontRef idx="minor">
+            <a:schemeClr val="lt1"/>
+          </a:fontRef>
+        </p:style>
+        <p:txBody>
+          <a:bodyPr rtlCol="0" anchor="ctr"/>
+          <a:lstStyle/>
+          <a:p>
+            <a:pPr algn="ctr"/>
+            <a:endParaRPr lang="ko-KR" altLang="en-US"/>
+          </a:p>
+        </p:txBody>
+      </p:sp>
+      <p:sp>
+        <p:nvSpPr>
+          <p:cNvPr id="71" name="직사각형 70"/>
+          <p:cNvSpPr/>
+          <p:nvPr/>
+        </p:nvSpPr>
+        <p:spPr>
+          <a:xfrm>
+            <a:off x="8904574" y="3695762"/>
+            <a:ext cx="2215978" cy="378940"/>
+          </a:xfrm>
+          <a:prstGeom prst="rect">
+            <a:avLst/>
+          </a:prstGeom>
+          <a:solidFill>
+            <a:schemeClr val="bg1"/>
+          </a:solidFill>
+          <a:ln>
+            <a:solidFill>
+              <a:schemeClr val="tx1">
+                <a:lumMod val="95000"/>
+                <a:lumOff val="5000"/>
+              </a:schemeClr>
+            </a:solidFill>
+          </a:ln>
+        </p:spPr>
+        <p:style>
+          <a:lnRef idx="2">
+            <a:schemeClr val="accent1">
+              <a:shade val="50000"/>
+            </a:schemeClr>
+          </a:lnRef>
+          <a:fillRef idx="1">
+            <a:schemeClr val="accent1"/>
+          </a:fillRef>
+          <a:effectRef idx="0">
+            <a:schemeClr val="accent1"/>
+          </a:effectRef>
+          <a:fontRef idx="minor">
+            <a:schemeClr val="lt1"/>
+          </a:fontRef>
+        </p:style>
+        <p:txBody>
+          <a:bodyPr rtlCol="0" anchor="ctr"/>
+          <a:lstStyle/>
+          <a:p>
+            <a:pPr algn="ctr"/>
+            <a:r>
+              <a:rPr lang="ko-KR" altLang="en-US" dirty="0" smtClean="0">
+                <a:solidFill>
+                  <a:schemeClr val="bg1">
+                    <a:lumMod val="75000"/>
+                  </a:schemeClr>
+                </a:solidFill>
+              </a:rPr>
+              <a:t>이름</a:t>
+            </a:r>
+            <a:endParaRPr lang="ko-KR" altLang="en-US" dirty="0">
+              <a:solidFill>
+                <a:schemeClr val="bg1">
+                  <a:lumMod val="75000"/>
+                </a:schemeClr>
+              </a:solidFill>
+            </a:endParaRPr>
+          </a:p>
+        </p:txBody>
+      </p:sp>
+      <p:sp>
+        <p:nvSpPr>
+          <p:cNvPr id="72" name="직사각형 71"/>
+          <p:cNvSpPr/>
+          <p:nvPr/>
+        </p:nvSpPr>
+        <p:spPr>
+          <a:xfrm>
+            <a:off x="8904574" y="4182889"/>
+            <a:ext cx="2215978" cy="378940"/>
+          </a:xfrm>
+          <a:prstGeom prst="rect">
+            <a:avLst/>
+          </a:prstGeom>
+          <a:solidFill>
+            <a:schemeClr val="bg1"/>
+          </a:solidFill>
+          <a:ln>
+            <a:solidFill>
+              <a:schemeClr val="tx1">
+                <a:lumMod val="95000"/>
+                <a:lumOff val="5000"/>
+              </a:schemeClr>
+            </a:solidFill>
+          </a:ln>
+        </p:spPr>
+        <p:style>
+          <a:lnRef idx="2">
+            <a:schemeClr val="accent1">
+              <a:shade val="50000"/>
+            </a:schemeClr>
+          </a:lnRef>
+          <a:fillRef idx="1">
+            <a:schemeClr val="accent1"/>
+          </a:fillRef>
+          <a:effectRef idx="0">
+            <a:schemeClr val="accent1"/>
+          </a:effectRef>
+          <a:fontRef idx="minor">
+            <a:schemeClr val="lt1"/>
+          </a:fontRef>
+        </p:style>
+        <p:txBody>
+          <a:bodyPr rtlCol="0" anchor="ctr"/>
+          <a:lstStyle/>
+          <a:p>
+            <a:pPr algn="ctr"/>
+            <a:r>
+              <a:rPr lang="ko-KR" altLang="en-US" dirty="0" err="1" smtClean="0">
+                <a:solidFill>
+                  <a:schemeClr val="bg1">
+                    <a:lumMod val="75000"/>
+                  </a:schemeClr>
+                </a:solidFill>
+              </a:rPr>
+              <a:t>이메일</a:t>
+            </a:r>
+            <a:endParaRPr lang="ko-KR" altLang="en-US" dirty="0">
+              <a:solidFill>
+                <a:schemeClr val="bg1">
+                  <a:lumMod val="75000"/>
+                </a:schemeClr>
+              </a:solidFill>
+            </a:endParaRPr>
+          </a:p>
+        </p:txBody>
+      </p:sp>
+      <p:sp>
+        <p:nvSpPr>
+          <p:cNvPr id="73" name="TextBox 72"/>
+          <p:cNvSpPr txBox="1"/>
+          <p:nvPr/>
+        </p:nvSpPr>
+        <p:spPr>
+          <a:xfrm>
+            <a:off x="9126995" y="3176777"/>
+            <a:ext cx="1804087" cy="369332"/>
+          </a:xfrm>
+          <a:prstGeom prst="rect">
+            <a:avLst/>
+          </a:prstGeom>
+          <a:noFill/>
+        </p:spPr>
+        <p:txBody>
+          <a:bodyPr wrap="square" rtlCol="0">
+            <a:spAutoFit/>
+          </a:bodyPr>
+          <a:lstStyle/>
+          <a:p>
+            <a:pPr algn="ctr"/>
+            <a:r>
+              <a:rPr lang="ko-KR" altLang="en-US" dirty="0" smtClean="0"/>
+              <a:t>아이디 찾기</a:t>
+            </a:r>
+            <a:endParaRPr lang="ko-KR" altLang="en-US" dirty="0"/>
+          </a:p>
+        </p:txBody>
+      </p:sp>
+      <p:sp>
+        <p:nvSpPr>
+          <p:cNvPr id="74" name="직사각형 73"/>
+          <p:cNvSpPr/>
+          <p:nvPr/>
+        </p:nvSpPr>
+        <p:spPr>
+          <a:xfrm>
+            <a:off x="9055271" y="4936091"/>
+            <a:ext cx="1875811" cy="378940"/>
+          </a:xfrm>
+          <a:prstGeom prst="rect">
+            <a:avLst/>
+          </a:prstGeom>
+          <a:solidFill>
+            <a:schemeClr val="bg1"/>
+          </a:solidFill>
+          <a:ln>
+            <a:solidFill>
+              <a:schemeClr val="tx1">
+                <a:lumMod val="95000"/>
+                <a:lumOff val="5000"/>
+              </a:schemeClr>
+            </a:solidFill>
+          </a:ln>
+        </p:spPr>
+        <p:style>
+          <a:lnRef idx="2">
+            <a:schemeClr val="accent1">
+              <a:shade val="50000"/>
+            </a:schemeClr>
+          </a:lnRef>
+          <a:fillRef idx="1">
+            <a:schemeClr val="accent1"/>
+          </a:fillRef>
+          <a:effectRef idx="0">
+            <a:schemeClr val="accent1"/>
+          </a:effectRef>
+          <a:fontRef idx="minor">
+            <a:schemeClr val="lt1"/>
+          </a:fontRef>
+        </p:style>
+        <p:txBody>
+          <a:bodyPr rtlCol="0" anchor="ctr"/>
+          <a:lstStyle/>
+          <a:p>
+            <a:pPr algn="ctr"/>
+            <a:r>
+              <a:rPr lang="ko-KR" altLang="en-US" dirty="0" smtClean="0">
+                <a:solidFill>
+                  <a:schemeClr val="tx1">
+                    <a:lumMod val="95000"/>
+                    <a:lumOff val="5000"/>
+                  </a:schemeClr>
+                </a:solidFill>
+              </a:rPr>
+              <a:t>확인</a:t>
+            </a:r>
+            <a:endParaRPr lang="ko-KR" altLang="en-US" dirty="0">
+              <a:solidFill>
+                <a:schemeClr val="tx1">
+                  <a:lumMod val="95000"/>
+                  <a:lumOff val="5000"/>
+                </a:schemeClr>
+              </a:solidFill>
+            </a:endParaRPr>
+          </a:p>
+        </p:txBody>
+      </p:sp>
+      <p:sp>
+        <p:nvSpPr>
+          <p:cNvPr id="75" name="TextBox 74"/>
+          <p:cNvSpPr txBox="1"/>
+          <p:nvPr/>
+        </p:nvSpPr>
+        <p:spPr>
+          <a:xfrm>
+            <a:off x="9135233" y="2523310"/>
+            <a:ext cx="1804087" cy="369332"/>
+          </a:xfrm>
+          <a:prstGeom prst="rect">
+            <a:avLst/>
+          </a:prstGeom>
+          <a:noFill/>
+        </p:spPr>
+        <p:txBody>
+          <a:bodyPr wrap="square" rtlCol="0">
+            <a:spAutoFit/>
+          </a:bodyPr>
+          <a:lstStyle/>
+          <a:p>
+            <a:pPr algn="ctr"/>
+            <a:r>
+              <a:rPr lang="ko-KR" altLang="en-US" dirty="0" smtClean="0"/>
+              <a:t>로고</a:t>
+            </a:r>
+            <a:endParaRPr lang="ko-KR" altLang="en-US" dirty="0"/>
+          </a:p>
+        </p:txBody>
+      </p:sp>
+      <p:sp>
+        <p:nvSpPr>
+          <p:cNvPr id="76" name="TextBox 75"/>
+          <p:cNvSpPr txBox="1"/>
+          <p:nvPr/>
+        </p:nvSpPr>
+        <p:spPr>
+          <a:xfrm>
+            <a:off x="777269" y="2129221"/>
+            <a:ext cx="7569580" cy="338554"/>
+          </a:xfrm>
+          <a:prstGeom prst="rect">
+            <a:avLst/>
+          </a:prstGeom>
+          <a:noFill/>
+        </p:spPr>
+        <p:txBody>
+          <a:bodyPr wrap="square" rtlCol="0">
+            <a:spAutoFit/>
+          </a:bodyPr>
+          <a:lstStyle/>
+          <a:p>
+            <a:pPr algn="ctr"/>
+            <a:r>
+              <a:rPr lang="ko-KR" altLang="en-US" sz="1600" dirty="0" smtClean="0"/>
+              <a:t>조립컴퓨터               컴퓨터부품               </a:t>
+            </a:r>
+            <a:r>
+              <a:rPr lang="ko-KR" altLang="en-US" sz="1600" dirty="0" smtClean="0"/>
+              <a:t>견적문의</a:t>
+            </a:r>
+            <a:endParaRPr lang="ko-KR" altLang="en-US" sz="1600" dirty="0"/>
           </a:p>
         </p:txBody>
       </p:sp>
@@ -32369,37 +38132,6 @@
       </p:sp>
       <p:sp>
         <p:nvSpPr>
-          <p:cNvPr id="17" name="TextBox 16"/>
-          <p:cNvSpPr txBox="1"/>
-          <p:nvPr/>
-        </p:nvSpPr>
-        <p:spPr>
-          <a:xfrm>
-            <a:off x="777269" y="2129221"/>
-            <a:ext cx="7569580" cy="338554"/>
-          </a:xfrm>
-          <a:prstGeom prst="rect">
-            <a:avLst/>
-          </a:prstGeom>
-          <a:noFill/>
-        </p:spPr>
-        <p:txBody>
-          <a:bodyPr wrap="square" rtlCol="0">
-            <a:spAutoFit/>
-          </a:bodyPr>
-          <a:lstStyle/>
-          <a:p>
-            <a:pPr algn="ctr"/>
-            <a:r>
-              <a:rPr lang="ko-KR" altLang="en-US" sz="1600" dirty="0" smtClean="0"/>
-              <a:t>조립컴퓨터               컴퓨터부품               견적문의              개인사양결제</a:t>
-            </a:r>
-            <a:endParaRPr lang="ko-KR" altLang="en-US" sz="1600" dirty="0"/>
-          </a:p>
-        </p:txBody>
-      </p:sp>
-      <p:sp>
-        <p:nvSpPr>
           <p:cNvPr id="18" name="TextBox 17"/>
           <p:cNvSpPr txBox="1"/>
           <p:nvPr/>
@@ -33339,6 +39071,295 @@
               <a:t>로그인</a:t>
             </a:r>
             <a:endParaRPr lang="ko-KR" altLang="en-US" sz="1000" dirty="0"/>
+          </a:p>
+        </p:txBody>
+      </p:sp>
+      <p:cxnSp>
+        <p:nvCxnSpPr>
+          <p:cNvPr id="41" name="직선 연결선 40"/>
+          <p:cNvCxnSpPr/>
+          <p:nvPr/>
+        </p:nvCxnSpPr>
+        <p:spPr>
+          <a:xfrm>
+            <a:off x="8602764" y="1984861"/>
+            <a:ext cx="2811968" cy="0"/>
+          </a:xfrm>
+          <a:prstGeom prst="line">
+            <a:avLst/>
+          </a:prstGeom>
+          <a:ln>
+            <a:solidFill>
+              <a:schemeClr val="tx1"/>
+            </a:solidFill>
+          </a:ln>
+        </p:spPr>
+        <p:style>
+          <a:lnRef idx="1">
+            <a:schemeClr val="accent1"/>
+          </a:lnRef>
+          <a:fillRef idx="0">
+            <a:schemeClr val="accent1"/>
+          </a:fillRef>
+          <a:effectRef idx="0">
+            <a:schemeClr val="accent1"/>
+          </a:effectRef>
+          <a:fontRef idx="minor">
+            <a:schemeClr val="tx1"/>
+          </a:fontRef>
+        </p:style>
+      </p:cxnSp>
+      <p:sp>
+        <p:nvSpPr>
+          <p:cNvPr id="52" name="TextBox 51"/>
+          <p:cNvSpPr txBox="1"/>
+          <p:nvPr/>
+        </p:nvSpPr>
+        <p:spPr>
+          <a:xfrm>
+            <a:off x="9533116" y="3159991"/>
+            <a:ext cx="922618" cy="523220"/>
+          </a:xfrm>
+          <a:prstGeom prst="rect">
+            <a:avLst/>
+          </a:prstGeom>
+          <a:noFill/>
+        </p:spPr>
+        <p:txBody>
+          <a:bodyPr wrap="square" rtlCol="0">
+            <a:spAutoFit/>
+          </a:bodyPr>
+          <a:lstStyle/>
+          <a:p>
+            <a:r>
+              <a:rPr lang="ko-KR" altLang="en-US" sz="2800" dirty="0" smtClean="0"/>
+              <a:t>로고</a:t>
+            </a:r>
+            <a:endParaRPr lang="ko-KR" altLang="en-US" sz="2800" dirty="0"/>
+          </a:p>
+        </p:txBody>
+      </p:sp>
+      <p:sp>
+        <p:nvSpPr>
+          <p:cNvPr id="53" name="직사각형 52"/>
+          <p:cNvSpPr/>
+          <p:nvPr/>
+        </p:nvSpPr>
+        <p:spPr>
+          <a:xfrm>
+            <a:off x="8799929" y="2798610"/>
+            <a:ext cx="2339546" cy="2022960"/>
+          </a:xfrm>
+          <a:prstGeom prst="rect">
+            <a:avLst/>
+          </a:prstGeom>
+          <a:solidFill>
+            <a:schemeClr val="bg1"/>
+          </a:solidFill>
+          <a:ln>
+            <a:solidFill>
+              <a:schemeClr val="tx1">
+                <a:lumMod val="95000"/>
+                <a:lumOff val="5000"/>
+              </a:schemeClr>
+            </a:solidFill>
+          </a:ln>
+        </p:spPr>
+        <p:style>
+          <a:lnRef idx="2">
+            <a:schemeClr val="accent1">
+              <a:shade val="50000"/>
+            </a:schemeClr>
+          </a:lnRef>
+          <a:fillRef idx="1">
+            <a:schemeClr val="accent1"/>
+          </a:fillRef>
+          <a:effectRef idx="0">
+            <a:schemeClr val="accent1"/>
+          </a:effectRef>
+          <a:fontRef idx="minor">
+            <a:schemeClr val="lt1"/>
+          </a:fontRef>
+        </p:style>
+        <p:txBody>
+          <a:bodyPr rtlCol="0" anchor="ctr"/>
+          <a:lstStyle/>
+          <a:p>
+            <a:pPr algn="ctr"/>
+            <a:endParaRPr lang="ko-KR" altLang="en-US"/>
+          </a:p>
+        </p:txBody>
+      </p:sp>
+      <p:sp>
+        <p:nvSpPr>
+          <p:cNvPr id="54" name="TextBox 53"/>
+          <p:cNvSpPr txBox="1"/>
+          <p:nvPr/>
+        </p:nvSpPr>
+        <p:spPr>
+          <a:xfrm>
+            <a:off x="9096491" y="3014814"/>
+            <a:ext cx="1804087" cy="369332"/>
+          </a:xfrm>
+          <a:prstGeom prst="rect">
+            <a:avLst/>
+          </a:prstGeom>
+          <a:noFill/>
+        </p:spPr>
+        <p:txBody>
+          <a:bodyPr wrap="square" rtlCol="0">
+            <a:spAutoFit/>
+          </a:bodyPr>
+          <a:lstStyle/>
+          <a:p>
+            <a:pPr algn="ctr"/>
+            <a:r>
+              <a:rPr lang="ko-KR" altLang="en-US" dirty="0" smtClean="0"/>
+              <a:t>로고</a:t>
+            </a:r>
+            <a:endParaRPr lang="ko-KR" altLang="en-US" dirty="0"/>
+          </a:p>
+        </p:txBody>
+      </p:sp>
+      <p:sp>
+        <p:nvSpPr>
+          <p:cNvPr id="55" name="TextBox 54"/>
+          <p:cNvSpPr txBox="1"/>
+          <p:nvPr/>
+        </p:nvSpPr>
+        <p:spPr>
+          <a:xfrm>
+            <a:off x="8919385" y="3646875"/>
+            <a:ext cx="2150076" cy="246221"/>
+          </a:xfrm>
+          <a:prstGeom prst="rect">
+            <a:avLst/>
+          </a:prstGeom>
+          <a:noFill/>
+        </p:spPr>
+        <p:txBody>
+          <a:bodyPr wrap="square" rtlCol="0">
+            <a:spAutoFit/>
+          </a:bodyPr>
+          <a:lstStyle/>
+          <a:p>
+            <a:r>
+              <a:rPr lang="ko-KR" altLang="en-US" sz="1000" dirty="0" smtClean="0"/>
+              <a:t>고객님의 아이디는 </a:t>
+            </a:r>
+            <a:r>
+              <a:rPr lang="en-US" altLang="ko-KR" sz="1000" dirty="0" smtClean="0"/>
+              <a:t>[     ] </a:t>
+            </a:r>
+            <a:r>
+              <a:rPr lang="ko-KR" altLang="en-US" sz="1000" dirty="0" smtClean="0"/>
+              <a:t>입니다</a:t>
+            </a:r>
+            <a:endParaRPr lang="ko-KR" altLang="en-US" sz="1000" dirty="0"/>
+          </a:p>
+        </p:txBody>
+      </p:sp>
+      <p:sp>
+        <p:nvSpPr>
+          <p:cNvPr id="56" name="직사각형 55"/>
+          <p:cNvSpPr/>
+          <p:nvPr/>
+        </p:nvSpPr>
+        <p:spPr>
+          <a:xfrm>
+            <a:off x="9024767" y="4287632"/>
+            <a:ext cx="1875811" cy="378940"/>
+          </a:xfrm>
+          <a:prstGeom prst="rect">
+            <a:avLst/>
+          </a:prstGeom>
+          <a:solidFill>
+            <a:schemeClr val="bg1"/>
+          </a:solidFill>
+          <a:ln>
+            <a:solidFill>
+              <a:schemeClr val="tx1">
+                <a:lumMod val="95000"/>
+                <a:lumOff val="5000"/>
+              </a:schemeClr>
+            </a:solidFill>
+          </a:ln>
+        </p:spPr>
+        <p:style>
+          <a:lnRef idx="2">
+            <a:schemeClr val="accent1">
+              <a:shade val="50000"/>
+            </a:schemeClr>
+          </a:lnRef>
+          <a:fillRef idx="1">
+            <a:schemeClr val="accent1"/>
+          </a:fillRef>
+          <a:effectRef idx="0">
+            <a:schemeClr val="accent1"/>
+          </a:effectRef>
+          <a:fontRef idx="minor">
+            <a:schemeClr val="lt1"/>
+          </a:fontRef>
+        </p:style>
+        <p:txBody>
+          <a:bodyPr rtlCol="0" anchor="ctr"/>
+          <a:lstStyle/>
+          <a:p>
+            <a:pPr algn="ctr"/>
+            <a:r>
+              <a:rPr lang="ko-KR" altLang="en-US" dirty="0" smtClean="0">
+                <a:solidFill>
+                  <a:schemeClr val="tx1">
+                    <a:lumMod val="95000"/>
+                    <a:lumOff val="5000"/>
+                  </a:schemeClr>
+                </a:solidFill>
+              </a:rPr>
+              <a:t>확인</a:t>
+            </a:r>
+            <a:endParaRPr lang="ko-KR" altLang="en-US" dirty="0">
+              <a:solidFill>
+                <a:schemeClr val="tx1">
+                  <a:lumMod val="95000"/>
+                  <a:lumOff val="5000"/>
+                </a:schemeClr>
+              </a:solidFill>
+            </a:endParaRPr>
+          </a:p>
+        </p:txBody>
+      </p:sp>
+      <p:sp>
+        <p:nvSpPr>
+          <p:cNvPr id="57" name="TextBox 56"/>
+          <p:cNvSpPr txBox="1"/>
+          <p:nvPr/>
+        </p:nvSpPr>
+        <p:spPr>
+          <a:xfrm>
+            <a:off x="777269" y="2129221"/>
+            <a:ext cx="7569580" cy="338554"/>
+          </a:xfrm>
+          <a:prstGeom prst="rect">
+            <a:avLst/>
+          </a:prstGeom>
+          <a:noFill/>
+        </p:spPr>
+        <p:txBody>
+          <a:bodyPr wrap="square" rtlCol="0">
+            <a:spAutoFit/>
+          </a:bodyPr>
+          <a:lstStyle/>
+          <a:p>
+            <a:pPr algn="ctr"/>
+            <a:r>
+              <a:rPr lang="ko-KR" altLang="en-US" sz="1600" dirty="0" smtClean="0"/>
+              <a:t>조립컴퓨터               컴퓨터부품               </a:t>
+            </a:r>
+            <a:r>
+              <a:rPr lang="ko-KR" altLang="en-US" sz="1600" dirty="0" smtClean="0"/>
+              <a:t>견적문의</a:t>
+            </a:r>
+            <a:endParaRPr lang="ko-KR" altLang="en-US" sz="1600" dirty="0"/>
           </a:p>
         </p:txBody>
       </p:sp>
@@ -34126,37 +40147,6 @@
       </p:sp>
       <p:sp>
         <p:nvSpPr>
-          <p:cNvPr id="17" name="TextBox 16"/>
-          <p:cNvSpPr txBox="1"/>
-          <p:nvPr/>
-        </p:nvSpPr>
-        <p:spPr>
-          <a:xfrm>
-            <a:off x="777269" y="2129221"/>
-            <a:ext cx="7569580" cy="338554"/>
-          </a:xfrm>
-          <a:prstGeom prst="rect">
-            <a:avLst/>
-          </a:prstGeom>
-          <a:noFill/>
-        </p:spPr>
-        <p:txBody>
-          <a:bodyPr wrap="square" rtlCol="0">
-            <a:spAutoFit/>
-          </a:bodyPr>
-          <a:lstStyle/>
-          <a:p>
-            <a:pPr algn="ctr"/>
-            <a:r>
-              <a:rPr lang="ko-KR" altLang="en-US" sz="1600" dirty="0" smtClean="0"/>
-              <a:t>조립컴퓨터               컴퓨터부품               견적문의              개인사양결제</a:t>
-            </a:r>
-            <a:endParaRPr lang="ko-KR" altLang="en-US" sz="1600" dirty="0"/>
-          </a:p>
-        </p:txBody>
-      </p:sp>
-      <p:sp>
-        <p:nvSpPr>
           <p:cNvPr id="18" name="TextBox 17"/>
           <p:cNvSpPr txBox="1"/>
           <p:nvPr/>
@@ -35223,6 +41213,422 @@
               <a:t>로그인</a:t>
             </a:r>
             <a:endParaRPr lang="ko-KR" altLang="en-US" sz="1000" dirty="0"/>
+          </a:p>
+        </p:txBody>
+      </p:sp>
+      <p:cxnSp>
+        <p:nvCxnSpPr>
+          <p:cNvPr id="43" name="직선 연결선 42"/>
+          <p:cNvCxnSpPr/>
+          <p:nvPr/>
+        </p:nvCxnSpPr>
+        <p:spPr>
+          <a:xfrm>
+            <a:off x="8602764" y="1984861"/>
+            <a:ext cx="2811968" cy="0"/>
+          </a:xfrm>
+          <a:prstGeom prst="line">
+            <a:avLst/>
+          </a:prstGeom>
+          <a:ln>
+            <a:solidFill>
+              <a:schemeClr val="tx1"/>
+            </a:solidFill>
+          </a:ln>
+        </p:spPr>
+        <p:style>
+          <a:lnRef idx="1">
+            <a:schemeClr val="accent1"/>
+          </a:lnRef>
+          <a:fillRef idx="0">
+            <a:schemeClr val="accent1"/>
+          </a:fillRef>
+          <a:effectRef idx="0">
+            <a:schemeClr val="accent1"/>
+          </a:effectRef>
+          <a:fontRef idx="minor">
+            <a:schemeClr val="tx1"/>
+          </a:fontRef>
+        </p:style>
+      </p:cxnSp>
+      <p:sp>
+        <p:nvSpPr>
+          <p:cNvPr id="49" name="TextBox 48"/>
+          <p:cNvSpPr txBox="1"/>
+          <p:nvPr/>
+        </p:nvSpPr>
+        <p:spPr>
+          <a:xfrm>
+            <a:off x="9564151" y="2891981"/>
+            <a:ext cx="922618" cy="523220"/>
+          </a:xfrm>
+          <a:prstGeom prst="rect">
+            <a:avLst/>
+          </a:prstGeom>
+          <a:noFill/>
+        </p:spPr>
+        <p:txBody>
+          <a:bodyPr wrap="square" rtlCol="0">
+            <a:spAutoFit/>
+          </a:bodyPr>
+          <a:lstStyle/>
+          <a:p>
+            <a:r>
+              <a:rPr lang="ko-KR" altLang="en-US" sz="2800" dirty="0" smtClean="0"/>
+              <a:t>로고</a:t>
+            </a:r>
+            <a:endParaRPr lang="ko-KR" altLang="en-US" sz="2800" dirty="0"/>
+          </a:p>
+        </p:txBody>
+      </p:sp>
+      <p:sp>
+        <p:nvSpPr>
+          <p:cNvPr id="50" name="직사각형 49"/>
+          <p:cNvSpPr/>
+          <p:nvPr/>
+        </p:nvSpPr>
+        <p:spPr>
+          <a:xfrm>
+            <a:off x="8830964" y="2296629"/>
+            <a:ext cx="2339546" cy="3138381"/>
+          </a:xfrm>
+          <a:prstGeom prst="rect">
+            <a:avLst/>
+          </a:prstGeom>
+          <a:solidFill>
+            <a:schemeClr val="bg1"/>
+          </a:solidFill>
+          <a:ln>
+            <a:solidFill>
+              <a:schemeClr val="tx1">
+                <a:lumMod val="95000"/>
+                <a:lumOff val="5000"/>
+              </a:schemeClr>
+            </a:solidFill>
+          </a:ln>
+        </p:spPr>
+        <p:style>
+          <a:lnRef idx="2">
+            <a:schemeClr val="accent1">
+              <a:shade val="50000"/>
+            </a:schemeClr>
+          </a:lnRef>
+          <a:fillRef idx="1">
+            <a:schemeClr val="accent1"/>
+          </a:fillRef>
+          <a:effectRef idx="0">
+            <a:schemeClr val="accent1"/>
+          </a:effectRef>
+          <a:fontRef idx="minor">
+            <a:schemeClr val="lt1"/>
+          </a:fontRef>
+        </p:style>
+        <p:txBody>
+          <a:bodyPr rtlCol="0" anchor="ctr"/>
+          <a:lstStyle/>
+          <a:p>
+            <a:pPr algn="ctr"/>
+            <a:endParaRPr lang="ko-KR" altLang="en-US"/>
+          </a:p>
+        </p:txBody>
+      </p:sp>
+      <p:sp>
+        <p:nvSpPr>
+          <p:cNvPr id="51" name="직사각형 50"/>
+          <p:cNvSpPr/>
+          <p:nvPr/>
+        </p:nvSpPr>
+        <p:spPr>
+          <a:xfrm>
+            <a:off x="8896867" y="3688592"/>
+            <a:ext cx="2215978" cy="378940"/>
+          </a:xfrm>
+          <a:prstGeom prst="rect">
+            <a:avLst/>
+          </a:prstGeom>
+          <a:solidFill>
+            <a:schemeClr val="bg1"/>
+          </a:solidFill>
+          <a:ln>
+            <a:solidFill>
+              <a:schemeClr val="tx1">
+                <a:lumMod val="95000"/>
+                <a:lumOff val="5000"/>
+              </a:schemeClr>
+            </a:solidFill>
+          </a:ln>
+        </p:spPr>
+        <p:style>
+          <a:lnRef idx="2">
+            <a:schemeClr val="accent1">
+              <a:shade val="50000"/>
+            </a:schemeClr>
+          </a:lnRef>
+          <a:fillRef idx="1">
+            <a:schemeClr val="accent1"/>
+          </a:fillRef>
+          <a:effectRef idx="0">
+            <a:schemeClr val="accent1"/>
+          </a:effectRef>
+          <a:fontRef idx="minor">
+            <a:schemeClr val="lt1"/>
+          </a:fontRef>
+        </p:style>
+        <p:txBody>
+          <a:bodyPr rtlCol="0" anchor="ctr"/>
+          <a:lstStyle/>
+          <a:p>
+            <a:pPr algn="ctr"/>
+            <a:r>
+              <a:rPr lang="ko-KR" altLang="en-US" dirty="0" smtClean="0">
+                <a:solidFill>
+                  <a:schemeClr val="bg1">
+                    <a:lumMod val="75000"/>
+                  </a:schemeClr>
+                </a:solidFill>
+              </a:rPr>
+              <a:t>아이디</a:t>
+            </a:r>
+            <a:endParaRPr lang="ko-KR" altLang="en-US" dirty="0">
+              <a:solidFill>
+                <a:schemeClr val="bg1">
+                  <a:lumMod val="75000"/>
+                </a:schemeClr>
+              </a:solidFill>
+            </a:endParaRPr>
+          </a:p>
+        </p:txBody>
+      </p:sp>
+      <p:sp>
+        <p:nvSpPr>
+          <p:cNvPr id="52" name="직사각형 51"/>
+          <p:cNvSpPr/>
+          <p:nvPr/>
+        </p:nvSpPr>
+        <p:spPr>
+          <a:xfrm>
+            <a:off x="8896867" y="4175719"/>
+            <a:ext cx="2215978" cy="378940"/>
+          </a:xfrm>
+          <a:prstGeom prst="rect">
+            <a:avLst/>
+          </a:prstGeom>
+          <a:solidFill>
+            <a:schemeClr val="bg1"/>
+          </a:solidFill>
+          <a:ln>
+            <a:solidFill>
+              <a:schemeClr val="tx1">
+                <a:lumMod val="95000"/>
+                <a:lumOff val="5000"/>
+              </a:schemeClr>
+            </a:solidFill>
+          </a:ln>
+        </p:spPr>
+        <p:style>
+          <a:lnRef idx="2">
+            <a:schemeClr val="accent1">
+              <a:shade val="50000"/>
+            </a:schemeClr>
+          </a:lnRef>
+          <a:fillRef idx="1">
+            <a:schemeClr val="accent1"/>
+          </a:fillRef>
+          <a:effectRef idx="0">
+            <a:schemeClr val="accent1"/>
+          </a:effectRef>
+          <a:fontRef idx="minor">
+            <a:schemeClr val="lt1"/>
+          </a:fontRef>
+        </p:style>
+        <p:txBody>
+          <a:bodyPr rtlCol="0" anchor="ctr"/>
+          <a:lstStyle/>
+          <a:p>
+            <a:pPr algn="ctr"/>
+            <a:r>
+              <a:rPr lang="ko-KR" altLang="en-US" dirty="0" err="1" smtClean="0">
+                <a:solidFill>
+                  <a:schemeClr val="bg1">
+                    <a:lumMod val="75000"/>
+                  </a:schemeClr>
+                </a:solidFill>
+              </a:rPr>
+              <a:t>이메일</a:t>
+            </a:r>
+            <a:endParaRPr lang="ko-KR" altLang="en-US" dirty="0">
+              <a:solidFill>
+                <a:schemeClr val="bg1">
+                  <a:lumMod val="75000"/>
+                </a:schemeClr>
+              </a:solidFill>
+            </a:endParaRPr>
+          </a:p>
+        </p:txBody>
+      </p:sp>
+      <p:sp>
+        <p:nvSpPr>
+          <p:cNvPr id="53" name="TextBox 52"/>
+          <p:cNvSpPr txBox="1"/>
+          <p:nvPr/>
+        </p:nvSpPr>
+        <p:spPr>
+          <a:xfrm>
+            <a:off x="9119288" y="3169607"/>
+            <a:ext cx="1804087" cy="369332"/>
+          </a:xfrm>
+          <a:prstGeom prst="rect">
+            <a:avLst/>
+          </a:prstGeom>
+          <a:noFill/>
+        </p:spPr>
+        <p:txBody>
+          <a:bodyPr wrap="square" rtlCol="0">
+            <a:spAutoFit/>
+          </a:bodyPr>
+          <a:lstStyle/>
+          <a:p>
+            <a:pPr algn="ctr"/>
+            <a:r>
+              <a:rPr lang="ko-KR" altLang="en-US" dirty="0" smtClean="0"/>
+              <a:t>비밀번호 찾기</a:t>
+            </a:r>
+            <a:endParaRPr lang="ko-KR" altLang="en-US" dirty="0"/>
+          </a:p>
+        </p:txBody>
+      </p:sp>
+      <p:sp>
+        <p:nvSpPr>
+          <p:cNvPr id="54" name="직사각형 53"/>
+          <p:cNvSpPr/>
+          <p:nvPr/>
+        </p:nvSpPr>
+        <p:spPr>
+          <a:xfrm>
+            <a:off x="9047564" y="4928921"/>
+            <a:ext cx="1875811" cy="378940"/>
+          </a:xfrm>
+          <a:prstGeom prst="rect">
+            <a:avLst/>
+          </a:prstGeom>
+          <a:solidFill>
+            <a:schemeClr val="bg1"/>
+          </a:solidFill>
+          <a:ln>
+            <a:solidFill>
+              <a:schemeClr val="tx1">
+                <a:lumMod val="95000"/>
+                <a:lumOff val="5000"/>
+              </a:schemeClr>
+            </a:solidFill>
+          </a:ln>
+        </p:spPr>
+        <p:style>
+          <a:lnRef idx="2">
+            <a:schemeClr val="accent1">
+              <a:shade val="50000"/>
+            </a:schemeClr>
+          </a:lnRef>
+          <a:fillRef idx="1">
+            <a:schemeClr val="accent1"/>
+          </a:fillRef>
+          <a:effectRef idx="0">
+            <a:schemeClr val="accent1"/>
+          </a:effectRef>
+          <a:fontRef idx="minor">
+            <a:schemeClr val="lt1"/>
+          </a:fontRef>
+        </p:style>
+        <p:txBody>
+          <a:bodyPr rtlCol="0" anchor="ctr"/>
+          <a:lstStyle/>
+          <a:p>
+            <a:pPr algn="ctr"/>
+            <a:r>
+              <a:rPr lang="ko-KR" altLang="en-US" dirty="0" smtClean="0">
+                <a:solidFill>
+                  <a:schemeClr val="tx1">
+                    <a:lumMod val="95000"/>
+                    <a:lumOff val="5000"/>
+                  </a:schemeClr>
+                </a:solidFill>
+              </a:rPr>
+              <a:t>확인</a:t>
+            </a:r>
+            <a:endParaRPr lang="ko-KR" altLang="en-US" dirty="0">
+              <a:solidFill>
+                <a:schemeClr val="tx1">
+                  <a:lumMod val="95000"/>
+                  <a:lumOff val="5000"/>
+                </a:schemeClr>
+              </a:solidFill>
+            </a:endParaRPr>
+          </a:p>
+        </p:txBody>
+      </p:sp>
+      <p:sp>
+        <p:nvSpPr>
+          <p:cNvPr id="55" name="TextBox 54"/>
+          <p:cNvSpPr txBox="1"/>
+          <p:nvPr/>
+        </p:nvSpPr>
+        <p:spPr>
+          <a:xfrm>
+            <a:off x="9127526" y="2516140"/>
+            <a:ext cx="1804087" cy="369332"/>
+          </a:xfrm>
+          <a:prstGeom prst="rect">
+            <a:avLst/>
+          </a:prstGeom>
+          <a:noFill/>
+        </p:spPr>
+        <p:txBody>
+          <a:bodyPr wrap="square" rtlCol="0">
+            <a:spAutoFit/>
+          </a:bodyPr>
+          <a:lstStyle/>
+          <a:p>
+            <a:pPr algn="ctr"/>
+            <a:r>
+              <a:rPr lang="ko-KR" altLang="en-US" dirty="0" smtClean="0"/>
+              <a:t>로고</a:t>
+            </a:r>
+            <a:endParaRPr lang="ko-KR" altLang="en-US" dirty="0"/>
+          </a:p>
+        </p:txBody>
+      </p:sp>
+      <p:sp>
+        <p:nvSpPr>
+          <p:cNvPr id="56" name="TextBox 55"/>
+          <p:cNvSpPr txBox="1"/>
+          <p:nvPr/>
+        </p:nvSpPr>
+        <p:spPr>
+          <a:xfrm>
+            <a:off x="777269" y="2129221"/>
+            <a:ext cx="7569580" cy="338554"/>
+          </a:xfrm>
+          <a:prstGeom prst="rect">
+            <a:avLst/>
+          </a:prstGeom>
+          <a:noFill/>
+        </p:spPr>
+        <p:txBody>
+          <a:bodyPr wrap="square" rtlCol="0">
+            <a:spAutoFit/>
+          </a:bodyPr>
+          <a:lstStyle/>
+          <a:p>
+            <a:pPr algn="ctr"/>
+            <a:r>
+              <a:rPr lang="ko-KR" altLang="en-US" sz="1600" dirty="0" smtClean="0"/>
+              <a:t>조립컴퓨터               컴퓨터부품               </a:t>
+            </a:r>
+            <a:r>
+              <a:rPr lang="ko-KR" altLang="en-US" sz="1600" dirty="0" smtClean="0"/>
+              <a:t>견적문의</a:t>
+            </a:r>
+            <a:endParaRPr lang="ko-KR" altLang="en-US" sz="1600" dirty="0"/>
           </a:p>
         </p:txBody>
       </p:sp>
@@ -36010,37 +42416,6 @@
       </p:sp>
       <p:sp>
         <p:nvSpPr>
-          <p:cNvPr id="17" name="TextBox 16"/>
-          <p:cNvSpPr txBox="1"/>
-          <p:nvPr/>
-        </p:nvSpPr>
-        <p:spPr>
-          <a:xfrm>
-            <a:off x="777269" y="2129221"/>
-            <a:ext cx="7569580" cy="338554"/>
-          </a:xfrm>
-          <a:prstGeom prst="rect">
-            <a:avLst/>
-          </a:prstGeom>
-          <a:noFill/>
-        </p:spPr>
-        <p:txBody>
-          <a:bodyPr wrap="square" rtlCol="0">
-            <a:spAutoFit/>
-          </a:bodyPr>
-          <a:lstStyle/>
-          <a:p>
-            <a:pPr algn="ctr"/>
-            <a:r>
-              <a:rPr lang="ko-KR" altLang="en-US" sz="1600" dirty="0" smtClean="0"/>
-              <a:t>조립컴퓨터               컴퓨터부품               견적문의              개인사양결제</a:t>
-            </a:r>
-            <a:endParaRPr lang="ko-KR" altLang="en-US" sz="1600" dirty="0"/>
-          </a:p>
-        </p:txBody>
-      </p:sp>
-      <p:sp>
-        <p:nvSpPr>
           <p:cNvPr id="18" name="TextBox 17"/>
           <p:cNvSpPr txBox="1"/>
           <p:nvPr/>
@@ -37070,6 +43445,385 @@
               <a:t>로그인</a:t>
             </a:r>
             <a:endParaRPr lang="ko-KR" altLang="en-US" sz="1000" dirty="0"/>
+          </a:p>
+        </p:txBody>
+      </p:sp>
+      <p:sp>
+        <p:nvSpPr>
+          <p:cNvPr id="49" name="TextBox 48"/>
+          <p:cNvSpPr txBox="1"/>
+          <p:nvPr/>
+        </p:nvSpPr>
+        <p:spPr>
+          <a:xfrm>
+            <a:off x="9587407" y="3054058"/>
+            <a:ext cx="922618" cy="523220"/>
+          </a:xfrm>
+          <a:prstGeom prst="rect">
+            <a:avLst/>
+          </a:prstGeom>
+          <a:noFill/>
+        </p:spPr>
+        <p:txBody>
+          <a:bodyPr wrap="square" rtlCol="0">
+            <a:spAutoFit/>
+          </a:bodyPr>
+          <a:lstStyle/>
+          <a:p>
+            <a:r>
+              <a:rPr lang="ko-KR" altLang="en-US" sz="2800" dirty="0" smtClean="0"/>
+              <a:t>로고</a:t>
+            </a:r>
+            <a:endParaRPr lang="ko-KR" altLang="en-US" sz="2800" dirty="0"/>
+          </a:p>
+        </p:txBody>
+      </p:sp>
+      <p:sp>
+        <p:nvSpPr>
+          <p:cNvPr id="50" name="직사각형 49"/>
+          <p:cNvSpPr/>
+          <p:nvPr/>
+        </p:nvSpPr>
+        <p:spPr>
+          <a:xfrm>
+            <a:off x="8854220" y="2692677"/>
+            <a:ext cx="2339546" cy="2022960"/>
+          </a:xfrm>
+          <a:prstGeom prst="rect">
+            <a:avLst/>
+          </a:prstGeom>
+          <a:solidFill>
+            <a:schemeClr val="bg1"/>
+          </a:solidFill>
+          <a:ln>
+            <a:solidFill>
+              <a:schemeClr val="tx1">
+                <a:lumMod val="95000"/>
+                <a:lumOff val="5000"/>
+              </a:schemeClr>
+            </a:solidFill>
+          </a:ln>
+        </p:spPr>
+        <p:style>
+          <a:lnRef idx="2">
+            <a:schemeClr val="accent1">
+              <a:shade val="50000"/>
+            </a:schemeClr>
+          </a:lnRef>
+          <a:fillRef idx="1">
+            <a:schemeClr val="accent1"/>
+          </a:fillRef>
+          <a:effectRef idx="0">
+            <a:schemeClr val="accent1"/>
+          </a:effectRef>
+          <a:fontRef idx="minor">
+            <a:schemeClr val="lt1"/>
+          </a:fontRef>
+        </p:style>
+        <p:txBody>
+          <a:bodyPr rtlCol="0" anchor="ctr"/>
+          <a:lstStyle/>
+          <a:p>
+            <a:pPr algn="ctr"/>
+            <a:endParaRPr lang="ko-KR" altLang="en-US"/>
+          </a:p>
+        </p:txBody>
+      </p:sp>
+      <p:sp>
+        <p:nvSpPr>
+          <p:cNvPr id="51" name="TextBox 50"/>
+          <p:cNvSpPr txBox="1"/>
+          <p:nvPr/>
+        </p:nvSpPr>
+        <p:spPr>
+          <a:xfrm>
+            <a:off x="9150782" y="2908881"/>
+            <a:ext cx="1804087" cy="369332"/>
+          </a:xfrm>
+          <a:prstGeom prst="rect">
+            <a:avLst/>
+          </a:prstGeom>
+          <a:noFill/>
+        </p:spPr>
+        <p:txBody>
+          <a:bodyPr wrap="square" rtlCol="0">
+            <a:spAutoFit/>
+          </a:bodyPr>
+          <a:lstStyle/>
+          <a:p>
+            <a:pPr algn="ctr"/>
+            <a:r>
+              <a:rPr lang="ko-KR" altLang="en-US" dirty="0" smtClean="0"/>
+              <a:t>로고</a:t>
+            </a:r>
+            <a:endParaRPr lang="ko-KR" altLang="en-US" dirty="0"/>
+          </a:p>
+        </p:txBody>
+      </p:sp>
+      <p:sp>
+        <p:nvSpPr>
+          <p:cNvPr id="52" name="직사각형 51"/>
+          <p:cNvSpPr/>
+          <p:nvPr/>
+        </p:nvSpPr>
+        <p:spPr>
+          <a:xfrm>
+            <a:off x="8944836" y="3278213"/>
+            <a:ext cx="2133600" cy="358267"/>
+          </a:xfrm>
+          <a:prstGeom prst="rect">
+            <a:avLst/>
+          </a:prstGeom>
+          <a:solidFill>
+            <a:schemeClr val="bg1"/>
+          </a:solidFill>
+          <a:ln>
+            <a:solidFill>
+              <a:schemeClr val="tx1"/>
+            </a:solidFill>
+          </a:ln>
+        </p:spPr>
+        <p:style>
+          <a:lnRef idx="2">
+            <a:schemeClr val="accent1">
+              <a:shade val="50000"/>
+            </a:schemeClr>
+          </a:lnRef>
+          <a:fillRef idx="1">
+            <a:schemeClr val="accent1"/>
+          </a:fillRef>
+          <a:effectRef idx="0">
+            <a:schemeClr val="accent1"/>
+          </a:effectRef>
+          <a:fontRef idx="minor">
+            <a:schemeClr val="lt1"/>
+          </a:fontRef>
+        </p:style>
+        <p:txBody>
+          <a:bodyPr rtlCol="0" anchor="ctr"/>
+          <a:lstStyle/>
+          <a:p>
+            <a:pPr algn="ctr"/>
+            <a:r>
+              <a:rPr lang="ko-KR" altLang="en-US" dirty="0" smtClean="0">
+                <a:solidFill>
+                  <a:schemeClr val="bg1">
+                    <a:lumMod val="75000"/>
+                  </a:schemeClr>
+                </a:solidFill>
+              </a:rPr>
+              <a:t>새로운 비밀번호</a:t>
+            </a:r>
+            <a:endParaRPr lang="ko-KR" altLang="en-US" dirty="0">
+              <a:solidFill>
+                <a:schemeClr val="bg1">
+                  <a:lumMod val="75000"/>
+                </a:schemeClr>
+              </a:solidFill>
+            </a:endParaRPr>
+          </a:p>
+        </p:txBody>
+      </p:sp>
+      <p:sp>
+        <p:nvSpPr>
+          <p:cNvPr id="53" name="직사각형 52"/>
+          <p:cNvSpPr/>
+          <p:nvPr/>
+        </p:nvSpPr>
+        <p:spPr>
+          <a:xfrm>
+            <a:off x="8944836" y="3698343"/>
+            <a:ext cx="2133600" cy="358267"/>
+          </a:xfrm>
+          <a:prstGeom prst="rect">
+            <a:avLst/>
+          </a:prstGeom>
+          <a:solidFill>
+            <a:schemeClr val="bg1"/>
+          </a:solidFill>
+          <a:ln>
+            <a:solidFill>
+              <a:schemeClr val="tx1"/>
+            </a:solidFill>
+          </a:ln>
+        </p:spPr>
+        <p:style>
+          <a:lnRef idx="2">
+            <a:schemeClr val="accent1">
+              <a:shade val="50000"/>
+            </a:schemeClr>
+          </a:lnRef>
+          <a:fillRef idx="1">
+            <a:schemeClr val="accent1"/>
+          </a:fillRef>
+          <a:effectRef idx="0">
+            <a:schemeClr val="accent1"/>
+          </a:effectRef>
+          <a:fontRef idx="minor">
+            <a:schemeClr val="lt1"/>
+          </a:fontRef>
+        </p:style>
+        <p:txBody>
+          <a:bodyPr rtlCol="0" anchor="ctr"/>
+          <a:lstStyle/>
+          <a:p>
+            <a:pPr algn="ctr"/>
+            <a:r>
+              <a:rPr lang="ko-KR" altLang="en-US" dirty="0" smtClean="0">
+                <a:solidFill>
+                  <a:schemeClr val="bg1">
+                    <a:lumMod val="75000"/>
+                  </a:schemeClr>
+                </a:solidFill>
+              </a:rPr>
+              <a:t>비밀번호 확인</a:t>
+            </a:r>
+            <a:endParaRPr lang="ko-KR" altLang="en-US" dirty="0">
+              <a:solidFill>
+                <a:schemeClr val="bg1">
+                  <a:lumMod val="75000"/>
+                </a:schemeClr>
+              </a:solidFill>
+            </a:endParaRPr>
+          </a:p>
+        </p:txBody>
+      </p:sp>
+      <p:sp>
+        <p:nvSpPr>
+          <p:cNvPr id="54" name="직사각형 53"/>
+          <p:cNvSpPr/>
+          <p:nvPr/>
+        </p:nvSpPr>
+        <p:spPr>
+          <a:xfrm>
+            <a:off x="9079058" y="4181699"/>
+            <a:ext cx="1875811" cy="378940"/>
+          </a:xfrm>
+          <a:prstGeom prst="rect">
+            <a:avLst/>
+          </a:prstGeom>
+          <a:solidFill>
+            <a:schemeClr val="bg1"/>
+          </a:solidFill>
+          <a:ln>
+            <a:solidFill>
+              <a:schemeClr val="tx1">
+                <a:lumMod val="95000"/>
+                <a:lumOff val="5000"/>
+              </a:schemeClr>
+            </a:solidFill>
+          </a:ln>
+        </p:spPr>
+        <p:style>
+          <a:lnRef idx="2">
+            <a:schemeClr val="accent1">
+              <a:shade val="50000"/>
+            </a:schemeClr>
+          </a:lnRef>
+          <a:fillRef idx="1">
+            <a:schemeClr val="accent1"/>
+          </a:fillRef>
+          <a:effectRef idx="0">
+            <a:schemeClr val="accent1"/>
+          </a:effectRef>
+          <a:fontRef idx="minor">
+            <a:schemeClr val="lt1"/>
+          </a:fontRef>
+        </p:style>
+        <p:txBody>
+          <a:bodyPr rtlCol="0" anchor="ctr"/>
+          <a:lstStyle/>
+          <a:p>
+            <a:pPr algn="ctr"/>
+            <a:r>
+              <a:rPr lang="ko-KR" altLang="en-US" dirty="0" smtClean="0">
+                <a:solidFill>
+                  <a:schemeClr val="tx1">
+                    <a:lumMod val="95000"/>
+                    <a:lumOff val="5000"/>
+                  </a:schemeClr>
+                </a:solidFill>
+              </a:rPr>
+              <a:t>확인</a:t>
+            </a:r>
+            <a:endParaRPr lang="ko-KR" altLang="en-US" dirty="0">
+              <a:solidFill>
+                <a:schemeClr val="tx1">
+                  <a:lumMod val="95000"/>
+                  <a:lumOff val="5000"/>
+                </a:schemeClr>
+              </a:solidFill>
+            </a:endParaRPr>
+          </a:p>
+        </p:txBody>
+      </p:sp>
+      <p:cxnSp>
+        <p:nvCxnSpPr>
+          <p:cNvPr id="55" name="직선 연결선 54"/>
+          <p:cNvCxnSpPr/>
+          <p:nvPr/>
+        </p:nvCxnSpPr>
+        <p:spPr>
+          <a:xfrm>
+            <a:off x="8602764" y="1984861"/>
+            <a:ext cx="2811968" cy="0"/>
+          </a:xfrm>
+          <a:prstGeom prst="line">
+            <a:avLst/>
+          </a:prstGeom>
+          <a:ln>
+            <a:solidFill>
+              <a:schemeClr val="tx1"/>
+            </a:solidFill>
+          </a:ln>
+        </p:spPr>
+        <p:style>
+          <a:lnRef idx="1">
+            <a:schemeClr val="accent1"/>
+          </a:lnRef>
+          <a:fillRef idx="0">
+            <a:schemeClr val="accent1"/>
+          </a:fillRef>
+          <a:effectRef idx="0">
+            <a:schemeClr val="accent1"/>
+          </a:effectRef>
+          <a:fontRef idx="minor">
+            <a:schemeClr val="tx1"/>
+          </a:fontRef>
+        </p:style>
+      </p:cxnSp>
+      <p:sp>
+        <p:nvSpPr>
+          <p:cNvPr id="56" name="TextBox 55"/>
+          <p:cNvSpPr txBox="1"/>
+          <p:nvPr/>
+        </p:nvSpPr>
+        <p:spPr>
+          <a:xfrm>
+            <a:off x="777269" y="2129221"/>
+            <a:ext cx="7569580" cy="338554"/>
+          </a:xfrm>
+          <a:prstGeom prst="rect">
+            <a:avLst/>
+          </a:prstGeom>
+          <a:noFill/>
+        </p:spPr>
+        <p:txBody>
+          <a:bodyPr wrap="square" rtlCol="0">
+            <a:spAutoFit/>
+          </a:bodyPr>
+          <a:lstStyle/>
+          <a:p>
+            <a:pPr algn="ctr"/>
+            <a:r>
+              <a:rPr lang="ko-KR" altLang="en-US" sz="1600" dirty="0" smtClean="0"/>
+              <a:t>조립컴퓨터               컴퓨터부품               </a:t>
+            </a:r>
+            <a:r>
+              <a:rPr lang="ko-KR" altLang="en-US" sz="1600" dirty="0" smtClean="0"/>
+              <a:t>견적문의</a:t>
+            </a:r>
+            <a:endParaRPr lang="ko-KR" altLang="en-US" sz="1600" dirty="0"/>
           </a:p>
         </p:txBody>
       </p:sp>
@@ -37857,37 +44611,6 @@
       </p:sp>
       <p:sp>
         <p:nvSpPr>
-          <p:cNvPr id="17" name="TextBox 16"/>
-          <p:cNvSpPr txBox="1"/>
-          <p:nvPr/>
-        </p:nvSpPr>
-        <p:spPr>
-          <a:xfrm>
-            <a:off x="777269" y="2129221"/>
-            <a:ext cx="7569580" cy="338554"/>
-          </a:xfrm>
-          <a:prstGeom prst="rect">
-            <a:avLst/>
-          </a:prstGeom>
-          <a:noFill/>
-        </p:spPr>
-        <p:txBody>
-          <a:bodyPr wrap="square" rtlCol="0">
-            <a:spAutoFit/>
-          </a:bodyPr>
-          <a:lstStyle/>
-          <a:p>
-            <a:pPr algn="ctr"/>
-            <a:r>
-              <a:rPr lang="ko-KR" altLang="en-US" sz="1600" dirty="0" smtClean="0"/>
-              <a:t>조립컴퓨터               컴퓨터부품               견적문의              개인사양결제</a:t>
-            </a:r>
-            <a:endParaRPr lang="ko-KR" altLang="en-US" sz="1600" dirty="0"/>
-          </a:p>
-        </p:txBody>
-      </p:sp>
-      <p:sp>
-        <p:nvSpPr>
           <p:cNvPr id="18" name="TextBox 17"/>
           <p:cNvSpPr txBox="1"/>
           <p:nvPr/>
@@ -39094,6 +45817,747 @@
               <a:t>로그인</a:t>
             </a:r>
             <a:endParaRPr lang="ko-KR" altLang="en-US" sz="1000" dirty="0"/>
+          </a:p>
+        </p:txBody>
+      </p:sp>
+      <p:cxnSp>
+        <p:nvCxnSpPr>
+          <p:cNvPr id="43" name="직선 연결선 42"/>
+          <p:cNvCxnSpPr/>
+          <p:nvPr/>
+        </p:nvCxnSpPr>
+        <p:spPr>
+          <a:xfrm>
+            <a:off x="8602764" y="1984861"/>
+            <a:ext cx="2811968" cy="0"/>
+          </a:xfrm>
+          <a:prstGeom prst="line">
+            <a:avLst/>
+          </a:prstGeom>
+          <a:ln>
+            <a:solidFill>
+              <a:schemeClr val="tx1"/>
+            </a:solidFill>
+          </a:ln>
+        </p:spPr>
+        <p:style>
+          <a:lnRef idx="1">
+            <a:schemeClr val="accent1"/>
+          </a:lnRef>
+          <a:fillRef idx="0">
+            <a:schemeClr val="accent1"/>
+          </a:fillRef>
+          <a:effectRef idx="0">
+            <a:schemeClr val="accent1"/>
+          </a:effectRef>
+          <a:fontRef idx="minor">
+            <a:schemeClr val="tx1"/>
+          </a:fontRef>
+        </p:style>
+      </p:cxnSp>
+      <p:sp>
+        <p:nvSpPr>
+          <p:cNvPr id="49" name="TextBox 48"/>
+          <p:cNvSpPr txBox="1"/>
+          <p:nvPr/>
+        </p:nvSpPr>
+        <p:spPr>
+          <a:xfrm>
+            <a:off x="9564066" y="2060023"/>
+            <a:ext cx="922618" cy="523220"/>
+          </a:xfrm>
+          <a:prstGeom prst="rect">
+            <a:avLst/>
+          </a:prstGeom>
+          <a:noFill/>
+        </p:spPr>
+        <p:txBody>
+          <a:bodyPr wrap="square" rtlCol="0">
+            <a:spAutoFit/>
+          </a:bodyPr>
+          <a:lstStyle/>
+          <a:p>
+            <a:r>
+              <a:rPr lang="ko-KR" altLang="en-US" sz="2800" dirty="0" smtClean="0"/>
+              <a:t>로고</a:t>
+            </a:r>
+            <a:endParaRPr lang="ko-KR" altLang="en-US" sz="2800" dirty="0"/>
+          </a:p>
+        </p:txBody>
+      </p:sp>
+      <p:sp>
+        <p:nvSpPr>
+          <p:cNvPr id="50" name="직사각형 49"/>
+          <p:cNvSpPr/>
+          <p:nvPr/>
+        </p:nvSpPr>
+        <p:spPr>
+          <a:xfrm>
+            <a:off x="8800001" y="2566825"/>
+            <a:ext cx="1686683" cy="258195"/>
+          </a:xfrm>
+          <a:prstGeom prst="rect">
+            <a:avLst/>
+          </a:prstGeom>
+          <a:solidFill>
+            <a:schemeClr val="bg1"/>
+          </a:solidFill>
+          <a:ln>
+            <a:solidFill>
+              <a:schemeClr val="tx1"/>
+            </a:solidFill>
+          </a:ln>
+        </p:spPr>
+        <p:style>
+          <a:lnRef idx="2">
+            <a:schemeClr val="accent1">
+              <a:shade val="50000"/>
+            </a:schemeClr>
+          </a:lnRef>
+          <a:fillRef idx="1">
+            <a:schemeClr val="accent1"/>
+          </a:fillRef>
+          <a:effectRef idx="0">
+            <a:schemeClr val="accent1"/>
+          </a:effectRef>
+          <a:fontRef idx="minor">
+            <a:schemeClr val="lt1"/>
+          </a:fontRef>
+        </p:style>
+        <p:txBody>
+          <a:bodyPr rtlCol="0" anchor="ctr"/>
+          <a:lstStyle/>
+          <a:p>
+            <a:r>
+              <a:rPr lang="ko-KR" altLang="en-US" sz="1000" dirty="0" smtClean="0">
+                <a:solidFill>
+                  <a:schemeClr val="bg1">
+                    <a:lumMod val="75000"/>
+                  </a:schemeClr>
+                </a:solidFill>
+              </a:rPr>
+              <a:t>아이디</a:t>
+            </a:r>
+            <a:endParaRPr lang="ko-KR" altLang="en-US" sz="1000" dirty="0">
+              <a:solidFill>
+                <a:schemeClr val="bg1">
+                  <a:lumMod val="75000"/>
+                </a:schemeClr>
+              </a:solidFill>
+            </a:endParaRPr>
+          </a:p>
+        </p:txBody>
+      </p:sp>
+      <p:sp>
+        <p:nvSpPr>
+          <p:cNvPr id="51" name="직사각형 50"/>
+          <p:cNvSpPr/>
+          <p:nvPr/>
+        </p:nvSpPr>
+        <p:spPr>
+          <a:xfrm>
+            <a:off x="8800000" y="2937586"/>
+            <a:ext cx="2450747" cy="258195"/>
+          </a:xfrm>
+          <a:prstGeom prst="rect">
+            <a:avLst/>
+          </a:prstGeom>
+          <a:solidFill>
+            <a:schemeClr val="bg1"/>
+          </a:solidFill>
+          <a:ln>
+            <a:solidFill>
+              <a:schemeClr val="tx1"/>
+            </a:solidFill>
+          </a:ln>
+        </p:spPr>
+        <p:style>
+          <a:lnRef idx="2">
+            <a:schemeClr val="accent1">
+              <a:shade val="50000"/>
+            </a:schemeClr>
+          </a:lnRef>
+          <a:fillRef idx="1">
+            <a:schemeClr val="accent1"/>
+          </a:fillRef>
+          <a:effectRef idx="0">
+            <a:schemeClr val="accent1"/>
+          </a:effectRef>
+          <a:fontRef idx="minor">
+            <a:schemeClr val="lt1"/>
+          </a:fontRef>
+        </p:style>
+        <p:txBody>
+          <a:bodyPr rtlCol="0" anchor="ctr"/>
+          <a:lstStyle/>
+          <a:p>
+            <a:r>
+              <a:rPr lang="ko-KR" altLang="en-US" sz="1000" dirty="0" smtClean="0">
+                <a:solidFill>
+                  <a:schemeClr val="bg1">
+                    <a:lumMod val="75000"/>
+                  </a:schemeClr>
+                </a:solidFill>
+              </a:rPr>
+              <a:t>비밀번호</a:t>
+            </a:r>
+            <a:endParaRPr lang="ko-KR" altLang="en-US" sz="1000" dirty="0">
+              <a:solidFill>
+                <a:schemeClr val="bg1">
+                  <a:lumMod val="75000"/>
+                </a:schemeClr>
+              </a:solidFill>
+            </a:endParaRPr>
+          </a:p>
+        </p:txBody>
+      </p:sp>
+      <p:sp>
+        <p:nvSpPr>
+          <p:cNvPr id="52" name="직사각형 51"/>
+          <p:cNvSpPr/>
+          <p:nvPr/>
+        </p:nvSpPr>
+        <p:spPr>
+          <a:xfrm>
+            <a:off x="8800000" y="3308347"/>
+            <a:ext cx="2450747" cy="258195"/>
+          </a:xfrm>
+          <a:prstGeom prst="rect">
+            <a:avLst/>
+          </a:prstGeom>
+          <a:solidFill>
+            <a:schemeClr val="bg1"/>
+          </a:solidFill>
+          <a:ln>
+            <a:solidFill>
+              <a:schemeClr val="tx1"/>
+            </a:solidFill>
+          </a:ln>
+        </p:spPr>
+        <p:style>
+          <a:lnRef idx="2">
+            <a:schemeClr val="accent1">
+              <a:shade val="50000"/>
+            </a:schemeClr>
+          </a:lnRef>
+          <a:fillRef idx="1">
+            <a:schemeClr val="accent1"/>
+          </a:fillRef>
+          <a:effectRef idx="0">
+            <a:schemeClr val="accent1"/>
+          </a:effectRef>
+          <a:fontRef idx="minor">
+            <a:schemeClr val="lt1"/>
+          </a:fontRef>
+        </p:style>
+        <p:txBody>
+          <a:bodyPr rtlCol="0" anchor="ctr"/>
+          <a:lstStyle/>
+          <a:p>
+            <a:r>
+              <a:rPr lang="ko-KR" altLang="en-US" sz="1000" dirty="0" smtClean="0">
+                <a:solidFill>
+                  <a:schemeClr val="bg1">
+                    <a:lumMod val="75000"/>
+                  </a:schemeClr>
+                </a:solidFill>
+              </a:rPr>
+              <a:t>비밀번호 재입력</a:t>
+            </a:r>
+            <a:endParaRPr lang="ko-KR" altLang="en-US" sz="1000" dirty="0">
+              <a:solidFill>
+                <a:schemeClr val="bg1">
+                  <a:lumMod val="75000"/>
+                </a:schemeClr>
+              </a:solidFill>
+            </a:endParaRPr>
+          </a:p>
+        </p:txBody>
+      </p:sp>
+      <p:sp>
+        <p:nvSpPr>
+          <p:cNvPr id="53" name="직사각형 52"/>
+          <p:cNvSpPr/>
+          <p:nvPr/>
+        </p:nvSpPr>
+        <p:spPr>
+          <a:xfrm>
+            <a:off x="8800000" y="3666601"/>
+            <a:ext cx="2450747" cy="258195"/>
+          </a:xfrm>
+          <a:prstGeom prst="rect">
+            <a:avLst/>
+          </a:prstGeom>
+          <a:solidFill>
+            <a:schemeClr val="bg1"/>
+          </a:solidFill>
+          <a:ln>
+            <a:solidFill>
+              <a:schemeClr val="tx1"/>
+            </a:solidFill>
+          </a:ln>
+        </p:spPr>
+        <p:style>
+          <a:lnRef idx="2">
+            <a:schemeClr val="accent1">
+              <a:shade val="50000"/>
+            </a:schemeClr>
+          </a:lnRef>
+          <a:fillRef idx="1">
+            <a:schemeClr val="accent1"/>
+          </a:fillRef>
+          <a:effectRef idx="0">
+            <a:schemeClr val="accent1"/>
+          </a:effectRef>
+          <a:fontRef idx="minor">
+            <a:schemeClr val="lt1"/>
+          </a:fontRef>
+        </p:style>
+        <p:txBody>
+          <a:bodyPr rtlCol="0" anchor="ctr"/>
+          <a:lstStyle/>
+          <a:p>
+            <a:r>
+              <a:rPr lang="ko-KR" altLang="en-US" sz="1000" dirty="0" smtClean="0">
+                <a:solidFill>
+                  <a:schemeClr val="bg1">
+                    <a:lumMod val="75000"/>
+                  </a:schemeClr>
+                </a:solidFill>
+              </a:rPr>
+              <a:t>이름</a:t>
+            </a:r>
+            <a:endParaRPr lang="ko-KR" altLang="en-US" sz="1000" dirty="0">
+              <a:solidFill>
+                <a:schemeClr val="bg1">
+                  <a:lumMod val="75000"/>
+                </a:schemeClr>
+              </a:solidFill>
+            </a:endParaRPr>
+          </a:p>
+        </p:txBody>
+      </p:sp>
+      <p:sp>
+        <p:nvSpPr>
+          <p:cNvPr id="54" name="직사각형 53"/>
+          <p:cNvSpPr/>
+          <p:nvPr/>
+        </p:nvSpPr>
+        <p:spPr>
+          <a:xfrm>
+            <a:off x="8799999" y="4020163"/>
+            <a:ext cx="2450747" cy="258195"/>
+          </a:xfrm>
+          <a:prstGeom prst="rect">
+            <a:avLst/>
+          </a:prstGeom>
+          <a:solidFill>
+            <a:schemeClr val="bg1"/>
+          </a:solidFill>
+          <a:ln>
+            <a:solidFill>
+              <a:schemeClr val="tx1"/>
+            </a:solidFill>
+          </a:ln>
+        </p:spPr>
+        <p:style>
+          <a:lnRef idx="2">
+            <a:schemeClr val="accent1">
+              <a:shade val="50000"/>
+            </a:schemeClr>
+          </a:lnRef>
+          <a:fillRef idx="1">
+            <a:schemeClr val="accent1"/>
+          </a:fillRef>
+          <a:effectRef idx="0">
+            <a:schemeClr val="accent1"/>
+          </a:effectRef>
+          <a:fontRef idx="minor">
+            <a:schemeClr val="lt1"/>
+          </a:fontRef>
+        </p:style>
+        <p:txBody>
+          <a:bodyPr rtlCol="0" anchor="ctr"/>
+          <a:lstStyle/>
+          <a:p>
+            <a:r>
+              <a:rPr lang="ko-KR" altLang="en-US" sz="1000" dirty="0" smtClean="0">
+                <a:solidFill>
+                  <a:schemeClr val="bg1">
+                    <a:lumMod val="75000"/>
+                  </a:schemeClr>
+                </a:solidFill>
+              </a:rPr>
+              <a:t>생년월일</a:t>
+            </a:r>
+            <a:r>
+              <a:rPr lang="en-US" altLang="ko-KR" sz="1000" dirty="0" smtClean="0">
+                <a:solidFill>
+                  <a:schemeClr val="bg1">
+                    <a:lumMod val="75000"/>
+                  </a:schemeClr>
+                </a:solidFill>
+              </a:rPr>
+              <a:t>(‘-’</a:t>
+            </a:r>
+            <a:r>
+              <a:rPr lang="ko-KR" altLang="en-US" sz="1000" dirty="0" smtClean="0">
+                <a:solidFill>
+                  <a:schemeClr val="bg1">
+                    <a:lumMod val="75000"/>
+                  </a:schemeClr>
+                </a:solidFill>
+              </a:rPr>
+              <a:t>제외 </a:t>
+            </a:r>
+            <a:r>
+              <a:rPr lang="en-US" altLang="ko-KR" sz="1000" dirty="0" smtClean="0">
+                <a:solidFill>
+                  <a:schemeClr val="bg1">
+                    <a:lumMod val="75000"/>
+                  </a:schemeClr>
+                </a:solidFill>
+              </a:rPr>
+              <a:t>6</a:t>
+            </a:r>
+            <a:r>
+              <a:rPr lang="ko-KR" altLang="en-US" sz="1000" dirty="0" smtClean="0">
+                <a:solidFill>
+                  <a:schemeClr val="bg1">
+                    <a:lumMod val="75000"/>
+                  </a:schemeClr>
+                </a:solidFill>
+              </a:rPr>
+              <a:t>자리</a:t>
+            </a:r>
+            <a:r>
+              <a:rPr lang="en-US" altLang="ko-KR" sz="1000" dirty="0" smtClean="0">
+                <a:solidFill>
+                  <a:schemeClr val="bg1">
+                    <a:lumMod val="75000"/>
+                  </a:schemeClr>
+                </a:solidFill>
+              </a:rPr>
+              <a:t>)</a:t>
+            </a:r>
+            <a:endParaRPr lang="ko-KR" altLang="en-US" sz="1000" dirty="0">
+              <a:solidFill>
+                <a:schemeClr val="bg1">
+                  <a:lumMod val="75000"/>
+                </a:schemeClr>
+              </a:solidFill>
+            </a:endParaRPr>
+          </a:p>
+        </p:txBody>
+      </p:sp>
+      <p:sp>
+        <p:nvSpPr>
+          <p:cNvPr id="55" name="직사각형 54"/>
+          <p:cNvSpPr/>
+          <p:nvPr/>
+        </p:nvSpPr>
+        <p:spPr>
+          <a:xfrm>
+            <a:off x="8799998" y="4390924"/>
+            <a:ext cx="2450747" cy="258195"/>
+          </a:xfrm>
+          <a:prstGeom prst="rect">
+            <a:avLst/>
+          </a:prstGeom>
+          <a:solidFill>
+            <a:schemeClr val="bg1"/>
+          </a:solidFill>
+          <a:ln>
+            <a:solidFill>
+              <a:schemeClr val="tx1"/>
+            </a:solidFill>
+          </a:ln>
+        </p:spPr>
+        <p:style>
+          <a:lnRef idx="2">
+            <a:schemeClr val="accent1">
+              <a:shade val="50000"/>
+            </a:schemeClr>
+          </a:lnRef>
+          <a:fillRef idx="1">
+            <a:schemeClr val="accent1"/>
+          </a:fillRef>
+          <a:effectRef idx="0">
+            <a:schemeClr val="accent1"/>
+          </a:effectRef>
+          <a:fontRef idx="minor">
+            <a:schemeClr val="lt1"/>
+          </a:fontRef>
+        </p:style>
+        <p:txBody>
+          <a:bodyPr rtlCol="0" anchor="ctr"/>
+          <a:lstStyle/>
+          <a:p>
+            <a:r>
+              <a:rPr lang="ko-KR" altLang="en-US" sz="1000" dirty="0" err="1" smtClean="0">
+                <a:solidFill>
+                  <a:schemeClr val="bg1">
+                    <a:lumMod val="75000"/>
+                  </a:schemeClr>
+                </a:solidFill>
+              </a:rPr>
+              <a:t>이메일</a:t>
+            </a:r>
+            <a:endParaRPr lang="ko-KR" altLang="en-US" sz="1000" dirty="0">
+              <a:solidFill>
+                <a:schemeClr val="bg1">
+                  <a:lumMod val="75000"/>
+                </a:schemeClr>
+              </a:solidFill>
+            </a:endParaRPr>
+          </a:p>
+        </p:txBody>
+      </p:sp>
+      <p:sp>
+        <p:nvSpPr>
+          <p:cNvPr id="56" name="직사각형 55"/>
+          <p:cNvSpPr/>
+          <p:nvPr/>
+        </p:nvSpPr>
+        <p:spPr>
+          <a:xfrm>
+            <a:off x="8799997" y="4761685"/>
+            <a:ext cx="2450747" cy="258195"/>
+          </a:xfrm>
+          <a:prstGeom prst="rect">
+            <a:avLst/>
+          </a:prstGeom>
+          <a:solidFill>
+            <a:schemeClr val="bg1"/>
+          </a:solidFill>
+          <a:ln>
+            <a:solidFill>
+              <a:schemeClr val="tx1"/>
+            </a:solidFill>
+          </a:ln>
+        </p:spPr>
+        <p:style>
+          <a:lnRef idx="2">
+            <a:schemeClr val="accent1">
+              <a:shade val="50000"/>
+            </a:schemeClr>
+          </a:lnRef>
+          <a:fillRef idx="1">
+            <a:schemeClr val="accent1"/>
+          </a:fillRef>
+          <a:effectRef idx="0">
+            <a:schemeClr val="accent1"/>
+          </a:effectRef>
+          <a:fontRef idx="minor">
+            <a:schemeClr val="lt1"/>
+          </a:fontRef>
+        </p:style>
+        <p:txBody>
+          <a:bodyPr rtlCol="0" anchor="ctr"/>
+          <a:lstStyle/>
+          <a:p>
+            <a:r>
+              <a:rPr lang="ko-KR" altLang="en-US" sz="1000" dirty="0" smtClean="0">
+                <a:solidFill>
+                  <a:schemeClr val="bg1">
+                    <a:lumMod val="75000"/>
+                  </a:schemeClr>
+                </a:solidFill>
+              </a:rPr>
+              <a:t>휴대폰</a:t>
+            </a:r>
+            <a:r>
+              <a:rPr lang="en-US" altLang="ko-KR" sz="1000" dirty="0" smtClean="0">
+                <a:solidFill>
+                  <a:schemeClr val="bg1">
+                    <a:lumMod val="75000"/>
+                  </a:schemeClr>
+                </a:solidFill>
+              </a:rPr>
+              <a:t>(‘-’</a:t>
+            </a:r>
+            <a:r>
+              <a:rPr lang="ko-KR" altLang="en-US" sz="1000" dirty="0" smtClean="0">
+                <a:solidFill>
+                  <a:schemeClr val="bg1">
+                    <a:lumMod val="75000"/>
+                  </a:schemeClr>
+                </a:solidFill>
+              </a:rPr>
+              <a:t>제외</a:t>
+            </a:r>
+            <a:r>
+              <a:rPr lang="en-US" altLang="ko-KR" sz="1000" dirty="0" smtClean="0">
+                <a:solidFill>
+                  <a:schemeClr val="bg1">
+                    <a:lumMod val="75000"/>
+                  </a:schemeClr>
+                </a:solidFill>
+              </a:rPr>
+              <a:t>)</a:t>
+            </a:r>
+            <a:endParaRPr lang="ko-KR" altLang="en-US" sz="1000" dirty="0">
+              <a:solidFill>
+                <a:schemeClr val="bg1">
+                  <a:lumMod val="75000"/>
+                </a:schemeClr>
+              </a:solidFill>
+            </a:endParaRPr>
+          </a:p>
+        </p:txBody>
+      </p:sp>
+      <p:sp>
+        <p:nvSpPr>
+          <p:cNvPr id="57" name="직사각형 56"/>
+          <p:cNvSpPr/>
+          <p:nvPr/>
+        </p:nvSpPr>
+        <p:spPr>
+          <a:xfrm>
+            <a:off x="10602014" y="2563226"/>
+            <a:ext cx="648730" cy="258195"/>
+          </a:xfrm>
+          <a:prstGeom prst="rect">
+            <a:avLst/>
+          </a:prstGeom>
+          <a:solidFill>
+            <a:schemeClr val="tx1"/>
+          </a:solidFill>
+          <a:ln>
+            <a:solidFill>
+              <a:schemeClr val="tx1"/>
+            </a:solidFill>
+          </a:ln>
+        </p:spPr>
+        <p:style>
+          <a:lnRef idx="2">
+            <a:schemeClr val="accent1">
+              <a:shade val="50000"/>
+            </a:schemeClr>
+          </a:lnRef>
+          <a:fillRef idx="1">
+            <a:schemeClr val="accent1"/>
+          </a:fillRef>
+          <a:effectRef idx="0">
+            <a:schemeClr val="accent1"/>
+          </a:effectRef>
+          <a:fontRef idx="minor">
+            <a:schemeClr val="lt1"/>
+          </a:fontRef>
+        </p:style>
+        <p:txBody>
+          <a:bodyPr rtlCol="0" anchor="ctr"/>
+          <a:lstStyle/>
+          <a:p>
+            <a:pPr algn="ctr"/>
+            <a:r>
+              <a:rPr lang="ko-KR" altLang="en-US" sz="800" dirty="0" smtClean="0">
+                <a:solidFill>
+                  <a:schemeClr val="bg1"/>
+                </a:solidFill>
+              </a:rPr>
+              <a:t>중복확인</a:t>
+            </a:r>
+            <a:endParaRPr lang="ko-KR" altLang="en-US" sz="800" dirty="0">
+              <a:solidFill>
+                <a:schemeClr val="bg1"/>
+              </a:solidFill>
+            </a:endParaRPr>
+          </a:p>
+        </p:txBody>
+      </p:sp>
+      <p:sp>
+        <p:nvSpPr>
+          <p:cNvPr id="58" name="직사각형 57"/>
+          <p:cNvSpPr/>
+          <p:nvPr/>
+        </p:nvSpPr>
+        <p:spPr>
+          <a:xfrm>
+            <a:off x="9243810" y="5181618"/>
+            <a:ext cx="1563120" cy="258195"/>
+          </a:xfrm>
+          <a:prstGeom prst="rect">
+            <a:avLst/>
+          </a:prstGeom>
+          <a:solidFill>
+            <a:schemeClr val="bg1"/>
+          </a:solidFill>
+          <a:ln>
+            <a:solidFill>
+              <a:schemeClr val="tx1"/>
+            </a:solidFill>
+          </a:ln>
+        </p:spPr>
+        <p:style>
+          <a:lnRef idx="2">
+            <a:schemeClr val="accent1">
+              <a:shade val="50000"/>
+            </a:schemeClr>
+          </a:lnRef>
+          <a:fillRef idx="1">
+            <a:schemeClr val="accent1"/>
+          </a:fillRef>
+          <a:effectRef idx="0">
+            <a:schemeClr val="accent1"/>
+          </a:effectRef>
+          <a:fontRef idx="minor">
+            <a:schemeClr val="lt1"/>
+          </a:fontRef>
+        </p:style>
+        <p:txBody>
+          <a:bodyPr rtlCol="0" anchor="ctr"/>
+          <a:lstStyle/>
+          <a:p>
+            <a:pPr algn="ctr"/>
+            <a:r>
+              <a:rPr lang="ko-KR" altLang="en-US" sz="1000" dirty="0" smtClean="0">
+                <a:solidFill>
+                  <a:schemeClr val="tx1"/>
+                </a:solidFill>
+              </a:rPr>
+              <a:t>가입하기</a:t>
+            </a:r>
+            <a:endParaRPr lang="ko-KR" altLang="en-US" sz="1000" dirty="0">
+              <a:solidFill>
+                <a:schemeClr val="tx1"/>
+              </a:solidFill>
+            </a:endParaRPr>
+          </a:p>
+        </p:txBody>
+      </p:sp>
+      <p:sp>
+        <p:nvSpPr>
+          <p:cNvPr id="59" name="TextBox 58"/>
+          <p:cNvSpPr txBox="1"/>
+          <p:nvPr/>
+        </p:nvSpPr>
+        <p:spPr>
+          <a:xfrm>
+            <a:off x="777269" y="2129221"/>
+            <a:ext cx="7569580" cy="338554"/>
+          </a:xfrm>
+          <a:prstGeom prst="rect">
+            <a:avLst/>
+          </a:prstGeom>
+          <a:noFill/>
+        </p:spPr>
+        <p:txBody>
+          <a:bodyPr wrap="square" rtlCol="0">
+            <a:spAutoFit/>
+          </a:bodyPr>
+          <a:lstStyle/>
+          <a:p>
+            <a:pPr algn="ctr"/>
+            <a:r>
+              <a:rPr lang="ko-KR" altLang="en-US" sz="1600" dirty="0" smtClean="0"/>
+              <a:t>조립컴퓨터               컴퓨터부품               </a:t>
+            </a:r>
+            <a:r>
+              <a:rPr lang="ko-KR" altLang="en-US" sz="1600" dirty="0" smtClean="0"/>
+              <a:t>견적문의</a:t>
+            </a:r>
+            <a:endParaRPr lang="ko-KR" altLang="en-US" sz="1600" dirty="0"/>
           </a:p>
         </p:txBody>
       </p:sp>
@@ -39831,37 +47295,6 @@
           </a:p>
         </p:txBody>
       </p:sp>
-      <p:sp>
-        <p:nvSpPr>
-          <p:cNvPr id="17" name="TextBox 16"/>
-          <p:cNvSpPr txBox="1"/>
-          <p:nvPr/>
-        </p:nvSpPr>
-        <p:spPr>
-          <a:xfrm>
-            <a:off x="777269" y="2129221"/>
-            <a:ext cx="7569580" cy="338554"/>
-          </a:xfrm>
-          <a:prstGeom prst="rect">
-            <a:avLst/>
-          </a:prstGeom>
-          <a:noFill/>
-        </p:spPr>
-        <p:txBody>
-          <a:bodyPr wrap="square" rtlCol="0">
-            <a:spAutoFit/>
-          </a:bodyPr>
-          <a:lstStyle/>
-          <a:p>
-            <a:pPr algn="ctr"/>
-            <a:r>
-              <a:rPr lang="ko-KR" altLang="en-US" sz="1600" dirty="0" smtClean="0"/>
-              <a:t>조립컴퓨터               컴퓨터부품               견적문의              개인사양결제</a:t>
-            </a:r>
-            <a:endParaRPr lang="ko-KR" altLang="en-US" sz="1600" dirty="0"/>
-          </a:p>
-        </p:txBody>
-      </p:sp>
       <p:cxnSp>
         <p:nvCxnSpPr>
           <p:cNvPr id="19" name="직선 연결선 18"/>
@@ -41216,6 +48649,772 @@
               <a:t>마이페이지</a:t>
             </a:r>
             <a:endParaRPr lang="ko-KR" altLang="en-US" sz="1000" dirty="0"/>
+          </a:p>
+        </p:txBody>
+      </p:sp>
+      <p:cxnSp>
+        <p:nvCxnSpPr>
+          <p:cNvPr id="53" name="직선 연결선 52"/>
+          <p:cNvCxnSpPr/>
+          <p:nvPr/>
+        </p:nvCxnSpPr>
+        <p:spPr>
+          <a:xfrm>
+            <a:off x="8602764" y="1984861"/>
+            <a:ext cx="2811968" cy="0"/>
+          </a:xfrm>
+          <a:prstGeom prst="line">
+            <a:avLst/>
+          </a:prstGeom>
+          <a:ln>
+            <a:solidFill>
+              <a:schemeClr val="tx1"/>
+            </a:solidFill>
+          </a:ln>
+        </p:spPr>
+        <p:style>
+          <a:lnRef idx="1">
+            <a:schemeClr val="accent1"/>
+          </a:lnRef>
+          <a:fillRef idx="0">
+            <a:schemeClr val="accent1"/>
+          </a:fillRef>
+          <a:effectRef idx="0">
+            <a:schemeClr val="accent1"/>
+          </a:effectRef>
+          <a:fontRef idx="minor">
+            <a:schemeClr val="tx1"/>
+          </a:fontRef>
+        </p:style>
+      </p:cxnSp>
+      <p:sp>
+        <p:nvSpPr>
+          <p:cNvPr id="75" name="TextBox 74"/>
+          <p:cNvSpPr txBox="1"/>
+          <p:nvPr/>
+        </p:nvSpPr>
+        <p:spPr>
+          <a:xfrm>
+            <a:off x="8670594" y="2028680"/>
+            <a:ext cx="1112108" cy="276999"/>
+          </a:xfrm>
+          <a:prstGeom prst="rect">
+            <a:avLst/>
+          </a:prstGeom>
+          <a:noFill/>
+        </p:spPr>
+        <p:txBody>
+          <a:bodyPr wrap="square" rtlCol="0">
+            <a:spAutoFit/>
+          </a:bodyPr>
+          <a:lstStyle/>
+          <a:p>
+            <a:r>
+              <a:rPr lang="ko-KR" altLang="en-US" sz="1200" dirty="0" smtClean="0"/>
+              <a:t>서비스 센터</a:t>
+            </a:r>
+            <a:endParaRPr lang="ko-KR" altLang="en-US" sz="1200" dirty="0"/>
+          </a:p>
+        </p:txBody>
+      </p:sp>
+      <p:sp>
+        <p:nvSpPr>
+          <p:cNvPr id="76" name="직사각형 75"/>
+          <p:cNvSpPr/>
+          <p:nvPr/>
+        </p:nvSpPr>
+        <p:spPr>
+          <a:xfrm>
+            <a:off x="8670594" y="2403978"/>
+            <a:ext cx="1112108" cy="249674"/>
+          </a:xfrm>
+          <a:prstGeom prst="rect">
+            <a:avLst/>
+          </a:prstGeom>
+          <a:solidFill>
+            <a:schemeClr val="bg1"/>
+          </a:solidFill>
+          <a:ln>
+            <a:solidFill>
+              <a:schemeClr val="tx1"/>
+            </a:solidFill>
+          </a:ln>
+        </p:spPr>
+        <p:style>
+          <a:lnRef idx="2">
+            <a:schemeClr val="accent1">
+              <a:shade val="50000"/>
+            </a:schemeClr>
+          </a:lnRef>
+          <a:fillRef idx="1">
+            <a:schemeClr val="accent1"/>
+          </a:fillRef>
+          <a:effectRef idx="0">
+            <a:schemeClr val="accent1"/>
+          </a:effectRef>
+          <a:fontRef idx="minor">
+            <a:schemeClr val="lt1"/>
+          </a:fontRef>
+        </p:style>
+        <p:txBody>
+          <a:bodyPr rtlCol="0" anchor="ctr"/>
+          <a:lstStyle/>
+          <a:p>
+            <a:r>
+              <a:rPr lang="ko-KR" altLang="en-US" sz="1000" dirty="0" smtClean="0">
+                <a:solidFill>
+                  <a:schemeClr val="tx1"/>
+                </a:solidFill>
+              </a:rPr>
+              <a:t>공지사항</a:t>
+            </a:r>
+            <a:endParaRPr lang="ko-KR" altLang="en-US" sz="1000" dirty="0">
+              <a:solidFill>
+                <a:schemeClr val="tx1"/>
+              </a:solidFill>
+            </a:endParaRPr>
+          </a:p>
+        </p:txBody>
+      </p:sp>
+      <p:sp>
+        <p:nvSpPr>
+          <p:cNvPr id="77" name="아래쪽 화살표 76"/>
+          <p:cNvSpPr/>
+          <p:nvPr/>
+        </p:nvSpPr>
+        <p:spPr>
+          <a:xfrm>
+            <a:off x="9576759" y="2475556"/>
+            <a:ext cx="131805" cy="123568"/>
+          </a:xfrm>
+          <a:prstGeom prst="downArrow">
+            <a:avLst/>
+          </a:prstGeom>
+          <a:solidFill>
+            <a:schemeClr val="bg1"/>
+          </a:solidFill>
+          <a:ln>
+            <a:solidFill>
+              <a:schemeClr val="tx1"/>
+            </a:solidFill>
+          </a:ln>
+        </p:spPr>
+        <p:style>
+          <a:lnRef idx="2">
+            <a:schemeClr val="accent1">
+              <a:shade val="50000"/>
+            </a:schemeClr>
+          </a:lnRef>
+          <a:fillRef idx="1">
+            <a:schemeClr val="accent1"/>
+          </a:fillRef>
+          <a:effectRef idx="0">
+            <a:schemeClr val="accent1"/>
+          </a:effectRef>
+          <a:fontRef idx="minor">
+            <a:schemeClr val="lt1"/>
+          </a:fontRef>
+        </p:style>
+        <p:txBody>
+          <a:bodyPr rtlCol="0" anchor="ctr"/>
+          <a:lstStyle/>
+          <a:p>
+            <a:pPr algn="ctr"/>
+            <a:endParaRPr lang="ko-KR" altLang="en-US"/>
+          </a:p>
+        </p:txBody>
+      </p:sp>
+      <p:cxnSp>
+        <p:nvCxnSpPr>
+          <p:cNvPr id="78" name="직선 연결선 77"/>
+          <p:cNvCxnSpPr/>
+          <p:nvPr/>
+        </p:nvCxnSpPr>
+        <p:spPr>
+          <a:xfrm>
+            <a:off x="8747773" y="3417010"/>
+            <a:ext cx="2512991" cy="0"/>
+          </a:xfrm>
+          <a:prstGeom prst="line">
+            <a:avLst/>
+          </a:prstGeom>
+        </p:spPr>
+        <p:style>
+          <a:lnRef idx="1">
+            <a:schemeClr val="dk1"/>
+          </a:lnRef>
+          <a:fillRef idx="0">
+            <a:schemeClr val="dk1"/>
+          </a:fillRef>
+          <a:effectRef idx="0">
+            <a:schemeClr val="dk1"/>
+          </a:effectRef>
+          <a:fontRef idx="minor">
+            <a:schemeClr val="tx1"/>
+          </a:fontRef>
+        </p:style>
+      </p:cxnSp>
+      <p:cxnSp>
+        <p:nvCxnSpPr>
+          <p:cNvPr id="83" name="직선 연결선 82"/>
+          <p:cNvCxnSpPr/>
+          <p:nvPr/>
+        </p:nvCxnSpPr>
+        <p:spPr>
+          <a:xfrm>
+            <a:off x="8747773" y="3194588"/>
+            <a:ext cx="2512991" cy="0"/>
+          </a:xfrm>
+          <a:prstGeom prst="line">
+            <a:avLst/>
+          </a:prstGeom>
+        </p:spPr>
+        <p:style>
+          <a:lnRef idx="1">
+            <a:schemeClr val="dk1"/>
+          </a:lnRef>
+          <a:fillRef idx="0">
+            <a:schemeClr val="dk1"/>
+          </a:fillRef>
+          <a:effectRef idx="0">
+            <a:schemeClr val="dk1"/>
+          </a:effectRef>
+          <a:fontRef idx="minor">
+            <a:schemeClr val="tx1"/>
+          </a:fontRef>
+        </p:style>
+      </p:cxnSp>
+      <p:cxnSp>
+        <p:nvCxnSpPr>
+          <p:cNvPr id="87" name="직선 연결선 86"/>
+          <p:cNvCxnSpPr/>
+          <p:nvPr/>
+        </p:nvCxnSpPr>
+        <p:spPr>
+          <a:xfrm>
+            <a:off x="8747773" y="2881546"/>
+            <a:ext cx="2512991" cy="0"/>
+          </a:xfrm>
+          <a:prstGeom prst="line">
+            <a:avLst/>
+          </a:prstGeom>
+        </p:spPr>
+        <p:style>
+          <a:lnRef idx="1">
+            <a:schemeClr val="dk1"/>
+          </a:lnRef>
+          <a:fillRef idx="0">
+            <a:schemeClr val="dk1"/>
+          </a:fillRef>
+          <a:effectRef idx="0">
+            <a:schemeClr val="dk1"/>
+          </a:effectRef>
+          <a:fontRef idx="minor">
+            <a:schemeClr val="tx1"/>
+          </a:fontRef>
+        </p:style>
+      </p:cxnSp>
+      <p:cxnSp>
+        <p:nvCxnSpPr>
+          <p:cNvPr id="98" name="직선 연결선 97"/>
+          <p:cNvCxnSpPr/>
+          <p:nvPr/>
+        </p:nvCxnSpPr>
+        <p:spPr>
+          <a:xfrm>
+            <a:off x="8756100" y="4448780"/>
+            <a:ext cx="2512991" cy="0"/>
+          </a:xfrm>
+          <a:prstGeom prst="line">
+            <a:avLst/>
+          </a:prstGeom>
+        </p:spPr>
+        <p:style>
+          <a:lnRef idx="1">
+            <a:schemeClr val="dk1"/>
+          </a:lnRef>
+          <a:fillRef idx="0">
+            <a:schemeClr val="dk1"/>
+          </a:fillRef>
+          <a:effectRef idx="0">
+            <a:schemeClr val="dk1"/>
+          </a:effectRef>
+          <a:fontRef idx="minor">
+            <a:schemeClr val="tx1"/>
+          </a:fontRef>
+        </p:style>
+      </p:cxnSp>
+      <p:cxnSp>
+        <p:nvCxnSpPr>
+          <p:cNvPr id="99" name="직선 연결선 98"/>
+          <p:cNvCxnSpPr/>
+          <p:nvPr/>
+        </p:nvCxnSpPr>
+        <p:spPr>
+          <a:xfrm>
+            <a:off x="8756100" y="3849495"/>
+            <a:ext cx="2512991" cy="0"/>
+          </a:xfrm>
+          <a:prstGeom prst="line">
+            <a:avLst/>
+          </a:prstGeom>
+        </p:spPr>
+        <p:style>
+          <a:lnRef idx="1">
+            <a:schemeClr val="dk1"/>
+          </a:lnRef>
+          <a:fillRef idx="0">
+            <a:schemeClr val="dk1"/>
+          </a:fillRef>
+          <a:effectRef idx="0">
+            <a:schemeClr val="dk1"/>
+          </a:effectRef>
+          <a:fontRef idx="minor">
+            <a:schemeClr val="tx1"/>
+          </a:fontRef>
+        </p:style>
+      </p:cxnSp>
+      <p:cxnSp>
+        <p:nvCxnSpPr>
+          <p:cNvPr id="100" name="직선 연결선 99"/>
+          <p:cNvCxnSpPr/>
+          <p:nvPr/>
+        </p:nvCxnSpPr>
+        <p:spPr>
+          <a:xfrm>
+            <a:off x="8747773" y="3639429"/>
+            <a:ext cx="2512991" cy="0"/>
+          </a:xfrm>
+          <a:prstGeom prst="line">
+            <a:avLst/>
+          </a:prstGeom>
+        </p:spPr>
+        <p:style>
+          <a:lnRef idx="1">
+            <a:schemeClr val="dk1"/>
+          </a:lnRef>
+          <a:fillRef idx="0">
+            <a:schemeClr val="dk1"/>
+          </a:fillRef>
+          <a:effectRef idx="0">
+            <a:schemeClr val="dk1"/>
+          </a:effectRef>
+          <a:fontRef idx="minor">
+            <a:schemeClr val="tx1"/>
+          </a:fontRef>
+        </p:style>
+      </p:cxnSp>
+      <p:cxnSp>
+        <p:nvCxnSpPr>
+          <p:cNvPr id="101" name="직선 연결선 100"/>
+          <p:cNvCxnSpPr/>
+          <p:nvPr/>
+        </p:nvCxnSpPr>
+        <p:spPr>
+          <a:xfrm>
+            <a:off x="8757506" y="4241136"/>
+            <a:ext cx="2512991" cy="0"/>
+          </a:xfrm>
+          <a:prstGeom prst="line">
+            <a:avLst/>
+          </a:prstGeom>
+        </p:spPr>
+        <p:style>
+          <a:lnRef idx="1">
+            <a:schemeClr val="dk1"/>
+          </a:lnRef>
+          <a:fillRef idx="0">
+            <a:schemeClr val="dk1"/>
+          </a:fillRef>
+          <a:effectRef idx="0">
+            <a:schemeClr val="dk1"/>
+          </a:effectRef>
+          <a:fontRef idx="minor">
+            <a:schemeClr val="tx1"/>
+          </a:fontRef>
+        </p:style>
+      </p:cxnSp>
+      <p:cxnSp>
+        <p:nvCxnSpPr>
+          <p:cNvPr id="102" name="직선 연결선 101"/>
+          <p:cNvCxnSpPr/>
+          <p:nvPr/>
+        </p:nvCxnSpPr>
+        <p:spPr>
+          <a:xfrm>
+            <a:off x="8756100" y="4043083"/>
+            <a:ext cx="2512991" cy="0"/>
+          </a:xfrm>
+          <a:prstGeom prst="line">
+            <a:avLst/>
+          </a:prstGeom>
+        </p:spPr>
+        <p:style>
+          <a:lnRef idx="1">
+            <a:schemeClr val="dk1"/>
+          </a:lnRef>
+          <a:fillRef idx="0">
+            <a:schemeClr val="dk1"/>
+          </a:fillRef>
+          <a:effectRef idx="0">
+            <a:schemeClr val="dk1"/>
+          </a:effectRef>
+          <a:fontRef idx="minor">
+            <a:schemeClr val="tx1"/>
+          </a:fontRef>
+        </p:style>
+      </p:cxnSp>
+      <p:sp>
+        <p:nvSpPr>
+          <p:cNvPr id="103" name="직사각형 102"/>
+          <p:cNvSpPr/>
+          <p:nvPr/>
+        </p:nvSpPr>
+        <p:spPr>
+          <a:xfrm>
+            <a:off x="9047810" y="5390660"/>
+            <a:ext cx="1379858" cy="238897"/>
+          </a:xfrm>
+          <a:prstGeom prst="rect">
+            <a:avLst/>
+          </a:prstGeom>
+          <a:solidFill>
+            <a:schemeClr val="bg1"/>
+          </a:solidFill>
+          <a:ln>
+            <a:solidFill>
+              <a:schemeClr val="tx1"/>
+            </a:solidFill>
+          </a:ln>
+        </p:spPr>
+        <p:style>
+          <a:lnRef idx="2">
+            <a:schemeClr val="accent1">
+              <a:shade val="50000"/>
+            </a:schemeClr>
+          </a:lnRef>
+          <a:fillRef idx="1">
+            <a:schemeClr val="accent1"/>
+          </a:fillRef>
+          <a:effectRef idx="0">
+            <a:schemeClr val="accent1"/>
+          </a:effectRef>
+          <a:fontRef idx="minor">
+            <a:schemeClr val="lt1"/>
+          </a:fontRef>
+        </p:style>
+        <p:txBody>
+          <a:bodyPr rtlCol="0" anchor="ctr"/>
+          <a:lstStyle/>
+          <a:p>
+            <a:r>
+              <a:rPr lang="ko-KR" altLang="en-US" sz="1200" dirty="0" err="1" smtClean="0">
+                <a:solidFill>
+                  <a:schemeClr val="bg1">
+                    <a:lumMod val="75000"/>
+                  </a:schemeClr>
+                </a:solidFill>
+              </a:rPr>
+              <a:t>검색어</a:t>
+            </a:r>
+            <a:r>
+              <a:rPr lang="ko-KR" altLang="en-US" sz="1200" dirty="0" smtClean="0">
+                <a:solidFill>
+                  <a:schemeClr val="bg1">
+                    <a:lumMod val="75000"/>
+                  </a:schemeClr>
+                </a:solidFill>
+              </a:rPr>
+              <a:t> 입력</a:t>
+            </a:r>
+            <a:endParaRPr lang="ko-KR" altLang="en-US" sz="1200" dirty="0">
+              <a:solidFill>
+                <a:schemeClr val="bg1">
+                  <a:lumMod val="75000"/>
+                </a:schemeClr>
+              </a:solidFill>
+            </a:endParaRPr>
+          </a:p>
+        </p:txBody>
+      </p:sp>
+      <p:sp>
+        <p:nvSpPr>
+          <p:cNvPr id="104" name="직사각형 103"/>
+          <p:cNvSpPr/>
+          <p:nvPr/>
+        </p:nvSpPr>
+        <p:spPr>
+          <a:xfrm>
+            <a:off x="10489409" y="5390660"/>
+            <a:ext cx="510767" cy="238897"/>
+          </a:xfrm>
+          <a:prstGeom prst="rect">
+            <a:avLst/>
+          </a:prstGeom>
+          <a:solidFill>
+            <a:schemeClr val="tx1"/>
+          </a:solidFill>
+          <a:ln>
+            <a:solidFill>
+              <a:schemeClr val="tx1"/>
+            </a:solidFill>
+          </a:ln>
+        </p:spPr>
+        <p:style>
+          <a:lnRef idx="2">
+            <a:schemeClr val="accent1">
+              <a:shade val="50000"/>
+            </a:schemeClr>
+          </a:lnRef>
+          <a:fillRef idx="1">
+            <a:schemeClr val="accent1"/>
+          </a:fillRef>
+          <a:effectRef idx="0">
+            <a:schemeClr val="accent1"/>
+          </a:effectRef>
+          <a:fontRef idx="minor">
+            <a:schemeClr val="lt1"/>
+          </a:fontRef>
+        </p:style>
+        <p:txBody>
+          <a:bodyPr rtlCol="0" anchor="ctr"/>
+          <a:lstStyle/>
+          <a:p>
+            <a:r>
+              <a:rPr lang="ko-KR" altLang="en-US" sz="1200" dirty="0" smtClean="0">
+                <a:solidFill>
+                  <a:schemeClr val="bg1">
+                    <a:lumMod val="75000"/>
+                  </a:schemeClr>
+                </a:solidFill>
+              </a:rPr>
+              <a:t>검색</a:t>
+            </a:r>
+            <a:endParaRPr lang="ko-KR" altLang="en-US" sz="1200" dirty="0">
+              <a:solidFill>
+                <a:schemeClr val="bg1">
+                  <a:lumMod val="75000"/>
+                </a:schemeClr>
+              </a:solidFill>
+            </a:endParaRPr>
+          </a:p>
+        </p:txBody>
+      </p:sp>
+      <p:sp>
+        <p:nvSpPr>
+          <p:cNvPr id="105" name="직사각형 104"/>
+          <p:cNvSpPr/>
+          <p:nvPr/>
+        </p:nvSpPr>
+        <p:spPr>
+          <a:xfrm>
+            <a:off x="10577188" y="2093991"/>
+            <a:ext cx="675501" cy="238897"/>
+          </a:xfrm>
+          <a:prstGeom prst="rect">
+            <a:avLst/>
+          </a:prstGeom>
+          <a:solidFill>
+            <a:schemeClr val="tx1"/>
+          </a:solidFill>
+          <a:ln>
+            <a:solidFill>
+              <a:schemeClr val="tx1"/>
+            </a:solidFill>
+          </a:ln>
+        </p:spPr>
+        <p:style>
+          <a:lnRef idx="2">
+            <a:schemeClr val="accent1">
+              <a:shade val="50000"/>
+            </a:schemeClr>
+          </a:lnRef>
+          <a:fillRef idx="1">
+            <a:schemeClr val="accent1"/>
+          </a:fillRef>
+          <a:effectRef idx="0">
+            <a:schemeClr val="accent1"/>
+          </a:effectRef>
+          <a:fontRef idx="minor">
+            <a:schemeClr val="lt1"/>
+          </a:fontRef>
+        </p:style>
+        <p:txBody>
+          <a:bodyPr rtlCol="0" anchor="ctr"/>
+          <a:lstStyle/>
+          <a:p>
+            <a:r>
+              <a:rPr lang="ko-KR" altLang="en-US" sz="1200" dirty="0" smtClean="0">
+                <a:solidFill>
+                  <a:schemeClr val="bg1">
+                    <a:lumMod val="75000"/>
+                  </a:schemeClr>
+                </a:solidFill>
+              </a:rPr>
+              <a:t>글쓰기</a:t>
+            </a:r>
+            <a:endParaRPr lang="ko-KR" altLang="en-US" sz="1200" dirty="0">
+              <a:solidFill>
+                <a:schemeClr val="bg1">
+                  <a:lumMod val="75000"/>
+                </a:schemeClr>
+              </a:solidFill>
+            </a:endParaRPr>
+          </a:p>
+        </p:txBody>
+      </p:sp>
+      <p:sp>
+        <p:nvSpPr>
+          <p:cNvPr id="106" name="TextBox 105"/>
+          <p:cNvSpPr txBox="1"/>
+          <p:nvPr/>
+        </p:nvSpPr>
+        <p:spPr>
+          <a:xfrm>
+            <a:off x="8706583" y="2941039"/>
+            <a:ext cx="551935" cy="215444"/>
+          </a:xfrm>
+          <a:prstGeom prst="rect">
+            <a:avLst/>
+          </a:prstGeom>
+          <a:noFill/>
+        </p:spPr>
+        <p:txBody>
+          <a:bodyPr wrap="square" rtlCol="0">
+            <a:spAutoFit/>
+          </a:bodyPr>
+          <a:lstStyle/>
+          <a:p>
+            <a:r>
+              <a:rPr lang="ko-KR" altLang="en-US" sz="800" dirty="0" err="1" smtClean="0"/>
+              <a:t>글번호</a:t>
+            </a:r>
+            <a:endParaRPr lang="ko-KR" altLang="en-US" sz="800" dirty="0"/>
+          </a:p>
+        </p:txBody>
+      </p:sp>
+      <p:sp>
+        <p:nvSpPr>
+          <p:cNvPr id="107" name="TextBox 106"/>
+          <p:cNvSpPr txBox="1"/>
+          <p:nvPr/>
+        </p:nvSpPr>
+        <p:spPr>
+          <a:xfrm>
+            <a:off x="9549150" y="2937282"/>
+            <a:ext cx="551935" cy="215444"/>
+          </a:xfrm>
+          <a:prstGeom prst="rect">
+            <a:avLst/>
+          </a:prstGeom>
+          <a:noFill/>
+        </p:spPr>
+        <p:txBody>
+          <a:bodyPr wrap="square" rtlCol="0">
+            <a:spAutoFit/>
+          </a:bodyPr>
+          <a:lstStyle/>
+          <a:p>
+            <a:r>
+              <a:rPr lang="ko-KR" altLang="en-US" sz="800" dirty="0" smtClean="0"/>
+              <a:t>제목</a:t>
+            </a:r>
+            <a:endParaRPr lang="ko-KR" altLang="en-US" sz="800" dirty="0"/>
+          </a:p>
+        </p:txBody>
+      </p:sp>
+      <p:sp>
+        <p:nvSpPr>
+          <p:cNvPr id="108" name="TextBox 107"/>
+          <p:cNvSpPr txBox="1"/>
+          <p:nvPr/>
+        </p:nvSpPr>
+        <p:spPr>
+          <a:xfrm>
+            <a:off x="10305625" y="2941857"/>
+            <a:ext cx="551935" cy="215444"/>
+          </a:xfrm>
+          <a:prstGeom prst="rect">
+            <a:avLst/>
+          </a:prstGeom>
+          <a:noFill/>
+        </p:spPr>
+        <p:txBody>
+          <a:bodyPr wrap="square" rtlCol="0">
+            <a:spAutoFit/>
+          </a:bodyPr>
+          <a:lstStyle/>
+          <a:p>
+            <a:r>
+              <a:rPr lang="ko-KR" altLang="en-US" sz="800" dirty="0" smtClean="0"/>
+              <a:t>작성자</a:t>
+            </a:r>
+            <a:endParaRPr lang="ko-KR" altLang="en-US" sz="800" dirty="0"/>
+          </a:p>
+        </p:txBody>
+      </p:sp>
+      <p:sp>
+        <p:nvSpPr>
+          <p:cNvPr id="109" name="TextBox 108"/>
+          <p:cNvSpPr txBox="1"/>
+          <p:nvPr/>
+        </p:nvSpPr>
+        <p:spPr>
+          <a:xfrm>
+            <a:off x="10807873" y="2941039"/>
+            <a:ext cx="551935" cy="215444"/>
+          </a:xfrm>
+          <a:prstGeom prst="rect">
+            <a:avLst/>
+          </a:prstGeom>
+          <a:noFill/>
+        </p:spPr>
+        <p:txBody>
+          <a:bodyPr wrap="square" rtlCol="0">
+            <a:spAutoFit/>
+          </a:bodyPr>
+          <a:lstStyle/>
+          <a:p>
+            <a:r>
+              <a:rPr lang="ko-KR" altLang="en-US" sz="800" dirty="0" smtClean="0"/>
+              <a:t>작성일</a:t>
+            </a:r>
+            <a:endParaRPr lang="ko-KR" altLang="en-US" sz="800" dirty="0"/>
+          </a:p>
+        </p:txBody>
+      </p:sp>
+      <p:sp>
+        <p:nvSpPr>
+          <p:cNvPr id="110" name="TextBox 109"/>
+          <p:cNvSpPr txBox="1"/>
+          <p:nvPr/>
+        </p:nvSpPr>
+        <p:spPr>
+          <a:xfrm>
+            <a:off x="777269" y="2129221"/>
+            <a:ext cx="7569580" cy="338554"/>
+          </a:xfrm>
+          <a:prstGeom prst="rect">
+            <a:avLst/>
+          </a:prstGeom>
+          <a:noFill/>
+        </p:spPr>
+        <p:txBody>
+          <a:bodyPr wrap="square" rtlCol="0">
+            <a:spAutoFit/>
+          </a:bodyPr>
+          <a:lstStyle/>
+          <a:p>
+            <a:pPr algn="ctr"/>
+            <a:r>
+              <a:rPr lang="ko-KR" altLang="en-US" sz="1600" dirty="0" smtClean="0"/>
+              <a:t>조립컴퓨터               컴퓨터부품               </a:t>
+            </a:r>
+            <a:r>
+              <a:rPr lang="ko-KR" altLang="en-US" sz="1600" dirty="0" smtClean="0"/>
+              <a:t>견적문의</a:t>
+            </a:r>
+            <a:endParaRPr lang="ko-KR" altLang="en-US" sz="1600" dirty="0"/>
           </a:p>
         </p:txBody>
       </p:sp>
